--- a/Rugged Enterprise DevSecNetQAGovOps - Nathen Harvey - Ignite.pptx
+++ b/Rugged Enterprise DevSecNetQAGovOps - Nathen Harvey - Ignite.pptx
@@ -14,24 +14,24 @@
   <p:sldIdLst>
     <p:sldId id="257" r:id="rId3"/>
     <p:sldId id="258" r:id="rId4"/>
-    <p:sldId id="259" r:id="rId5"/>
-    <p:sldId id="260" r:id="rId6"/>
-    <p:sldId id="261" r:id="rId7"/>
-    <p:sldId id="262" r:id="rId8"/>
-    <p:sldId id="263" r:id="rId9"/>
-    <p:sldId id="264" r:id="rId10"/>
-    <p:sldId id="265" r:id="rId11"/>
-    <p:sldId id="266" r:id="rId12"/>
-    <p:sldId id="267" r:id="rId13"/>
-    <p:sldId id="268" r:id="rId14"/>
-    <p:sldId id="269" r:id="rId15"/>
-    <p:sldId id="270" r:id="rId16"/>
-    <p:sldId id="271" r:id="rId17"/>
-    <p:sldId id="272" r:id="rId18"/>
-    <p:sldId id="273" r:id="rId19"/>
-    <p:sldId id="274" r:id="rId20"/>
-    <p:sldId id="275" r:id="rId21"/>
-    <p:sldId id="277" r:id="rId22"/>
+    <p:sldId id="278" r:id="rId5"/>
+    <p:sldId id="279" r:id="rId6"/>
+    <p:sldId id="280" r:id="rId7"/>
+    <p:sldId id="259" r:id="rId8"/>
+    <p:sldId id="260" r:id="rId9"/>
+    <p:sldId id="261" r:id="rId10"/>
+    <p:sldId id="262" r:id="rId11"/>
+    <p:sldId id="263" r:id="rId12"/>
+    <p:sldId id="264" r:id="rId13"/>
+    <p:sldId id="265" r:id="rId14"/>
+    <p:sldId id="266" r:id="rId15"/>
+    <p:sldId id="267" r:id="rId16"/>
+    <p:sldId id="268" r:id="rId17"/>
+    <p:sldId id="270" r:id="rId18"/>
+    <p:sldId id="271" r:id="rId19"/>
+    <p:sldId id="269" r:id="rId20"/>
+    <p:sldId id="277" r:id="rId21"/>
+    <p:sldId id="281" r:id="rId22"/>
   </p:sldIdLst>
   <p:sldSz cx="14630400" cy="8229600"/>
   <p:notesSz cx="6858000" cy="9144000"/>
@@ -213,7 +213,7 @@
             </a:lvl1pPr>
           </a:lstStyle>
           <a:p>
-            <a:fld id="{B94E1CAF-AD50-1741-AD00-13AC33FB5D5D}" type="datetimeFigureOut">
+            <a:fld id="{5037CE8F-B867-F24C-9117-C5E5D56FED16}" type="datetime1">
               <a:rPr lang="en-US" smtClean="0"/>
               <a:t>5/1/16</a:t>
             </a:fld>
@@ -379,7 +379,7 @@
             </a:lvl1pPr>
           </a:lstStyle>
           <a:p>
-            <a:fld id="{38D238DB-F34F-0049-86DD-B2D453CC4589}" type="datetimeFigureOut">
+            <a:fld id="{278B5B62-AECB-7243-A6A5-221E2B26F539}" type="datetime1">
               <a:rPr lang="en-US" smtClean="0"/>
               <a:t>5/1/16</a:t>
             </a:fld>
@@ -650,8 +650,2363 @@
 </p:notesMaster>
 </file>
 
+<file path=ppt/notesSlides/notesSlide1.xml><?xml version="1.0" encoding="utf-8"?>
+<p:notes xmlns:a="http://schemas.openxmlformats.org/drawingml/2006/main" xmlns:r="http://schemas.openxmlformats.org/officeDocument/2006/relationships" xmlns:p="http://schemas.openxmlformats.org/presentationml/2006/main">
+  <p:cSld>
+    <p:spTree>
+      <p:nvGrpSpPr>
+        <p:cNvPr id="1" name=""/>
+        <p:cNvGrpSpPr/>
+        <p:nvPr/>
+      </p:nvGrpSpPr>
+      <p:grpSpPr>
+        <a:xfrm>
+          <a:off x="0" y="0"/>
+          <a:ext cx="0" cy="0"/>
+          <a:chOff x="0" y="0"/>
+          <a:chExt cx="0" cy="0"/>
+        </a:xfrm>
+      </p:grpSpPr>
+      <p:sp>
+        <p:nvSpPr>
+          <p:cNvPr id="2" name="Slide Image Placeholder 1"/>
+          <p:cNvSpPr>
+            <a:spLocks noGrp="1" noRot="1" noChangeAspect="1"/>
+          </p:cNvSpPr>
+          <p:nvPr>
+            <p:ph type="sldImg"/>
+          </p:nvPr>
+        </p:nvSpPr>
+        <p:spPr/>
+      </p:sp>
+      <p:sp>
+        <p:nvSpPr>
+          <p:cNvPr id="3" name="Notes Placeholder 2"/>
+          <p:cNvSpPr>
+            <a:spLocks noGrp="1"/>
+          </p:cNvSpPr>
+          <p:nvPr>
+            <p:ph type="body" idx="1"/>
+          </p:nvPr>
+        </p:nvSpPr>
+        <p:spPr/>
+        <p:txBody>
+          <a:bodyPr/>
+          <a:lstStyle/>
+          <a:p>
+            <a:r>
+              <a:rPr lang="en-US" dirty="0" err="1" smtClean="0"/>
+              <a:t>DevOps</a:t>
+            </a:r>
+            <a:r>
+              <a:rPr lang="en-US" baseline="0" dirty="0" smtClean="0"/>
+              <a:t> is dead.</a:t>
+            </a:r>
+          </a:p>
+          <a:p>
+            <a:endParaRPr lang="en-US" baseline="0" dirty="0" smtClean="0"/>
+          </a:p>
+          <a:p>
+            <a:r>
+              <a:rPr lang="en-US" baseline="0" dirty="0" smtClean="0"/>
+              <a:t>It’s been a great run.  We are approaching the seventh anniversary of </a:t>
+            </a:r>
+            <a:r>
+              <a:rPr lang="en-US" baseline="0" dirty="0" err="1" smtClean="0"/>
+              <a:t>DevOpsDays</a:t>
+            </a:r>
+            <a:r>
+              <a:rPr lang="en-US" baseline="0" dirty="0" smtClean="0"/>
+              <a:t> events</a:t>
+            </a:r>
+            <a:r>
+              <a:rPr lang="en-US" baseline="0" dirty="0" smtClean="0"/>
+              <a:t>.</a:t>
+            </a:r>
+          </a:p>
+          <a:p>
+            <a:endParaRPr lang="en-US" baseline="0" dirty="0" smtClean="0"/>
+          </a:p>
+          <a:p>
+            <a:r>
+              <a:rPr lang="en-US" baseline="0" dirty="0" smtClean="0"/>
+              <a:t>There </a:t>
+            </a:r>
+            <a:r>
+              <a:rPr lang="en-US" baseline="0" dirty="0" smtClean="0"/>
+              <a:t>have been ?? </a:t>
+            </a:r>
+            <a:r>
+              <a:rPr lang="en-US" baseline="0" dirty="0" err="1" smtClean="0"/>
+              <a:t>DevOpsDays</a:t>
+            </a:r>
+            <a:r>
+              <a:rPr lang="en-US" baseline="0" dirty="0" smtClean="0"/>
+              <a:t> events since this started</a:t>
+            </a:r>
+          </a:p>
+          <a:p>
+            <a:endParaRPr lang="en-US" baseline="0" dirty="0" smtClean="0"/>
+          </a:p>
+          <a:p>
+            <a:r>
+              <a:rPr lang="en-US" baseline="0" dirty="0" smtClean="0"/>
+              <a:t>All hope is not lost</a:t>
+            </a:r>
+            <a:r>
+              <a:rPr lang="is-IS" baseline="0" dirty="0" smtClean="0"/>
+              <a:t>…let’s review some of the awesome things this movement has brought us and why I think it’s time to move on</a:t>
+            </a:r>
+            <a:r>
+              <a:rPr lang="is-IS" baseline="0" dirty="0" smtClean="0"/>
+              <a:t>.</a:t>
+            </a:r>
+          </a:p>
+          <a:p>
+            <a:endParaRPr lang="is-IS" baseline="0" dirty="0" smtClean="0"/>
+          </a:p>
+          <a:p>
+            <a:endParaRPr lang="is-IS" baseline="0" dirty="0" smtClean="0"/>
+          </a:p>
+          <a:p>
+            <a:pPr marL="0" marR="0" indent="0" algn="l" defTabSz="653110" rtl="0" eaLnBrk="1" fontAlgn="auto" latinLnBrk="0" hangingPunct="1">
+              <a:lnSpc>
+                <a:spcPct val="100000"/>
+              </a:lnSpc>
+              <a:spcBef>
+                <a:spcPts val="0"/>
+              </a:spcBef>
+              <a:spcAft>
+                <a:spcPts val="0"/>
+              </a:spcAft>
+              <a:buClrTx/>
+              <a:buSzTx/>
+              <a:buFontTx/>
+              <a:buNone/>
+              <a:tabLst/>
+              <a:defRPr/>
+            </a:pPr>
+            <a:r>
+              <a:rPr lang="en-US" baseline="0" dirty="0" smtClean="0"/>
+              <a:t>http://</a:t>
+            </a:r>
+            <a:r>
+              <a:rPr lang="en-US" baseline="0" dirty="0" err="1" smtClean="0"/>
+              <a:t>oregontomb.com</a:t>
+            </a:r>
+            <a:r>
+              <a:rPr lang="en-US" baseline="0" dirty="0" smtClean="0"/>
+              <a:t>/1QLAaGz</a:t>
+            </a:r>
+          </a:p>
+          <a:p>
+            <a:pPr marL="0" marR="0" indent="0" algn="l" defTabSz="653110" rtl="0" eaLnBrk="1" fontAlgn="auto" latinLnBrk="0" hangingPunct="1">
+              <a:lnSpc>
+                <a:spcPct val="100000"/>
+              </a:lnSpc>
+              <a:spcBef>
+                <a:spcPts val="0"/>
+              </a:spcBef>
+              <a:spcAft>
+                <a:spcPts val="0"/>
+              </a:spcAft>
+              <a:buClrTx/>
+              <a:buSzTx/>
+              <a:buFontTx/>
+              <a:buNone/>
+              <a:tabLst/>
+              <a:defRPr/>
+            </a:pPr>
+            <a:endParaRPr lang="en-US" baseline="0" dirty="0" smtClean="0"/>
+          </a:p>
+          <a:p>
+            <a:pPr marL="0" marR="0" indent="0" algn="l" defTabSz="653110" rtl="0" eaLnBrk="1" fontAlgn="auto" latinLnBrk="0" hangingPunct="1">
+              <a:lnSpc>
+                <a:spcPct val="100000"/>
+              </a:lnSpc>
+              <a:spcBef>
+                <a:spcPts val="0"/>
+              </a:spcBef>
+              <a:spcAft>
+                <a:spcPts val="0"/>
+              </a:spcAft>
+              <a:buClrTx/>
+              <a:buSzTx/>
+              <a:buFontTx/>
+              <a:buNone/>
+              <a:tabLst/>
+              <a:defRPr/>
+            </a:pPr>
+            <a:r>
+              <a:rPr lang="en-US" baseline="0" dirty="0" smtClean="0"/>
+              <a:t>http://</a:t>
+            </a:r>
+            <a:r>
+              <a:rPr lang="en-US" baseline="0" dirty="0" err="1" smtClean="0"/>
+              <a:t>tombgen.appspot.com</a:t>
+            </a:r>
+            <a:r>
+              <a:rPr lang="en-US" baseline="0" dirty="0" smtClean="0"/>
+              <a:t>/</a:t>
+            </a:r>
+          </a:p>
+          <a:p>
+            <a:endParaRPr lang="en-US" baseline="0" dirty="0" smtClean="0"/>
+          </a:p>
+          <a:p>
+            <a:endParaRPr lang="en-US" dirty="0"/>
+          </a:p>
+        </p:txBody>
+      </p:sp>
+      <p:sp>
+        <p:nvSpPr>
+          <p:cNvPr id="4" name="Slide Number Placeholder 3"/>
+          <p:cNvSpPr>
+            <a:spLocks noGrp="1"/>
+          </p:cNvSpPr>
+          <p:nvPr>
+            <p:ph type="sldNum" sz="quarter" idx="10"/>
+          </p:nvPr>
+        </p:nvSpPr>
+        <p:spPr/>
+        <p:txBody>
+          <a:bodyPr/>
+          <a:lstStyle/>
+          <a:p>
+            <a:fld id="{6C386E8E-9CDE-0C45-8CB0-C1562D2D7525}" type="slidenum">
+              <a:rPr lang="en-US" smtClean="0"/>
+              <a:t>1</a:t>
+            </a:fld>
+            <a:endParaRPr lang="en-US"/>
+          </a:p>
+        </p:txBody>
+      </p:sp>
+    </p:spTree>
+    <p:extLst>
+      <p:ext uri="{BB962C8B-B14F-4D97-AF65-F5344CB8AC3E}">
+        <p14:creationId xmlns:p14="http://schemas.microsoft.com/office/powerpoint/2010/main" val="4157723317"/>
+      </p:ext>
+    </p:extLst>
+  </p:cSld>
+  <p:clrMapOvr>
+    <a:masterClrMapping/>
+  </p:clrMapOvr>
+</p:notes>
+</file>
+
+<file path=ppt/notesSlides/notesSlide10.xml><?xml version="1.0" encoding="utf-8"?>
+<p:notes xmlns:a="http://schemas.openxmlformats.org/drawingml/2006/main" xmlns:r="http://schemas.openxmlformats.org/officeDocument/2006/relationships" xmlns:p="http://schemas.openxmlformats.org/presentationml/2006/main">
+  <p:cSld>
+    <p:spTree>
+      <p:nvGrpSpPr>
+        <p:cNvPr id="1" name=""/>
+        <p:cNvGrpSpPr/>
+        <p:nvPr/>
+      </p:nvGrpSpPr>
+      <p:grpSpPr>
+        <a:xfrm>
+          <a:off x="0" y="0"/>
+          <a:ext cx="0" cy="0"/>
+          <a:chOff x="0" y="0"/>
+          <a:chExt cx="0" cy="0"/>
+        </a:xfrm>
+      </p:grpSpPr>
+      <p:sp>
+        <p:nvSpPr>
+          <p:cNvPr id="2" name="Slide Image Placeholder 1"/>
+          <p:cNvSpPr>
+            <a:spLocks noGrp="1" noRot="1" noChangeAspect="1"/>
+          </p:cNvSpPr>
+          <p:nvPr>
+            <p:ph type="sldImg"/>
+          </p:nvPr>
+        </p:nvSpPr>
+        <p:spPr/>
+      </p:sp>
+      <p:sp>
+        <p:nvSpPr>
+          <p:cNvPr id="3" name="Notes Placeholder 2"/>
+          <p:cNvSpPr>
+            <a:spLocks noGrp="1"/>
+          </p:cNvSpPr>
+          <p:nvPr>
+            <p:ph type="body" idx="1"/>
+          </p:nvPr>
+        </p:nvSpPr>
+        <p:spPr/>
+        <p:txBody>
+          <a:bodyPr/>
+          <a:lstStyle/>
+          <a:p>
+            <a:r>
+              <a:rPr lang="en-US" dirty="0" smtClean="0"/>
+              <a:t>Switches,</a:t>
+            </a:r>
+            <a:r>
+              <a:rPr lang="en-US" baseline="0" dirty="0" smtClean="0"/>
+              <a:t> Firewalls, and all sorts of networking gear can me fully automated these days.  We must include the Network Engineers in our club.</a:t>
+            </a:r>
+          </a:p>
+          <a:p>
+            <a:endParaRPr lang="en-US" baseline="0" dirty="0" smtClean="0"/>
+          </a:p>
+          <a:p>
+            <a:r>
+              <a:rPr lang="en-US" baseline="0" dirty="0" smtClean="0"/>
+              <a:t>Enterprise </a:t>
+            </a:r>
+            <a:r>
+              <a:rPr lang="en-US" baseline="0" dirty="0" err="1" smtClean="0"/>
+              <a:t>DevSecQANetOps</a:t>
+            </a:r>
+            <a:endParaRPr lang="en-US" dirty="0"/>
+          </a:p>
+        </p:txBody>
+      </p:sp>
+      <p:sp>
+        <p:nvSpPr>
+          <p:cNvPr id="4" name="Slide Number Placeholder 3"/>
+          <p:cNvSpPr>
+            <a:spLocks noGrp="1"/>
+          </p:cNvSpPr>
+          <p:nvPr>
+            <p:ph type="sldNum" sz="quarter" idx="10"/>
+          </p:nvPr>
+        </p:nvSpPr>
+        <p:spPr/>
+        <p:txBody>
+          <a:bodyPr/>
+          <a:lstStyle/>
+          <a:p>
+            <a:fld id="{6C386E8E-9CDE-0C45-8CB0-C1562D2D7525}" type="slidenum">
+              <a:rPr lang="en-US" smtClean="0"/>
+              <a:t>10</a:t>
+            </a:fld>
+            <a:endParaRPr lang="en-US"/>
+          </a:p>
+        </p:txBody>
+      </p:sp>
+    </p:spTree>
+    <p:extLst>
+      <p:ext uri="{BB962C8B-B14F-4D97-AF65-F5344CB8AC3E}">
+        <p14:creationId xmlns:p14="http://schemas.microsoft.com/office/powerpoint/2010/main" val="262423705"/>
+      </p:ext>
+    </p:extLst>
+  </p:cSld>
+  <p:clrMapOvr>
+    <a:masterClrMapping/>
+  </p:clrMapOvr>
+</p:notes>
+</file>
+
+<file path=ppt/notesSlides/notesSlide11.xml><?xml version="1.0" encoding="utf-8"?>
+<p:notes xmlns:a="http://schemas.openxmlformats.org/drawingml/2006/main" xmlns:r="http://schemas.openxmlformats.org/officeDocument/2006/relationships" xmlns:p="http://schemas.openxmlformats.org/presentationml/2006/main">
+  <p:cSld>
+    <p:spTree>
+      <p:nvGrpSpPr>
+        <p:cNvPr id="1" name=""/>
+        <p:cNvGrpSpPr/>
+        <p:nvPr/>
+      </p:nvGrpSpPr>
+      <p:grpSpPr>
+        <a:xfrm>
+          <a:off x="0" y="0"/>
+          <a:ext cx="0" cy="0"/>
+          <a:chOff x="0" y="0"/>
+          <a:chExt cx="0" cy="0"/>
+        </a:xfrm>
+      </p:grpSpPr>
+      <p:sp>
+        <p:nvSpPr>
+          <p:cNvPr id="2" name="Slide Image Placeholder 1"/>
+          <p:cNvSpPr>
+            <a:spLocks noGrp="1" noRot="1" noChangeAspect="1"/>
+          </p:cNvSpPr>
+          <p:nvPr>
+            <p:ph type="sldImg"/>
+          </p:nvPr>
+        </p:nvSpPr>
+        <p:spPr/>
+      </p:sp>
+      <p:sp>
+        <p:nvSpPr>
+          <p:cNvPr id="3" name="Notes Placeholder 2"/>
+          <p:cNvSpPr>
+            <a:spLocks noGrp="1"/>
+          </p:cNvSpPr>
+          <p:nvPr>
+            <p:ph type="body" idx="1"/>
+          </p:nvPr>
+        </p:nvSpPr>
+        <p:spPr/>
+        <p:txBody>
+          <a:bodyPr/>
+          <a:lstStyle/>
+          <a:p>
+            <a:r>
+              <a:rPr lang="en-US" dirty="0" smtClean="0"/>
+              <a:t>You cannot move</a:t>
+            </a:r>
+            <a:r>
+              <a:rPr lang="en-US" baseline="0" dirty="0" smtClean="0"/>
+              <a:t> from the data center to the cloud, from waterfall to agile without changing how budgeting works.  You must understand the tradeoffs between capital expenses and operating expenses.  How can you provide a yearly budget when you’re going to be building application iteratively and consuming compute and other resources on demand?  Clearly, the finance team needs to be part of Enterprise </a:t>
+            </a:r>
+            <a:r>
+              <a:rPr lang="en-US" baseline="0" dirty="0" err="1" smtClean="0"/>
+              <a:t>DevFinSecQANetOps</a:t>
+            </a:r>
+            <a:r>
+              <a:rPr lang="en-US" baseline="0" dirty="0" smtClean="0"/>
+              <a:t>!</a:t>
+            </a:r>
+            <a:endParaRPr lang="en-US" dirty="0"/>
+          </a:p>
+        </p:txBody>
+      </p:sp>
+      <p:sp>
+        <p:nvSpPr>
+          <p:cNvPr id="4" name="Slide Number Placeholder 3"/>
+          <p:cNvSpPr>
+            <a:spLocks noGrp="1"/>
+          </p:cNvSpPr>
+          <p:nvPr>
+            <p:ph type="sldNum" sz="quarter" idx="10"/>
+          </p:nvPr>
+        </p:nvSpPr>
+        <p:spPr/>
+        <p:txBody>
+          <a:bodyPr/>
+          <a:lstStyle/>
+          <a:p>
+            <a:fld id="{6C386E8E-9CDE-0C45-8CB0-C1562D2D7525}" type="slidenum">
+              <a:rPr lang="en-US" smtClean="0"/>
+              <a:t>11</a:t>
+            </a:fld>
+            <a:endParaRPr lang="en-US"/>
+          </a:p>
+        </p:txBody>
+      </p:sp>
+    </p:spTree>
+    <p:extLst>
+      <p:ext uri="{BB962C8B-B14F-4D97-AF65-F5344CB8AC3E}">
+        <p14:creationId xmlns:p14="http://schemas.microsoft.com/office/powerpoint/2010/main" val="4100894452"/>
+      </p:ext>
+    </p:extLst>
+  </p:cSld>
+  <p:clrMapOvr>
+    <a:masterClrMapping/>
+  </p:clrMapOvr>
+</p:notes>
+</file>
+
+<file path=ppt/notesSlides/notesSlide12.xml><?xml version="1.0" encoding="utf-8"?>
+<p:notes xmlns:a="http://schemas.openxmlformats.org/drawingml/2006/main" xmlns:r="http://schemas.openxmlformats.org/officeDocument/2006/relationships" xmlns:p="http://schemas.openxmlformats.org/presentationml/2006/main">
+  <p:cSld>
+    <p:spTree>
+      <p:nvGrpSpPr>
+        <p:cNvPr id="1" name=""/>
+        <p:cNvGrpSpPr/>
+        <p:nvPr/>
+      </p:nvGrpSpPr>
+      <p:grpSpPr>
+        <a:xfrm>
+          <a:off x="0" y="0"/>
+          <a:ext cx="0" cy="0"/>
+          <a:chOff x="0" y="0"/>
+          <a:chExt cx="0" cy="0"/>
+        </a:xfrm>
+      </p:grpSpPr>
+      <p:sp>
+        <p:nvSpPr>
+          <p:cNvPr id="2" name="Slide Image Placeholder 1"/>
+          <p:cNvSpPr>
+            <a:spLocks noGrp="1" noRot="1" noChangeAspect="1"/>
+          </p:cNvSpPr>
+          <p:nvPr>
+            <p:ph type="sldImg"/>
+          </p:nvPr>
+        </p:nvSpPr>
+        <p:spPr/>
+      </p:sp>
+      <p:sp>
+        <p:nvSpPr>
+          <p:cNvPr id="3" name="Notes Placeholder 2"/>
+          <p:cNvSpPr>
+            <a:spLocks noGrp="1"/>
+          </p:cNvSpPr>
+          <p:nvPr>
+            <p:ph type="body" idx="1"/>
+          </p:nvPr>
+        </p:nvSpPr>
+        <p:spPr/>
+        <p:txBody>
+          <a:bodyPr/>
+          <a:lstStyle/>
+          <a:p>
+            <a:r>
+              <a:rPr lang="en-US" dirty="0" smtClean="0"/>
+              <a:t>Life,</a:t>
+            </a:r>
+            <a:r>
+              <a:rPr lang="en-US" baseline="0" dirty="0" smtClean="0"/>
+              <a:t> liberty, and the pursuit of happiness.  These may not be the first things that come to mind when you think of the government but they are principles on which it was founded.</a:t>
+            </a:r>
+          </a:p>
+          <a:p>
+            <a:endParaRPr lang="en-US" baseline="0" dirty="0" smtClean="0"/>
+          </a:p>
+          <a:p>
+            <a:r>
+              <a:rPr lang="en-US" baseline="0" dirty="0" smtClean="0"/>
+              <a:t>Bureaucracy, red tape, slow moving, wasteful.  These words are likely closer to what comes to your mind.  But we have a duty to help the government do better and there are many agencies within the government that want to improve.  These people are also part of our </a:t>
+            </a:r>
+            <a:r>
+              <a:rPr lang="en-US" baseline="0" dirty="0" err="1" smtClean="0"/>
+              <a:t>DevOps</a:t>
+            </a:r>
+            <a:r>
+              <a:rPr lang="en-US" baseline="0" dirty="0" smtClean="0"/>
+              <a:t> Movement.</a:t>
+            </a:r>
+          </a:p>
+          <a:p>
+            <a:endParaRPr lang="en-US" baseline="0" dirty="0" smtClean="0"/>
+          </a:p>
+          <a:p>
+            <a:r>
+              <a:rPr lang="en-US" baseline="0" dirty="0" smtClean="0"/>
+              <a:t>Enterprise </a:t>
+            </a:r>
+            <a:r>
+              <a:rPr lang="en-US" baseline="0" dirty="0" err="1" smtClean="0"/>
+              <a:t>DevGovFinSecQANetOps</a:t>
+            </a:r>
+            <a:endParaRPr lang="en-US" dirty="0"/>
+          </a:p>
+        </p:txBody>
+      </p:sp>
+      <p:sp>
+        <p:nvSpPr>
+          <p:cNvPr id="4" name="Slide Number Placeholder 3"/>
+          <p:cNvSpPr>
+            <a:spLocks noGrp="1"/>
+          </p:cNvSpPr>
+          <p:nvPr>
+            <p:ph type="sldNum" sz="quarter" idx="10"/>
+          </p:nvPr>
+        </p:nvSpPr>
+        <p:spPr/>
+        <p:txBody>
+          <a:bodyPr/>
+          <a:lstStyle/>
+          <a:p>
+            <a:fld id="{6C386E8E-9CDE-0C45-8CB0-C1562D2D7525}" type="slidenum">
+              <a:rPr lang="en-US" smtClean="0"/>
+              <a:t>12</a:t>
+            </a:fld>
+            <a:endParaRPr lang="en-US"/>
+          </a:p>
+        </p:txBody>
+      </p:sp>
+    </p:spTree>
+    <p:extLst>
+      <p:ext uri="{BB962C8B-B14F-4D97-AF65-F5344CB8AC3E}">
+        <p14:creationId xmlns:p14="http://schemas.microsoft.com/office/powerpoint/2010/main" val="1033295378"/>
+      </p:ext>
+    </p:extLst>
+  </p:cSld>
+  <p:clrMapOvr>
+    <a:masterClrMapping/>
+  </p:clrMapOvr>
+</p:notes>
+</file>
+
+<file path=ppt/notesSlides/notesSlide13.xml><?xml version="1.0" encoding="utf-8"?>
+<p:notes xmlns:a="http://schemas.openxmlformats.org/drawingml/2006/main" xmlns:r="http://schemas.openxmlformats.org/officeDocument/2006/relationships" xmlns:p="http://schemas.openxmlformats.org/presentationml/2006/main">
+  <p:cSld>
+    <p:spTree>
+      <p:nvGrpSpPr>
+        <p:cNvPr id="1" name=""/>
+        <p:cNvGrpSpPr/>
+        <p:nvPr/>
+      </p:nvGrpSpPr>
+      <p:grpSpPr>
+        <a:xfrm>
+          <a:off x="0" y="0"/>
+          <a:ext cx="0" cy="0"/>
+          <a:chOff x="0" y="0"/>
+          <a:chExt cx="0" cy="0"/>
+        </a:xfrm>
+      </p:grpSpPr>
+      <p:sp>
+        <p:nvSpPr>
+          <p:cNvPr id="2" name="Slide Image Placeholder 1"/>
+          <p:cNvSpPr>
+            <a:spLocks noGrp="1" noRot="1" noChangeAspect="1"/>
+          </p:cNvSpPr>
+          <p:nvPr>
+            <p:ph type="sldImg"/>
+          </p:nvPr>
+        </p:nvSpPr>
+        <p:spPr/>
+      </p:sp>
+      <p:sp>
+        <p:nvSpPr>
+          <p:cNvPr id="3" name="Notes Placeholder 2"/>
+          <p:cNvSpPr>
+            <a:spLocks noGrp="1"/>
+          </p:cNvSpPr>
+          <p:nvPr>
+            <p:ph type="body" idx="1"/>
+          </p:nvPr>
+        </p:nvSpPr>
+        <p:spPr/>
+        <p:txBody>
+          <a:bodyPr/>
+          <a:lstStyle/>
+          <a:p>
+            <a:r>
+              <a:rPr lang="en-US" dirty="0" smtClean="0"/>
+              <a:t>PCI-DSS,</a:t>
+            </a:r>
+            <a:r>
+              <a:rPr lang="en-US" baseline="0" dirty="0" smtClean="0"/>
+              <a:t> HIPAA, SOX, many of our organizations fall under one or more regulatory burdens.  When the auditors walk in to the building our goal should be to show them that we’re compliant and that we care.  Not to appease and excuse them from the building as quickly as possible.</a:t>
+            </a:r>
+          </a:p>
+          <a:p>
+            <a:endParaRPr lang="en-US" baseline="0" dirty="0" smtClean="0"/>
+          </a:p>
+          <a:p>
+            <a:r>
+              <a:rPr lang="en-US" baseline="0" dirty="0" smtClean="0"/>
+              <a:t>Yes, governance and compliance is also part of </a:t>
+            </a:r>
+            <a:r>
+              <a:rPr lang="en-US" baseline="0" dirty="0" err="1" smtClean="0"/>
+              <a:t>DevOps</a:t>
+            </a:r>
+            <a:r>
+              <a:rPr lang="is-IS" baseline="0" dirty="0" smtClean="0"/>
+              <a:t>….but the good news is that we can reuse “Gov” to have multiple meanings.  We’ll overload that part of the new term.</a:t>
+            </a:r>
+            <a:endParaRPr lang="en-US" dirty="0"/>
+          </a:p>
+        </p:txBody>
+      </p:sp>
+      <p:sp>
+        <p:nvSpPr>
+          <p:cNvPr id="4" name="Slide Number Placeholder 3"/>
+          <p:cNvSpPr>
+            <a:spLocks noGrp="1"/>
+          </p:cNvSpPr>
+          <p:nvPr>
+            <p:ph type="sldNum" sz="quarter" idx="10"/>
+          </p:nvPr>
+        </p:nvSpPr>
+        <p:spPr/>
+        <p:txBody>
+          <a:bodyPr/>
+          <a:lstStyle/>
+          <a:p>
+            <a:fld id="{6C386E8E-9CDE-0C45-8CB0-C1562D2D7525}" type="slidenum">
+              <a:rPr lang="en-US" smtClean="0"/>
+              <a:t>13</a:t>
+            </a:fld>
+            <a:endParaRPr lang="en-US"/>
+          </a:p>
+        </p:txBody>
+      </p:sp>
+    </p:spTree>
+    <p:extLst>
+      <p:ext uri="{BB962C8B-B14F-4D97-AF65-F5344CB8AC3E}">
+        <p14:creationId xmlns:p14="http://schemas.microsoft.com/office/powerpoint/2010/main" val="2787948346"/>
+      </p:ext>
+    </p:extLst>
+  </p:cSld>
+  <p:clrMapOvr>
+    <a:masterClrMapping/>
+  </p:clrMapOvr>
+</p:notes>
+</file>
+
+<file path=ppt/notesSlides/notesSlide14.xml><?xml version="1.0" encoding="utf-8"?>
+<p:notes xmlns:a="http://schemas.openxmlformats.org/drawingml/2006/main" xmlns:r="http://schemas.openxmlformats.org/officeDocument/2006/relationships" xmlns:p="http://schemas.openxmlformats.org/presentationml/2006/main">
+  <p:cSld>
+    <p:spTree>
+      <p:nvGrpSpPr>
+        <p:cNvPr id="1" name=""/>
+        <p:cNvGrpSpPr/>
+        <p:nvPr/>
+      </p:nvGrpSpPr>
+      <p:grpSpPr>
+        <a:xfrm>
+          <a:off x="0" y="0"/>
+          <a:ext cx="0" cy="0"/>
+          <a:chOff x="0" y="0"/>
+          <a:chExt cx="0" cy="0"/>
+        </a:xfrm>
+      </p:grpSpPr>
+      <p:sp>
+        <p:nvSpPr>
+          <p:cNvPr id="2" name="Slide Image Placeholder 1"/>
+          <p:cNvSpPr>
+            <a:spLocks noGrp="1" noRot="1" noChangeAspect="1"/>
+          </p:cNvSpPr>
+          <p:nvPr>
+            <p:ph type="sldImg"/>
+          </p:nvPr>
+        </p:nvSpPr>
+        <p:spPr/>
+      </p:sp>
+      <p:sp>
+        <p:nvSpPr>
+          <p:cNvPr id="3" name="Notes Placeholder 2"/>
+          <p:cNvSpPr>
+            <a:spLocks noGrp="1"/>
+          </p:cNvSpPr>
+          <p:nvPr>
+            <p:ph type="body" idx="1"/>
+          </p:nvPr>
+        </p:nvSpPr>
+        <p:spPr/>
+        <p:txBody>
+          <a:bodyPr/>
+          <a:lstStyle/>
+          <a:p>
+            <a:r>
+              <a:rPr lang="en-US" dirty="0" smtClean="0"/>
+              <a:t>Keeping our teams happy,</a:t>
+            </a:r>
+            <a:r>
+              <a:rPr lang="en-US" baseline="0" dirty="0" smtClean="0"/>
+              <a:t> high functioning, and collaborating is, in part, an outcome of good human resource practices.  Set aside you possible disdain for the name of the group or the idea that humans are resources to be managed and you’ll have to agree that HR plays a large and important role in your team.  Is it possible for you to work on another team for a short period of time?  Who drives recruiting in your organization?  Can cross-functional teams be created to address a problem or work on a project without needing to change the org chart?</a:t>
+            </a:r>
+          </a:p>
+          <a:p>
+            <a:endParaRPr lang="en-US" baseline="0" dirty="0" smtClean="0"/>
+          </a:p>
+          <a:p>
+            <a:r>
+              <a:rPr lang="en-US" baseline="0" dirty="0" smtClean="0"/>
+              <a:t>Enterprise </a:t>
+            </a:r>
+            <a:r>
+              <a:rPr lang="en-US" baseline="0" dirty="0" err="1" smtClean="0"/>
+              <a:t>DevGovHRFinSecQANetOps</a:t>
+            </a:r>
+            <a:r>
+              <a:rPr lang="en-US" baseline="0" dirty="0" smtClean="0"/>
+              <a:t>!</a:t>
+            </a:r>
+            <a:endParaRPr lang="en-US" dirty="0"/>
+          </a:p>
+        </p:txBody>
+      </p:sp>
+      <p:sp>
+        <p:nvSpPr>
+          <p:cNvPr id="4" name="Slide Number Placeholder 3"/>
+          <p:cNvSpPr>
+            <a:spLocks noGrp="1"/>
+          </p:cNvSpPr>
+          <p:nvPr>
+            <p:ph type="sldNum" sz="quarter" idx="10"/>
+          </p:nvPr>
+        </p:nvSpPr>
+        <p:spPr/>
+        <p:txBody>
+          <a:bodyPr/>
+          <a:lstStyle/>
+          <a:p>
+            <a:fld id="{6C386E8E-9CDE-0C45-8CB0-C1562D2D7525}" type="slidenum">
+              <a:rPr lang="en-US" smtClean="0"/>
+              <a:t>14</a:t>
+            </a:fld>
+            <a:endParaRPr lang="en-US"/>
+          </a:p>
+        </p:txBody>
+      </p:sp>
+    </p:spTree>
+    <p:extLst>
+      <p:ext uri="{BB962C8B-B14F-4D97-AF65-F5344CB8AC3E}">
+        <p14:creationId xmlns:p14="http://schemas.microsoft.com/office/powerpoint/2010/main" val="718828554"/>
+      </p:ext>
+    </p:extLst>
+  </p:cSld>
+  <p:clrMapOvr>
+    <a:masterClrMapping/>
+  </p:clrMapOvr>
+</p:notes>
+</file>
+
+<file path=ppt/notesSlides/notesSlide15.xml><?xml version="1.0" encoding="utf-8"?>
+<p:notes xmlns:a="http://schemas.openxmlformats.org/drawingml/2006/main" xmlns:r="http://schemas.openxmlformats.org/officeDocument/2006/relationships" xmlns:p="http://schemas.openxmlformats.org/presentationml/2006/main">
+  <p:cSld>
+    <p:spTree>
+      <p:nvGrpSpPr>
+        <p:cNvPr id="1" name=""/>
+        <p:cNvGrpSpPr/>
+        <p:nvPr/>
+      </p:nvGrpSpPr>
+      <p:grpSpPr>
+        <a:xfrm>
+          <a:off x="0" y="0"/>
+          <a:ext cx="0" cy="0"/>
+          <a:chOff x="0" y="0"/>
+          <a:chExt cx="0" cy="0"/>
+        </a:xfrm>
+      </p:grpSpPr>
+      <p:sp>
+        <p:nvSpPr>
+          <p:cNvPr id="2" name="Slide Image Placeholder 1"/>
+          <p:cNvSpPr>
+            <a:spLocks noGrp="1" noRot="1" noChangeAspect="1"/>
+          </p:cNvSpPr>
+          <p:nvPr>
+            <p:ph type="sldImg"/>
+          </p:nvPr>
+        </p:nvSpPr>
+        <p:spPr/>
+      </p:sp>
+      <p:sp>
+        <p:nvSpPr>
+          <p:cNvPr id="3" name="Notes Placeholder 2"/>
+          <p:cNvSpPr>
+            <a:spLocks noGrp="1"/>
+          </p:cNvSpPr>
+          <p:nvPr>
+            <p:ph type="body" idx="1"/>
+          </p:nvPr>
+        </p:nvSpPr>
+        <p:spPr/>
+        <p:txBody>
+          <a:bodyPr/>
+          <a:lstStyle/>
+          <a:p>
+            <a:r>
+              <a:rPr lang="en-US" dirty="0" smtClean="0"/>
+              <a:t>Having security in the</a:t>
+            </a:r>
+            <a:r>
+              <a:rPr lang="en-US" baseline="0" dirty="0" smtClean="0"/>
+              <a:t> room isn’t enough.  Security teams need to bring new practices to bear as well.  Introducing lean principles to the practice of security and working together with </a:t>
+            </a:r>
+            <a:r>
+              <a:rPr lang="en-US" baseline="0" dirty="0" err="1" smtClean="0"/>
+              <a:t>dev</a:t>
+            </a:r>
+            <a:r>
+              <a:rPr lang="en-US" baseline="0" dirty="0" smtClean="0"/>
+              <a:t> and ops is often labeled Rugged </a:t>
+            </a:r>
+            <a:r>
+              <a:rPr lang="en-US" baseline="0" dirty="0" err="1" smtClean="0"/>
+              <a:t>DevOps</a:t>
+            </a:r>
+            <a:r>
+              <a:rPr lang="en-US" baseline="0" dirty="0" smtClean="0"/>
+              <a:t>.  Some would even argue that </a:t>
+            </a:r>
+            <a:r>
+              <a:rPr lang="en-US" baseline="0" dirty="0" err="1" smtClean="0"/>
+              <a:t>DevSecOps</a:t>
+            </a:r>
+            <a:r>
+              <a:rPr lang="en-US" baseline="0" dirty="0" smtClean="0"/>
+              <a:t> and Rugged </a:t>
+            </a:r>
+            <a:r>
+              <a:rPr lang="en-US" baseline="0" dirty="0" err="1" smtClean="0"/>
+              <a:t>DevOps</a:t>
+            </a:r>
+            <a:r>
+              <a:rPr lang="en-US" baseline="0" dirty="0" smtClean="0"/>
+              <a:t> are identical terms.  We wouldn’t led “</a:t>
+            </a:r>
+            <a:r>
+              <a:rPr lang="en-US" baseline="0" dirty="0" err="1" smtClean="0"/>
+              <a:t>Gov</a:t>
+            </a:r>
+            <a:r>
+              <a:rPr lang="en-US" baseline="0" dirty="0" smtClean="0"/>
+              <a:t>” be constrained to one meaning, nor will we let security only have one part of the word!  It’s that important!</a:t>
+            </a:r>
+            <a:endParaRPr lang="en-US" dirty="0" smtClean="0"/>
+          </a:p>
+          <a:p>
+            <a:endParaRPr lang="en-US" dirty="0" smtClean="0"/>
+          </a:p>
+          <a:p>
+            <a:r>
+              <a:rPr lang="en-US" dirty="0" smtClean="0"/>
+              <a:t>Rugged Enterprise </a:t>
+            </a:r>
+            <a:r>
+              <a:rPr lang="en-US" dirty="0" err="1" smtClean="0"/>
+              <a:t>DevSecNetQAGovOps</a:t>
+            </a:r>
+            <a:endParaRPr lang="en-US" dirty="0"/>
+          </a:p>
+        </p:txBody>
+      </p:sp>
+      <p:sp>
+        <p:nvSpPr>
+          <p:cNvPr id="4" name="Slide Number Placeholder 3"/>
+          <p:cNvSpPr>
+            <a:spLocks noGrp="1"/>
+          </p:cNvSpPr>
+          <p:nvPr>
+            <p:ph type="sldNum" sz="quarter" idx="10"/>
+          </p:nvPr>
+        </p:nvSpPr>
+        <p:spPr/>
+        <p:txBody>
+          <a:bodyPr/>
+          <a:lstStyle/>
+          <a:p>
+            <a:fld id="{6C386E8E-9CDE-0C45-8CB0-C1562D2D7525}" type="slidenum">
+              <a:rPr lang="en-US" smtClean="0"/>
+              <a:t>15</a:t>
+            </a:fld>
+            <a:endParaRPr lang="en-US"/>
+          </a:p>
+        </p:txBody>
+      </p:sp>
+    </p:spTree>
+    <p:extLst>
+      <p:ext uri="{BB962C8B-B14F-4D97-AF65-F5344CB8AC3E}">
+        <p14:creationId xmlns:p14="http://schemas.microsoft.com/office/powerpoint/2010/main" val="3082271643"/>
+      </p:ext>
+    </p:extLst>
+  </p:cSld>
+  <p:clrMapOvr>
+    <a:masterClrMapping/>
+  </p:clrMapOvr>
+</p:notes>
+</file>
+
+<file path=ppt/notesSlides/notesSlide16.xml><?xml version="1.0" encoding="utf-8"?>
+<p:notes xmlns:a="http://schemas.openxmlformats.org/drawingml/2006/main" xmlns:r="http://schemas.openxmlformats.org/officeDocument/2006/relationships" xmlns:p="http://schemas.openxmlformats.org/presentationml/2006/main">
+  <p:cSld>
+    <p:spTree>
+      <p:nvGrpSpPr>
+        <p:cNvPr id="1" name=""/>
+        <p:cNvGrpSpPr/>
+        <p:nvPr/>
+      </p:nvGrpSpPr>
+      <p:grpSpPr>
+        <a:xfrm>
+          <a:off x="0" y="0"/>
+          <a:ext cx="0" cy="0"/>
+          <a:chOff x="0" y="0"/>
+          <a:chExt cx="0" cy="0"/>
+        </a:xfrm>
+      </p:grpSpPr>
+      <p:sp>
+        <p:nvSpPr>
+          <p:cNvPr id="2" name="Slide Image Placeholder 1"/>
+          <p:cNvSpPr>
+            <a:spLocks noGrp="1" noRot="1" noChangeAspect="1"/>
+          </p:cNvSpPr>
+          <p:nvPr>
+            <p:ph type="sldImg"/>
+          </p:nvPr>
+        </p:nvSpPr>
+        <p:spPr/>
+      </p:sp>
+      <p:sp>
+        <p:nvSpPr>
+          <p:cNvPr id="3" name="Notes Placeholder 2"/>
+          <p:cNvSpPr>
+            <a:spLocks noGrp="1"/>
+          </p:cNvSpPr>
+          <p:nvPr>
+            <p:ph type="body" idx="1"/>
+          </p:nvPr>
+        </p:nvSpPr>
+        <p:spPr/>
+        <p:txBody>
+          <a:bodyPr/>
+          <a:lstStyle/>
+          <a:p>
+            <a:r>
+              <a:rPr lang="en-US" dirty="0" err="1" smtClean="0"/>
+              <a:t>DevOps</a:t>
+            </a:r>
+            <a:r>
+              <a:rPr lang="en-US" dirty="0" smtClean="0"/>
+              <a:t> is about the community</a:t>
+            </a:r>
+            <a:r>
+              <a:rPr lang="en-US" baseline="0" dirty="0" smtClean="0"/>
+              <a:t>, too.  We create, consume, and contribute open source software.  Our legal team needs to be involved to make sure that your employees can do all of those things without having to jump through ridiculous hoops.  This is the laptop I use to do work, this is the laptop I use to contribute to open source.  I never contribute, only consume when in the office.</a:t>
+            </a:r>
+          </a:p>
+          <a:p>
+            <a:endParaRPr lang="en-US" baseline="0" dirty="0" smtClean="0"/>
+          </a:p>
+          <a:p>
+            <a:r>
+              <a:rPr lang="en-US" baseline="0" dirty="0" smtClean="0"/>
+              <a:t>Rugged Enterprise </a:t>
+            </a:r>
+            <a:r>
+              <a:rPr lang="en-US" baseline="0" dirty="0" err="1" smtClean="0"/>
+              <a:t>DevLegalHRFinSecNetQAGovOps</a:t>
+            </a:r>
+            <a:endParaRPr lang="en-US" baseline="0" dirty="0" smtClean="0"/>
+          </a:p>
+          <a:p>
+            <a:endParaRPr lang="en-US" baseline="0" dirty="0" smtClean="0"/>
+          </a:p>
+          <a:p>
+            <a:r>
+              <a:rPr lang="en-US" baseline="0" dirty="0" smtClean="0"/>
+              <a:t>Also, legal wouldn’t allow us to shorten the name of their group.  Must be </a:t>
+            </a:r>
+            <a:r>
+              <a:rPr lang="en-US" baseline="0" smtClean="0"/>
+              <a:t>“Legal”</a:t>
+            </a:r>
+            <a:endParaRPr lang="en-US"/>
+          </a:p>
+        </p:txBody>
+      </p:sp>
+      <p:sp>
+        <p:nvSpPr>
+          <p:cNvPr id="4" name="Slide Number Placeholder 3"/>
+          <p:cNvSpPr>
+            <a:spLocks noGrp="1"/>
+          </p:cNvSpPr>
+          <p:nvPr>
+            <p:ph type="sldNum" sz="quarter" idx="10"/>
+          </p:nvPr>
+        </p:nvSpPr>
+        <p:spPr/>
+        <p:txBody>
+          <a:bodyPr/>
+          <a:lstStyle/>
+          <a:p>
+            <a:fld id="{6C386E8E-9CDE-0C45-8CB0-C1562D2D7525}" type="slidenum">
+              <a:rPr lang="en-US" smtClean="0"/>
+              <a:t>16</a:t>
+            </a:fld>
+            <a:endParaRPr lang="en-US"/>
+          </a:p>
+        </p:txBody>
+      </p:sp>
+    </p:spTree>
+    <p:extLst>
+      <p:ext uri="{BB962C8B-B14F-4D97-AF65-F5344CB8AC3E}">
+        <p14:creationId xmlns:p14="http://schemas.microsoft.com/office/powerpoint/2010/main" val="3592010233"/>
+      </p:ext>
+    </p:extLst>
+  </p:cSld>
+  <p:clrMapOvr>
+    <a:masterClrMapping/>
+  </p:clrMapOvr>
+</p:notes>
+</file>
+
+<file path=ppt/notesSlides/notesSlide17.xml><?xml version="1.0" encoding="utf-8"?>
+<p:notes xmlns:a="http://schemas.openxmlformats.org/drawingml/2006/main" xmlns:r="http://schemas.openxmlformats.org/officeDocument/2006/relationships" xmlns:p="http://schemas.openxmlformats.org/presentationml/2006/main">
+  <p:cSld>
+    <p:spTree>
+      <p:nvGrpSpPr>
+        <p:cNvPr id="1" name=""/>
+        <p:cNvGrpSpPr/>
+        <p:nvPr/>
+      </p:nvGrpSpPr>
+      <p:grpSpPr>
+        <a:xfrm>
+          <a:off x="0" y="0"/>
+          <a:ext cx="0" cy="0"/>
+          <a:chOff x="0" y="0"/>
+          <a:chExt cx="0" cy="0"/>
+        </a:xfrm>
+      </p:grpSpPr>
+      <p:sp>
+        <p:nvSpPr>
+          <p:cNvPr id="2" name="Slide Image Placeholder 1"/>
+          <p:cNvSpPr>
+            <a:spLocks noGrp="1" noRot="1" noChangeAspect="1"/>
+          </p:cNvSpPr>
+          <p:nvPr>
+            <p:ph type="sldImg"/>
+          </p:nvPr>
+        </p:nvSpPr>
+        <p:spPr/>
+      </p:sp>
+      <p:sp>
+        <p:nvSpPr>
+          <p:cNvPr id="3" name="Notes Placeholder 2"/>
+          <p:cNvSpPr>
+            <a:spLocks noGrp="1"/>
+          </p:cNvSpPr>
+          <p:nvPr>
+            <p:ph type="body" idx="1"/>
+          </p:nvPr>
+        </p:nvSpPr>
+        <p:spPr/>
+        <p:txBody>
+          <a:bodyPr/>
+          <a:lstStyle/>
+          <a:p>
+            <a:r>
+              <a:rPr lang="en-US" dirty="0" smtClean="0"/>
+              <a:t>WAIT</a:t>
+            </a:r>
+            <a:r>
+              <a:rPr lang="en-US" baseline="0" dirty="0" smtClean="0"/>
+              <a:t>!!! How could we forget the customer?!  Aren’t we doing all of this to delight the customers?  We should are delivering business and customer value.  How do we need to change and improve to improve and drive our customer’s success?</a:t>
+            </a:r>
+          </a:p>
+          <a:p>
+            <a:endParaRPr lang="en-US" baseline="0" dirty="0" smtClean="0"/>
+          </a:p>
+          <a:p>
+            <a:r>
+              <a:rPr lang="en-US" baseline="0" dirty="0" smtClean="0"/>
+              <a:t>Rugged Enterprise </a:t>
+            </a:r>
+            <a:r>
+              <a:rPr lang="en-US" baseline="0" dirty="0" err="1" smtClean="0"/>
+              <a:t>DevLegalHRFinSecNetQAGovCustOps</a:t>
+            </a:r>
+            <a:r>
+              <a:rPr lang="en-US" baseline="0" dirty="0" smtClean="0"/>
+              <a:t>!</a:t>
+            </a:r>
+            <a:endParaRPr lang="en-US" dirty="0"/>
+          </a:p>
+        </p:txBody>
+      </p:sp>
+      <p:sp>
+        <p:nvSpPr>
+          <p:cNvPr id="4" name="Slide Number Placeholder 3"/>
+          <p:cNvSpPr>
+            <a:spLocks noGrp="1"/>
+          </p:cNvSpPr>
+          <p:nvPr>
+            <p:ph type="sldNum" sz="quarter" idx="10"/>
+          </p:nvPr>
+        </p:nvSpPr>
+        <p:spPr/>
+        <p:txBody>
+          <a:bodyPr/>
+          <a:lstStyle/>
+          <a:p>
+            <a:fld id="{6C386E8E-9CDE-0C45-8CB0-C1562D2D7525}" type="slidenum">
+              <a:rPr lang="en-US" smtClean="0"/>
+              <a:t>17</a:t>
+            </a:fld>
+            <a:endParaRPr lang="en-US"/>
+          </a:p>
+        </p:txBody>
+      </p:sp>
+    </p:spTree>
+    <p:extLst>
+      <p:ext uri="{BB962C8B-B14F-4D97-AF65-F5344CB8AC3E}">
+        <p14:creationId xmlns:p14="http://schemas.microsoft.com/office/powerpoint/2010/main" val="3126698557"/>
+      </p:ext>
+    </p:extLst>
+  </p:cSld>
+  <p:clrMapOvr>
+    <a:masterClrMapping/>
+  </p:clrMapOvr>
+</p:notes>
+</file>
+
+<file path=ppt/notesSlides/notesSlide18.xml><?xml version="1.0" encoding="utf-8"?>
+<p:notes xmlns:a="http://schemas.openxmlformats.org/drawingml/2006/main" xmlns:r="http://schemas.openxmlformats.org/officeDocument/2006/relationships" xmlns:p="http://schemas.openxmlformats.org/presentationml/2006/main">
+  <p:cSld>
+    <p:spTree>
+      <p:nvGrpSpPr>
+        <p:cNvPr id="1" name=""/>
+        <p:cNvGrpSpPr/>
+        <p:nvPr/>
+      </p:nvGrpSpPr>
+      <p:grpSpPr>
+        <a:xfrm>
+          <a:off x="0" y="0"/>
+          <a:ext cx="0" cy="0"/>
+          <a:chOff x="0" y="0"/>
+          <a:chExt cx="0" cy="0"/>
+        </a:xfrm>
+      </p:grpSpPr>
+      <p:sp>
+        <p:nvSpPr>
+          <p:cNvPr id="2" name="Slide Image Placeholder 1"/>
+          <p:cNvSpPr>
+            <a:spLocks noGrp="1" noRot="1" noChangeAspect="1"/>
+          </p:cNvSpPr>
+          <p:nvPr>
+            <p:ph type="sldImg"/>
+          </p:nvPr>
+        </p:nvSpPr>
+        <p:spPr/>
+      </p:sp>
+      <p:sp>
+        <p:nvSpPr>
+          <p:cNvPr id="3" name="Notes Placeholder 2"/>
+          <p:cNvSpPr>
+            <a:spLocks noGrp="1"/>
+          </p:cNvSpPr>
+          <p:nvPr>
+            <p:ph type="body" idx="1"/>
+          </p:nvPr>
+        </p:nvSpPr>
+        <p:spPr/>
+        <p:txBody>
+          <a:bodyPr/>
+          <a:lstStyle/>
+          <a:p>
+            <a:r>
+              <a:rPr lang="en-US" dirty="0" smtClean="0"/>
+              <a:t>Cake</a:t>
+            </a:r>
+            <a:endParaRPr lang="en-US" dirty="0"/>
+          </a:p>
+        </p:txBody>
+      </p:sp>
+      <p:sp>
+        <p:nvSpPr>
+          <p:cNvPr id="4" name="Slide Number Placeholder 3"/>
+          <p:cNvSpPr>
+            <a:spLocks noGrp="1"/>
+          </p:cNvSpPr>
+          <p:nvPr>
+            <p:ph type="sldNum" sz="quarter" idx="10"/>
+          </p:nvPr>
+        </p:nvSpPr>
+        <p:spPr/>
+        <p:txBody>
+          <a:bodyPr/>
+          <a:lstStyle/>
+          <a:p>
+            <a:fld id="{6C386E8E-9CDE-0C45-8CB0-C1562D2D7525}" type="slidenum">
+              <a:rPr lang="en-US" smtClean="0"/>
+              <a:t>18</a:t>
+            </a:fld>
+            <a:endParaRPr lang="en-US"/>
+          </a:p>
+        </p:txBody>
+      </p:sp>
+    </p:spTree>
+    <p:extLst>
+      <p:ext uri="{BB962C8B-B14F-4D97-AF65-F5344CB8AC3E}">
+        <p14:creationId xmlns:p14="http://schemas.microsoft.com/office/powerpoint/2010/main" val="3020168997"/>
+      </p:ext>
+    </p:extLst>
+  </p:cSld>
+  <p:clrMapOvr>
+    <a:masterClrMapping/>
+  </p:clrMapOvr>
+</p:notes>
+</file>
+
+<file path=ppt/notesSlides/notesSlide19.xml><?xml version="1.0" encoding="utf-8"?>
+<p:notes xmlns:a="http://schemas.openxmlformats.org/drawingml/2006/main" xmlns:r="http://schemas.openxmlformats.org/officeDocument/2006/relationships" xmlns:p="http://schemas.openxmlformats.org/presentationml/2006/main">
+  <p:cSld>
+    <p:spTree>
+      <p:nvGrpSpPr>
+        <p:cNvPr id="1" name=""/>
+        <p:cNvGrpSpPr/>
+        <p:nvPr/>
+      </p:nvGrpSpPr>
+      <p:grpSpPr>
+        <a:xfrm>
+          <a:off x="0" y="0"/>
+          <a:ext cx="0" cy="0"/>
+          <a:chOff x="0" y="0"/>
+          <a:chExt cx="0" cy="0"/>
+        </a:xfrm>
+      </p:grpSpPr>
+      <p:sp>
+        <p:nvSpPr>
+          <p:cNvPr id="2" name="Slide Image Placeholder 1"/>
+          <p:cNvSpPr>
+            <a:spLocks noGrp="1" noRot="1" noChangeAspect="1"/>
+          </p:cNvSpPr>
+          <p:nvPr>
+            <p:ph type="sldImg"/>
+          </p:nvPr>
+        </p:nvSpPr>
+        <p:spPr/>
+      </p:sp>
+      <p:sp>
+        <p:nvSpPr>
+          <p:cNvPr id="3" name="Notes Placeholder 2"/>
+          <p:cNvSpPr>
+            <a:spLocks noGrp="1"/>
+          </p:cNvSpPr>
+          <p:nvPr>
+            <p:ph type="body" idx="1"/>
+          </p:nvPr>
+        </p:nvSpPr>
+        <p:spPr/>
+        <p:txBody>
+          <a:bodyPr/>
+          <a:lstStyle/>
+          <a:p>
+            <a:r>
+              <a:rPr lang="en-US" dirty="0" smtClean="0"/>
+              <a:t>Everyone at Chef helps</a:t>
+            </a:r>
+            <a:r>
+              <a:rPr lang="en-US" baseline="0" dirty="0" smtClean="0"/>
+              <a:t> manage the account</a:t>
+            </a:r>
+            <a:endParaRPr lang="en-US" dirty="0"/>
+          </a:p>
+        </p:txBody>
+      </p:sp>
+      <p:sp>
+        <p:nvSpPr>
+          <p:cNvPr id="4" name="Slide Number Placeholder 3"/>
+          <p:cNvSpPr>
+            <a:spLocks noGrp="1"/>
+          </p:cNvSpPr>
+          <p:nvPr>
+            <p:ph type="sldNum" sz="quarter" idx="10"/>
+          </p:nvPr>
+        </p:nvSpPr>
+        <p:spPr/>
+        <p:txBody>
+          <a:bodyPr/>
+          <a:lstStyle/>
+          <a:p>
+            <a:fld id="{869A8D2D-C38A-6541-881E-768B513BACD2}" type="slidenum">
+              <a:rPr lang="en-US" smtClean="0">
+                <a:solidFill>
+                  <a:prstClr val="black"/>
+                </a:solidFill>
+                <a:latin typeface="Calibri"/>
+              </a:rPr>
+              <a:pPr/>
+              <a:t>20</a:t>
+            </a:fld>
+            <a:endParaRPr lang="en-US">
+              <a:solidFill>
+                <a:prstClr val="black"/>
+              </a:solidFill>
+              <a:latin typeface="Calibri"/>
+            </a:endParaRPr>
+          </a:p>
+        </p:txBody>
+      </p:sp>
+    </p:spTree>
+    <p:extLst>
+      <p:ext uri="{BB962C8B-B14F-4D97-AF65-F5344CB8AC3E}">
+        <p14:creationId xmlns:p14="http://schemas.microsoft.com/office/powerpoint/2010/main" val="768145902"/>
+      </p:ext>
+    </p:extLst>
+  </p:cSld>
+  <p:clrMapOvr>
+    <a:masterClrMapping/>
+  </p:clrMapOvr>
+</p:notes>
+</file>
+
+<file path=ppt/notesSlides/notesSlide2.xml><?xml version="1.0" encoding="utf-8"?>
+<p:notes xmlns:a="http://schemas.openxmlformats.org/drawingml/2006/main" xmlns:r="http://schemas.openxmlformats.org/officeDocument/2006/relationships" xmlns:p="http://schemas.openxmlformats.org/presentationml/2006/main">
+  <p:cSld>
+    <p:spTree>
+      <p:nvGrpSpPr>
+        <p:cNvPr id="1" name=""/>
+        <p:cNvGrpSpPr/>
+        <p:nvPr/>
+      </p:nvGrpSpPr>
+      <p:grpSpPr>
+        <a:xfrm>
+          <a:off x="0" y="0"/>
+          <a:ext cx="0" cy="0"/>
+          <a:chOff x="0" y="0"/>
+          <a:chExt cx="0" cy="0"/>
+        </a:xfrm>
+      </p:grpSpPr>
+      <p:sp>
+        <p:nvSpPr>
+          <p:cNvPr id="2" name="Slide Image Placeholder 1"/>
+          <p:cNvSpPr>
+            <a:spLocks noGrp="1" noRot="1" noChangeAspect="1"/>
+          </p:cNvSpPr>
+          <p:nvPr>
+            <p:ph type="sldImg"/>
+          </p:nvPr>
+        </p:nvSpPr>
+        <p:spPr/>
+      </p:sp>
+      <p:sp>
+        <p:nvSpPr>
+          <p:cNvPr id="3" name="Notes Placeholder 2"/>
+          <p:cNvSpPr>
+            <a:spLocks noGrp="1"/>
+          </p:cNvSpPr>
+          <p:nvPr>
+            <p:ph type="body" idx="1"/>
+          </p:nvPr>
+        </p:nvSpPr>
+        <p:spPr/>
+        <p:txBody>
+          <a:bodyPr/>
+          <a:lstStyle/>
+          <a:p>
+            <a:r>
+              <a:rPr lang="en-US" dirty="0" smtClean="0"/>
+              <a:t>Historians will</a:t>
+            </a:r>
+            <a:r>
+              <a:rPr lang="en-US" baseline="0" dirty="0" smtClean="0"/>
+              <a:t> look at an open space session at Agile </a:t>
+            </a:r>
+            <a:r>
+              <a:rPr lang="en-US" baseline="0" dirty="0" err="1" smtClean="0"/>
+              <a:t>conf</a:t>
+            </a:r>
+            <a:r>
+              <a:rPr lang="en-US" baseline="0" dirty="0" smtClean="0"/>
+              <a:t> as the ground zero for </a:t>
+            </a:r>
+            <a:r>
+              <a:rPr lang="en-US" baseline="0" dirty="0" err="1" smtClean="0"/>
+              <a:t>DevOps</a:t>
+            </a:r>
+            <a:r>
+              <a:rPr lang="en-US" baseline="0" dirty="0" smtClean="0"/>
+              <a:t>.</a:t>
+            </a:r>
+          </a:p>
+          <a:p>
+            <a:endParaRPr lang="en-US" baseline="0" dirty="0" smtClean="0"/>
+          </a:p>
+          <a:p>
+            <a:r>
+              <a:rPr lang="en-US" baseline="0" dirty="0" smtClean="0"/>
+              <a:t>A topic of “Agile Infrastructure” was proposed.  This was a time when many people looked at using </a:t>
+            </a:r>
+            <a:r>
+              <a:rPr lang="en-US" baseline="0" dirty="0" err="1" smtClean="0"/>
+              <a:t>velcro</a:t>
+            </a:r>
+            <a:r>
+              <a:rPr lang="en-US" baseline="0" dirty="0" smtClean="0"/>
+              <a:t> wire wraps instead of plastic wire ties as being “agile” with their infrastructure.  </a:t>
+            </a:r>
+          </a:p>
+          <a:p>
+            <a:endParaRPr lang="en-US" baseline="0" dirty="0" smtClean="0"/>
+          </a:p>
+          <a:p>
+            <a:endParaRPr lang="en-US" baseline="0" dirty="0" smtClean="0"/>
+          </a:p>
+          <a:p>
+            <a:r>
+              <a:rPr lang="en-US" baseline="0" dirty="0" smtClean="0"/>
+              <a:t>Of </a:t>
+            </a:r>
+            <a:r>
+              <a:rPr lang="en-US" baseline="0" dirty="0" smtClean="0"/>
+              <a:t>course, this was also the beginning of the cloud and infrastructure as code was becoming a “thing”, too</a:t>
+            </a:r>
+            <a:r>
+              <a:rPr lang="en-US" baseline="0" dirty="0" smtClean="0"/>
+              <a:t>.</a:t>
+            </a:r>
+          </a:p>
+          <a:p>
+            <a:endParaRPr lang="en-US" baseline="0" dirty="0" smtClean="0"/>
+          </a:p>
+          <a:p>
+            <a:endParaRPr lang="en-US" baseline="0" dirty="0" smtClean="0"/>
+          </a:p>
+          <a:p>
+            <a:r>
+              <a:rPr lang="en-US" baseline="0" dirty="0" smtClean="0"/>
+              <a:t>http://</a:t>
+            </a:r>
+            <a:r>
+              <a:rPr lang="en-US" baseline="0" dirty="0" err="1" smtClean="0"/>
+              <a:t>www.amazon.com</a:t>
+            </a:r>
+            <a:r>
+              <a:rPr lang="en-US" baseline="0" dirty="0" smtClean="0"/>
+              <a:t>/</a:t>
+            </a:r>
+            <a:r>
+              <a:rPr lang="en-US" baseline="0" dirty="0" err="1" smtClean="0"/>
+              <a:t>gp</a:t>
+            </a:r>
+            <a:r>
+              <a:rPr lang="en-US" baseline="0" dirty="0" smtClean="0"/>
+              <a:t>/product/B00L2LGMO4/ref=s9_simh_hd_bw_b2872_p23_d0_i2?pf_rd_m=ATVPDKIKX0DER&amp;pf_rd_s=merchandised-search-4&amp;pf_rd_r=0MJKHPMKMDJRW3DGNJ7N&amp;pf_rd_t=101&amp;pf_rd_p=4b3e4eed-ee33-54a0-9b12-bf526d71668f&amp;pf_rd_i=507844</a:t>
+            </a:r>
+          </a:p>
+          <a:p>
+            <a:endParaRPr lang="en-US" baseline="0" dirty="0" smtClean="0"/>
+          </a:p>
+          <a:p>
+            <a:r>
+              <a:rPr lang="en-US" dirty="0" smtClean="0"/>
+              <a:t>http://</a:t>
+            </a:r>
+            <a:r>
+              <a:rPr lang="en-US" dirty="0" err="1" smtClean="0"/>
+              <a:t>www.amazon.com</a:t>
+            </a:r>
+            <a:r>
+              <a:rPr lang="en-US" dirty="0" smtClean="0"/>
+              <a:t>/Reusable-Fastening-Velcro-Cable-Microfiber/</a:t>
+            </a:r>
+            <a:r>
+              <a:rPr lang="en-US" dirty="0" err="1" smtClean="0"/>
+              <a:t>dp</a:t>
+            </a:r>
+            <a:r>
+              <a:rPr lang="en-US" dirty="0" smtClean="0"/>
+              <a:t>/B00XHSP728/ref=sr_1_6?ie=UTF8&amp;qid=1462150140&amp;sr=8-6&amp;keywords=</a:t>
+            </a:r>
+            <a:r>
+              <a:rPr lang="en-US" dirty="0" err="1" smtClean="0"/>
+              <a:t>velcro+cable+ties</a:t>
+            </a:r>
+            <a:endParaRPr lang="en-US" dirty="0"/>
+          </a:p>
+        </p:txBody>
+      </p:sp>
+      <p:sp>
+        <p:nvSpPr>
+          <p:cNvPr id="4" name="Slide Number Placeholder 3"/>
+          <p:cNvSpPr>
+            <a:spLocks noGrp="1"/>
+          </p:cNvSpPr>
+          <p:nvPr>
+            <p:ph type="sldNum" sz="quarter" idx="10"/>
+          </p:nvPr>
+        </p:nvSpPr>
+        <p:spPr/>
+        <p:txBody>
+          <a:bodyPr/>
+          <a:lstStyle/>
+          <a:p>
+            <a:fld id="{6C386E8E-9CDE-0C45-8CB0-C1562D2D7525}" type="slidenum">
+              <a:rPr lang="en-US" smtClean="0"/>
+              <a:t>2</a:t>
+            </a:fld>
+            <a:endParaRPr lang="en-US"/>
+          </a:p>
+        </p:txBody>
+      </p:sp>
+    </p:spTree>
+    <p:extLst>
+      <p:ext uri="{BB962C8B-B14F-4D97-AF65-F5344CB8AC3E}">
+        <p14:creationId xmlns:p14="http://schemas.microsoft.com/office/powerpoint/2010/main" val="2540246039"/>
+      </p:ext>
+    </p:extLst>
+  </p:cSld>
+  <p:clrMapOvr>
+    <a:masterClrMapping/>
+  </p:clrMapOvr>
+</p:notes>
+</file>
+
+<file path=ppt/notesSlides/notesSlide3.xml><?xml version="1.0" encoding="utf-8"?>
+<p:notes xmlns:a="http://schemas.openxmlformats.org/drawingml/2006/main" xmlns:r="http://schemas.openxmlformats.org/officeDocument/2006/relationships" xmlns:p="http://schemas.openxmlformats.org/presentationml/2006/main">
+  <p:cSld>
+    <p:spTree>
+      <p:nvGrpSpPr>
+        <p:cNvPr id="1" name=""/>
+        <p:cNvGrpSpPr/>
+        <p:nvPr/>
+      </p:nvGrpSpPr>
+      <p:grpSpPr>
+        <a:xfrm>
+          <a:off x="0" y="0"/>
+          <a:ext cx="0" cy="0"/>
+          <a:chOff x="0" y="0"/>
+          <a:chExt cx="0" cy="0"/>
+        </a:xfrm>
+      </p:grpSpPr>
+      <p:sp>
+        <p:nvSpPr>
+          <p:cNvPr id="2" name="Slide Image Placeholder 1"/>
+          <p:cNvSpPr>
+            <a:spLocks noGrp="1" noRot="1" noChangeAspect="1"/>
+          </p:cNvSpPr>
+          <p:nvPr>
+            <p:ph type="sldImg"/>
+          </p:nvPr>
+        </p:nvSpPr>
+        <p:spPr/>
+      </p:sp>
+      <p:sp>
+        <p:nvSpPr>
+          <p:cNvPr id="3" name="Notes Placeholder 2"/>
+          <p:cNvSpPr>
+            <a:spLocks noGrp="1"/>
+          </p:cNvSpPr>
+          <p:nvPr>
+            <p:ph type="body" idx="1"/>
+          </p:nvPr>
+        </p:nvSpPr>
+        <p:spPr/>
+        <p:txBody>
+          <a:bodyPr/>
+          <a:lstStyle/>
+          <a:p>
+            <a:r>
+              <a:rPr lang="en-US" dirty="0" smtClean="0"/>
+              <a:t>As</a:t>
+            </a:r>
+            <a:r>
+              <a:rPr lang="en-US" baseline="0" dirty="0" smtClean="0"/>
+              <a:t> clouds formed and we had new, easy ways of deploying and scaling applications.  Accessible via an API, mostly reliable, and inexpensive to get started.  Sure, there were some stability issues and we had to start thinking about building and scaling resilient systems a bit differently.</a:t>
+            </a:r>
+            <a:endParaRPr lang="en-US" dirty="0"/>
+          </a:p>
+        </p:txBody>
+      </p:sp>
+      <p:sp>
+        <p:nvSpPr>
+          <p:cNvPr id="4" name="Slide Number Placeholder 3"/>
+          <p:cNvSpPr>
+            <a:spLocks noGrp="1"/>
+          </p:cNvSpPr>
+          <p:nvPr>
+            <p:ph type="sldNum" sz="quarter" idx="10"/>
+          </p:nvPr>
+        </p:nvSpPr>
+        <p:spPr/>
+        <p:txBody>
+          <a:bodyPr/>
+          <a:lstStyle/>
+          <a:p>
+            <a:fld id="{6C386E8E-9CDE-0C45-8CB0-C1562D2D7525}" type="slidenum">
+              <a:rPr lang="en-US" smtClean="0"/>
+              <a:t>3</a:t>
+            </a:fld>
+            <a:endParaRPr lang="en-US"/>
+          </a:p>
+        </p:txBody>
+      </p:sp>
+    </p:spTree>
+    <p:extLst>
+      <p:ext uri="{BB962C8B-B14F-4D97-AF65-F5344CB8AC3E}">
+        <p14:creationId xmlns:p14="http://schemas.microsoft.com/office/powerpoint/2010/main" val="1217468274"/>
+      </p:ext>
+    </p:extLst>
+  </p:cSld>
+  <p:clrMapOvr>
+    <a:masterClrMapping/>
+  </p:clrMapOvr>
+</p:notes>
+</file>
+
+<file path=ppt/notesSlides/notesSlide4.xml><?xml version="1.0" encoding="utf-8"?>
+<p:notes xmlns:a="http://schemas.openxmlformats.org/drawingml/2006/main" xmlns:r="http://schemas.openxmlformats.org/officeDocument/2006/relationships" xmlns:p="http://schemas.openxmlformats.org/presentationml/2006/main">
+  <p:cSld>
+    <p:spTree>
+      <p:nvGrpSpPr>
+        <p:cNvPr id="1" name=""/>
+        <p:cNvGrpSpPr/>
+        <p:nvPr/>
+      </p:nvGrpSpPr>
+      <p:grpSpPr>
+        <a:xfrm>
+          <a:off x="0" y="0"/>
+          <a:ext cx="0" cy="0"/>
+          <a:chOff x="0" y="0"/>
+          <a:chExt cx="0" cy="0"/>
+        </a:xfrm>
+      </p:grpSpPr>
+      <p:sp>
+        <p:nvSpPr>
+          <p:cNvPr id="2" name="Slide Image Placeholder 1"/>
+          <p:cNvSpPr>
+            <a:spLocks noGrp="1" noRot="1" noChangeAspect="1"/>
+          </p:cNvSpPr>
+          <p:nvPr>
+            <p:ph type="sldImg"/>
+          </p:nvPr>
+        </p:nvSpPr>
+        <p:spPr/>
+      </p:sp>
+      <p:sp>
+        <p:nvSpPr>
+          <p:cNvPr id="3" name="Notes Placeholder 2"/>
+          <p:cNvSpPr>
+            <a:spLocks noGrp="1"/>
+          </p:cNvSpPr>
+          <p:nvPr>
+            <p:ph type="body" idx="1"/>
+          </p:nvPr>
+        </p:nvSpPr>
+        <p:spPr/>
+        <p:txBody>
+          <a:bodyPr/>
+          <a:lstStyle/>
+          <a:p>
+            <a:r>
+              <a:rPr lang="en-US" dirty="0" smtClean="0"/>
+              <a:t>Picture:</a:t>
+            </a:r>
+            <a:r>
+              <a:rPr lang="en-US" baseline="0" dirty="0" smtClean="0"/>
+              <a:t>  Anthrax</a:t>
+            </a:r>
+          </a:p>
+          <a:p>
+            <a:endParaRPr lang="en-US" baseline="0" dirty="0" smtClean="0"/>
+          </a:p>
+          <a:p>
+            <a:r>
+              <a:rPr lang="en-US" baseline="0" dirty="0" smtClean="0"/>
+              <a:t>But Developers found new freedom with these APIs.  They didn’t need to wait for IT or Operations to provision systems.  Developer could build and run their own production systems in the cloud.  It was awesome.</a:t>
+            </a:r>
+          </a:p>
+          <a:p>
+            <a:endParaRPr lang="en-US" baseline="0" dirty="0" smtClean="0"/>
+          </a:p>
+          <a:p>
+            <a:r>
+              <a:rPr lang="en-US" baseline="0" dirty="0" smtClean="0"/>
+              <a:t>Anthrax started playing Public Enemy songs.</a:t>
+            </a:r>
+            <a:endParaRPr lang="en-US" dirty="0"/>
+          </a:p>
+        </p:txBody>
+      </p:sp>
+      <p:sp>
+        <p:nvSpPr>
+          <p:cNvPr id="4" name="Slide Number Placeholder 3"/>
+          <p:cNvSpPr>
+            <a:spLocks noGrp="1"/>
+          </p:cNvSpPr>
+          <p:nvPr>
+            <p:ph type="sldNum" sz="quarter" idx="10"/>
+          </p:nvPr>
+        </p:nvSpPr>
+        <p:spPr/>
+        <p:txBody>
+          <a:bodyPr/>
+          <a:lstStyle/>
+          <a:p>
+            <a:fld id="{6C386E8E-9CDE-0C45-8CB0-C1562D2D7525}" type="slidenum">
+              <a:rPr lang="en-US" smtClean="0"/>
+              <a:t>4</a:t>
+            </a:fld>
+            <a:endParaRPr lang="en-US"/>
+          </a:p>
+        </p:txBody>
+      </p:sp>
+    </p:spTree>
+    <p:extLst>
+      <p:ext uri="{BB962C8B-B14F-4D97-AF65-F5344CB8AC3E}">
+        <p14:creationId xmlns:p14="http://schemas.microsoft.com/office/powerpoint/2010/main" val="345079782"/>
+      </p:ext>
+    </p:extLst>
+  </p:cSld>
+  <p:clrMapOvr>
+    <a:masterClrMapping/>
+  </p:clrMapOvr>
+</p:notes>
+</file>
+
+<file path=ppt/notesSlides/notesSlide5.xml><?xml version="1.0" encoding="utf-8"?>
+<p:notes xmlns:a="http://schemas.openxmlformats.org/drawingml/2006/main" xmlns:r="http://schemas.openxmlformats.org/officeDocument/2006/relationships" xmlns:p="http://schemas.openxmlformats.org/presentationml/2006/main">
+  <p:cSld>
+    <p:spTree>
+      <p:nvGrpSpPr>
+        <p:cNvPr id="1" name=""/>
+        <p:cNvGrpSpPr/>
+        <p:nvPr/>
+      </p:nvGrpSpPr>
+      <p:grpSpPr>
+        <a:xfrm>
+          <a:off x="0" y="0"/>
+          <a:ext cx="0" cy="0"/>
+          <a:chOff x="0" y="0"/>
+          <a:chExt cx="0" cy="0"/>
+        </a:xfrm>
+      </p:grpSpPr>
+      <p:sp>
+        <p:nvSpPr>
+          <p:cNvPr id="2" name="Slide Image Placeholder 1"/>
+          <p:cNvSpPr>
+            <a:spLocks noGrp="1" noRot="1" noChangeAspect="1"/>
+          </p:cNvSpPr>
+          <p:nvPr>
+            <p:ph type="sldImg"/>
+          </p:nvPr>
+        </p:nvSpPr>
+        <p:spPr/>
+      </p:sp>
+      <p:sp>
+        <p:nvSpPr>
+          <p:cNvPr id="3" name="Notes Placeholder 2"/>
+          <p:cNvSpPr>
+            <a:spLocks noGrp="1"/>
+          </p:cNvSpPr>
+          <p:nvPr>
+            <p:ph type="body" idx="1"/>
+          </p:nvPr>
+        </p:nvSpPr>
+        <p:spPr/>
+        <p:txBody>
+          <a:bodyPr/>
+          <a:lstStyle/>
+          <a:p>
+            <a:r>
+              <a:rPr lang="en-US" dirty="0" smtClean="0"/>
+              <a:t>Picture:  Public Enemy</a:t>
+            </a:r>
+          </a:p>
+          <a:p>
+            <a:endParaRPr lang="en-US" dirty="0" smtClean="0"/>
+          </a:p>
+          <a:p>
+            <a:r>
+              <a:rPr lang="en-US" dirty="0" smtClean="0"/>
+              <a:t>Operations started embracing Infrastructure as Code, started focusing more on measurement and monitoring</a:t>
+            </a:r>
+            <a:r>
+              <a:rPr lang="en-US" baseline="0" dirty="0" smtClean="0"/>
+              <a:t> (</a:t>
+            </a:r>
+            <a:r>
+              <a:rPr lang="en-US" baseline="0" dirty="0" err="1" smtClean="0"/>
+              <a:t>Flava</a:t>
+            </a:r>
+            <a:r>
+              <a:rPr lang="en-US" baseline="0" dirty="0" smtClean="0"/>
+              <a:t> </a:t>
+            </a:r>
+            <a:r>
+              <a:rPr lang="en-US" baseline="0" dirty="0" err="1" smtClean="0"/>
+              <a:t>Flav</a:t>
+            </a:r>
+            <a:r>
+              <a:rPr lang="en-US" baseline="0" dirty="0" smtClean="0"/>
+              <a:t>), and were concerned about the safety of the cloud (S1Ws).  Operations were finding themselves picking up other development practices like using version control systems and writing tests for their code.</a:t>
+            </a:r>
+          </a:p>
+          <a:p>
+            <a:endParaRPr lang="en-US" baseline="0" dirty="0" smtClean="0"/>
+          </a:p>
+          <a:p>
+            <a:r>
+              <a:rPr lang="en-US" baseline="0" dirty="0" smtClean="0"/>
+              <a:t>Chuck D and Public Enemy wanted to collaborate with the developers.</a:t>
+            </a:r>
+            <a:endParaRPr lang="en-US" dirty="0"/>
+          </a:p>
+        </p:txBody>
+      </p:sp>
+      <p:sp>
+        <p:nvSpPr>
+          <p:cNvPr id="4" name="Slide Number Placeholder 3"/>
+          <p:cNvSpPr>
+            <a:spLocks noGrp="1"/>
+          </p:cNvSpPr>
+          <p:nvPr>
+            <p:ph type="sldNum" sz="quarter" idx="10"/>
+          </p:nvPr>
+        </p:nvSpPr>
+        <p:spPr/>
+        <p:txBody>
+          <a:bodyPr/>
+          <a:lstStyle/>
+          <a:p>
+            <a:fld id="{6C386E8E-9CDE-0C45-8CB0-C1562D2D7525}" type="slidenum">
+              <a:rPr lang="en-US" smtClean="0"/>
+              <a:t>5</a:t>
+            </a:fld>
+            <a:endParaRPr lang="en-US"/>
+          </a:p>
+        </p:txBody>
+      </p:sp>
+    </p:spTree>
+    <p:extLst>
+      <p:ext uri="{BB962C8B-B14F-4D97-AF65-F5344CB8AC3E}">
+        <p14:creationId xmlns:p14="http://schemas.microsoft.com/office/powerpoint/2010/main" val="3927344489"/>
+      </p:ext>
+    </p:extLst>
+  </p:cSld>
+  <p:clrMapOvr>
+    <a:masterClrMapping/>
+  </p:clrMapOvr>
+</p:notes>
+</file>
+
+<file path=ppt/notesSlides/notesSlide6.xml><?xml version="1.0" encoding="utf-8"?>
+<p:notes xmlns:a="http://schemas.openxmlformats.org/drawingml/2006/main" xmlns:r="http://schemas.openxmlformats.org/officeDocument/2006/relationships" xmlns:p="http://schemas.openxmlformats.org/presentationml/2006/main">
+  <p:cSld>
+    <p:spTree>
+      <p:nvGrpSpPr>
+        <p:cNvPr id="1" name=""/>
+        <p:cNvGrpSpPr/>
+        <p:nvPr/>
+      </p:nvGrpSpPr>
+      <p:grpSpPr>
+        <a:xfrm>
+          <a:off x="0" y="0"/>
+          <a:ext cx="0" cy="0"/>
+          <a:chOff x="0" y="0"/>
+          <a:chExt cx="0" cy="0"/>
+        </a:xfrm>
+      </p:grpSpPr>
+      <p:sp>
+        <p:nvSpPr>
+          <p:cNvPr id="2" name="Slide Image Placeholder 1"/>
+          <p:cNvSpPr>
+            <a:spLocks noGrp="1" noRot="1" noChangeAspect="1"/>
+          </p:cNvSpPr>
+          <p:nvPr>
+            <p:ph type="sldImg"/>
+          </p:nvPr>
+        </p:nvSpPr>
+        <p:spPr/>
+      </p:sp>
+      <p:sp>
+        <p:nvSpPr>
+          <p:cNvPr id="3" name="Notes Placeholder 2"/>
+          <p:cNvSpPr>
+            <a:spLocks noGrp="1"/>
+          </p:cNvSpPr>
+          <p:nvPr>
+            <p:ph type="body" idx="1"/>
+          </p:nvPr>
+        </p:nvSpPr>
+        <p:spPr/>
+        <p:txBody>
+          <a:bodyPr/>
+          <a:lstStyle/>
+          <a:p>
+            <a:r>
+              <a:rPr lang="en-US" dirty="0" smtClean="0"/>
+              <a:t>Picture:</a:t>
+            </a:r>
+            <a:r>
+              <a:rPr lang="en-US" baseline="0" dirty="0" smtClean="0"/>
+              <a:t>  Bring the Noise, Public Enemy and Anthrax</a:t>
+            </a:r>
+            <a:endParaRPr lang="en-US" dirty="0" smtClean="0"/>
+          </a:p>
+          <a:p>
+            <a:endParaRPr lang="en-US" dirty="0" smtClean="0"/>
+          </a:p>
+          <a:p>
+            <a:r>
+              <a:rPr lang="en-US" dirty="0" smtClean="0"/>
+              <a:t>Now </a:t>
+            </a:r>
+            <a:r>
+              <a:rPr lang="en-US" dirty="0" err="1" smtClean="0"/>
+              <a:t>Dev</a:t>
+            </a:r>
+            <a:r>
+              <a:rPr lang="en-US" baseline="0" dirty="0" smtClean="0"/>
+              <a:t> and Ops really started working together.</a:t>
+            </a:r>
+          </a:p>
+          <a:p>
+            <a:endParaRPr lang="en-US" baseline="0" dirty="0" smtClean="0"/>
+          </a:p>
+          <a:p>
+            <a:r>
+              <a:rPr lang="en-US" baseline="0" dirty="0" smtClean="0"/>
+              <a:t>They tore down walls, blew up silos, and started collaborating.  </a:t>
+            </a:r>
+          </a:p>
+          <a:p>
+            <a:endParaRPr lang="en-US" baseline="0" dirty="0" smtClean="0"/>
+          </a:p>
+          <a:p>
+            <a:r>
+              <a:rPr lang="en-US" baseline="0" dirty="0" smtClean="0"/>
+              <a:t>Learning from each other and giving back to the system so that it became much more than just the sum of it’s parts.</a:t>
+            </a:r>
+            <a:endParaRPr lang="en-US" dirty="0"/>
+          </a:p>
+        </p:txBody>
+      </p:sp>
+      <p:sp>
+        <p:nvSpPr>
+          <p:cNvPr id="4" name="Slide Number Placeholder 3"/>
+          <p:cNvSpPr>
+            <a:spLocks noGrp="1"/>
+          </p:cNvSpPr>
+          <p:nvPr>
+            <p:ph type="sldNum" sz="quarter" idx="10"/>
+          </p:nvPr>
+        </p:nvSpPr>
+        <p:spPr/>
+        <p:txBody>
+          <a:bodyPr/>
+          <a:lstStyle/>
+          <a:p>
+            <a:fld id="{6C386E8E-9CDE-0C45-8CB0-C1562D2D7525}" type="slidenum">
+              <a:rPr lang="en-US" smtClean="0"/>
+              <a:t>6</a:t>
+            </a:fld>
+            <a:endParaRPr lang="en-US"/>
+          </a:p>
+        </p:txBody>
+      </p:sp>
+    </p:spTree>
+    <p:extLst>
+      <p:ext uri="{BB962C8B-B14F-4D97-AF65-F5344CB8AC3E}">
+        <p14:creationId xmlns:p14="http://schemas.microsoft.com/office/powerpoint/2010/main" val="526713666"/>
+      </p:ext>
+    </p:extLst>
+  </p:cSld>
+  <p:clrMapOvr>
+    <a:masterClrMapping/>
+  </p:clrMapOvr>
+</p:notes>
+</file>
+
+<file path=ppt/notesSlides/notesSlide7.xml><?xml version="1.0" encoding="utf-8"?>
+<p:notes xmlns:a="http://schemas.openxmlformats.org/drawingml/2006/main" xmlns:r="http://schemas.openxmlformats.org/officeDocument/2006/relationships" xmlns:p="http://schemas.openxmlformats.org/presentationml/2006/main">
+  <p:cSld>
+    <p:spTree>
+      <p:nvGrpSpPr>
+        <p:cNvPr id="1" name=""/>
+        <p:cNvGrpSpPr/>
+        <p:nvPr/>
+      </p:nvGrpSpPr>
+      <p:grpSpPr>
+        <a:xfrm>
+          <a:off x="0" y="0"/>
+          <a:ext cx="0" cy="0"/>
+          <a:chOff x="0" y="0"/>
+          <a:chExt cx="0" cy="0"/>
+        </a:xfrm>
+      </p:grpSpPr>
+      <p:sp>
+        <p:nvSpPr>
+          <p:cNvPr id="2" name="Slide Image Placeholder 1"/>
+          <p:cNvSpPr>
+            <a:spLocks noGrp="1" noRot="1" noChangeAspect="1"/>
+          </p:cNvSpPr>
+          <p:nvPr>
+            <p:ph type="sldImg"/>
+          </p:nvPr>
+        </p:nvSpPr>
+        <p:spPr/>
+      </p:sp>
+      <p:sp>
+        <p:nvSpPr>
+          <p:cNvPr id="3" name="Notes Placeholder 2"/>
+          <p:cNvSpPr>
+            <a:spLocks noGrp="1"/>
+          </p:cNvSpPr>
+          <p:nvPr>
+            <p:ph type="body" idx="1"/>
+          </p:nvPr>
+        </p:nvSpPr>
+        <p:spPr/>
+        <p:txBody>
+          <a:bodyPr/>
+          <a:lstStyle/>
+          <a:p>
+            <a:r>
+              <a:rPr lang="en-US" dirty="0" smtClean="0"/>
+              <a:t>But not everything was</a:t>
+            </a:r>
+            <a:r>
+              <a:rPr lang="en-US" baseline="0" dirty="0" smtClean="0"/>
+              <a:t> perfect.</a:t>
+            </a:r>
+          </a:p>
+          <a:p>
+            <a:endParaRPr lang="en-US" baseline="0" dirty="0" smtClean="0"/>
+          </a:p>
+          <a:p>
+            <a:r>
+              <a:rPr lang="en-US" baseline="0" dirty="0" smtClean="0"/>
+              <a:t>Had we forgotten about testing?  Applications simply do not go directly to production, that’s not safe.  QA is required and cannot be left out of the mix.</a:t>
+            </a:r>
+          </a:p>
+          <a:p>
+            <a:endParaRPr lang="en-US" baseline="0" dirty="0" smtClean="0"/>
+          </a:p>
+          <a:p>
+            <a:r>
+              <a:rPr lang="en-US" baseline="0" dirty="0" err="1" smtClean="0"/>
+              <a:t>DevQAOps</a:t>
+            </a:r>
+            <a:endParaRPr lang="en-US" dirty="0"/>
+          </a:p>
+        </p:txBody>
+      </p:sp>
+      <p:sp>
+        <p:nvSpPr>
+          <p:cNvPr id="4" name="Slide Number Placeholder 3"/>
+          <p:cNvSpPr>
+            <a:spLocks noGrp="1"/>
+          </p:cNvSpPr>
+          <p:nvPr>
+            <p:ph type="sldNum" sz="quarter" idx="10"/>
+          </p:nvPr>
+        </p:nvSpPr>
+        <p:spPr/>
+        <p:txBody>
+          <a:bodyPr/>
+          <a:lstStyle/>
+          <a:p>
+            <a:fld id="{6C386E8E-9CDE-0C45-8CB0-C1562D2D7525}" type="slidenum">
+              <a:rPr lang="en-US" smtClean="0"/>
+              <a:t>7</a:t>
+            </a:fld>
+            <a:endParaRPr lang="en-US"/>
+          </a:p>
+        </p:txBody>
+      </p:sp>
+    </p:spTree>
+    <p:extLst>
+      <p:ext uri="{BB962C8B-B14F-4D97-AF65-F5344CB8AC3E}">
+        <p14:creationId xmlns:p14="http://schemas.microsoft.com/office/powerpoint/2010/main" val="3381934969"/>
+      </p:ext>
+    </p:extLst>
+  </p:cSld>
+  <p:clrMapOvr>
+    <a:masterClrMapping/>
+  </p:clrMapOvr>
+</p:notes>
+</file>
+
+<file path=ppt/notesSlides/notesSlide8.xml><?xml version="1.0" encoding="utf-8"?>
+<p:notes xmlns:a="http://schemas.openxmlformats.org/drawingml/2006/main" xmlns:r="http://schemas.openxmlformats.org/officeDocument/2006/relationships" xmlns:p="http://schemas.openxmlformats.org/presentationml/2006/main">
+  <p:cSld>
+    <p:spTree>
+      <p:nvGrpSpPr>
+        <p:cNvPr id="1" name=""/>
+        <p:cNvGrpSpPr/>
+        <p:nvPr/>
+      </p:nvGrpSpPr>
+      <p:grpSpPr>
+        <a:xfrm>
+          <a:off x="0" y="0"/>
+          <a:ext cx="0" cy="0"/>
+          <a:chOff x="0" y="0"/>
+          <a:chExt cx="0" cy="0"/>
+        </a:xfrm>
+      </p:grpSpPr>
+      <p:sp>
+        <p:nvSpPr>
+          <p:cNvPr id="2" name="Slide Image Placeholder 1"/>
+          <p:cNvSpPr>
+            <a:spLocks noGrp="1" noRot="1" noChangeAspect="1"/>
+          </p:cNvSpPr>
+          <p:nvPr>
+            <p:ph type="sldImg"/>
+          </p:nvPr>
+        </p:nvSpPr>
+        <p:spPr/>
+      </p:sp>
+      <p:sp>
+        <p:nvSpPr>
+          <p:cNvPr id="3" name="Notes Placeholder 2"/>
+          <p:cNvSpPr>
+            <a:spLocks noGrp="1"/>
+          </p:cNvSpPr>
+          <p:nvPr>
+            <p:ph type="body" idx="1"/>
+          </p:nvPr>
+        </p:nvSpPr>
+        <p:spPr/>
+        <p:txBody>
+          <a:bodyPr/>
+          <a:lstStyle/>
+          <a:p>
+            <a:r>
+              <a:rPr lang="en-US" dirty="0" smtClean="0"/>
+              <a:t>Many security teams looked at </a:t>
+            </a:r>
+            <a:r>
+              <a:rPr lang="en-US" dirty="0" err="1" smtClean="0"/>
+              <a:t>DevOps</a:t>
+            </a:r>
+            <a:r>
+              <a:rPr lang="en-US" baseline="0" dirty="0" smtClean="0"/>
+              <a:t> </a:t>
+            </a:r>
+            <a:r>
+              <a:rPr lang="en-US" dirty="0" smtClean="0"/>
+              <a:t>and automated</a:t>
+            </a:r>
+            <a:r>
+              <a:rPr lang="en-US" baseline="0" dirty="0" smtClean="0"/>
+              <a:t> workflows being pushed and were scared.  Manual processes were viewed as the way to security.  After all, we know what commands were executed, we had one person responsible for securing systems, one responsible for securing applications.  Overtime, they came to understand the benefits that automation provides:  not only can we release fixes faster we can also ensure consistency across the entire infrastructure.  Security is now part of </a:t>
+            </a:r>
+            <a:r>
+              <a:rPr lang="en-US" baseline="0" dirty="0" err="1" smtClean="0"/>
+              <a:t>DevOps</a:t>
+            </a:r>
+            <a:r>
+              <a:rPr lang="en-US" baseline="0" dirty="0" smtClean="0"/>
+              <a:t>.  </a:t>
+            </a:r>
+            <a:r>
+              <a:rPr lang="en-US" baseline="0" dirty="0" err="1" smtClean="0"/>
+              <a:t>DevSecQAOps</a:t>
+            </a:r>
+            <a:endParaRPr lang="en-US" dirty="0"/>
+          </a:p>
+        </p:txBody>
+      </p:sp>
+      <p:sp>
+        <p:nvSpPr>
+          <p:cNvPr id="4" name="Slide Number Placeholder 3"/>
+          <p:cNvSpPr>
+            <a:spLocks noGrp="1"/>
+          </p:cNvSpPr>
+          <p:nvPr>
+            <p:ph type="sldNum" sz="quarter" idx="10"/>
+          </p:nvPr>
+        </p:nvSpPr>
+        <p:spPr/>
+        <p:txBody>
+          <a:bodyPr/>
+          <a:lstStyle/>
+          <a:p>
+            <a:fld id="{6C386E8E-9CDE-0C45-8CB0-C1562D2D7525}" type="slidenum">
+              <a:rPr lang="en-US" smtClean="0"/>
+              <a:t>8</a:t>
+            </a:fld>
+            <a:endParaRPr lang="en-US"/>
+          </a:p>
+        </p:txBody>
+      </p:sp>
+    </p:spTree>
+    <p:extLst>
+      <p:ext uri="{BB962C8B-B14F-4D97-AF65-F5344CB8AC3E}">
+        <p14:creationId xmlns:p14="http://schemas.microsoft.com/office/powerpoint/2010/main" val="723236458"/>
+      </p:ext>
+    </p:extLst>
+  </p:cSld>
+  <p:clrMapOvr>
+    <a:masterClrMapping/>
+  </p:clrMapOvr>
+</p:notes>
+</file>
+
+<file path=ppt/notesSlides/notesSlide9.xml><?xml version="1.0" encoding="utf-8"?>
+<p:notes xmlns:a="http://schemas.openxmlformats.org/drawingml/2006/main" xmlns:r="http://schemas.openxmlformats.org/officeDocument/2006/relationships" xmlns:p="http://schemas.openxmlformats.org/presentationml/2006/main">
+  <p:cSld>
+    <p:spTree>
+      <p:nvGrpSpPr>
+        <p:cNvPr id="1" name=""/>
+        <p:cNvGrpSpPr/>
+        <p:nvPr/>
+      </p:nvGrpSpPr>
+      <p:grpSpPr>
+        <a:xfrm>
+          <a:off x="0" y="0"/>
+          <a:ext cx="0" cy="0"/>
+          <a:chOff x="0" y="0"/>
+          <a:chExt cx="0" cy="0"/>
+        </a:xfrm>
+      </p:grpSpPr>
+      <p:sp>
+        <p:nvSpPr>
+          <p:cNvPr id="2" name="Slide Image Placeholder 1"/>
+          <p:cNvSpPr>
+            <a:spLocks noGrp="1" noRot="1" noChangeAspect="1"/>
+          </p:cNvSpPr>
+          <p:nvPr>
+            <p:ph type="sldImg"/>
+          </p:nvPr>
+        </p:nvSpPr>
+        <p:spPr/>
+      </p:sp>
+      <p:sp>
+        <p:nvSpPr>
+          <p:cNvPr id="3" name="Notes Placeholder 2"/>
+          <p:cNvSpPr>
+            <a:spLocks noGrp="1"/>
+          </p:cNvSpPr>
+          <p:nvPr>
+            <p:ph type="body" idx="1"/>
+          </p:nvPr>
+        </p:nvSpPr>
+        <p:spPr/>
+        <p:txBody>
+          <a:bodyPr/>
+          <a:lstStyle/>
+          <a:p>
+            <a:r>
+              <a:rPr lang="en-US" dirty="0" smtClean="0"/>
+              <a:t>What about the Enterprise?!</a:t>
+            </a:r>
+          </a:p>
+          <a:p>
+            <a:endParaRPr lang="en-US" dirty="0" smtClean="0"/>
+          </a:p>
+          <a:p>
+            <a:r>
+              <a:rPr lang="en-US" dirty="0" smtClean="0"/>
+              <a:t>Legacy systems, hundreds, thousands,</a:t>
+            </a:r>
+            <a:r>
+              <a:rPr lang="en-US" baseline="0" dirty="0" smtClean="0"/>
+              <a:t> of developers, years of inertia and organizational structure.  Clearly </a:t>
+            </a:r>
+            <a:r>
+              <a:rPr lang="en-US" baseline="0" dirty="0" err="1" smtClean="0"/>
+              <a:t>DevOps</a:t>
+            </a:r>
+            <a:r>
+              <a:rPr lang="en-US" baseline="0" dirty="0" smtClean="0"/>
+              <a:t> in this environment must be different.  What we need is Enterprise </a:t>
+            </a:r>
+            <a:r>
+              <a:rPr lang="en-US" baseline="0" dirty="0" err="1" smtClean="0"/>
+              <a:t>DevSecQAOps</a:t>
+            </a:r>
+            <a:endParaRPr lang="en-US" dirty="0"/>
+          </a:p>
+        </p:txBody>
+      </p:sp>
+      <p:sp>
+        <p:nvSpPr>
+          <p:cNvPr id="4" name="Slide Number Placeholder 3"/>
+          <p:cNvSpPr>
+            <a:spLocks noGrp="1"/>
+          </p:cNvSpPr>
+          <p:nvPr>
+            <p:ph type="sldNum" sz="quarter" idx="10"/>
+          </p:nvPr>
+        </p:nvSpPr>
+        <p:spPr/>
+        <p:txBody>
+          <a:bodyPr/>
+          <a:lstStyle/>
+          <a:p>
+            <a:fld id="{6C386E8E-9CDE-0C45-8CB0-C1562D2D7525}" type="slidenum">
+              <a:rPr lang="en-US" smtClean="0"/>
+              <a:t>9</a:t>
+            </a:fld>
+            <a:endParaRPr lang="en-US"/>
+          </a:p>
+        </p:txBody>
+      </p:sp>
+    </p:spTree>
+    <p:extLst>
+      <p:ext uri="{BB962C8B-B14F-4D97-AF65-F5344CB8AC3E}">
+        <p14:creationId xmlns:p14="http://schemas.microsoft.com/office/powerpoint/2010/main" val="3346723386"/>
+      </p:ext>
+    </p:extLst>
+  </p:cSld>
+  <p:clrMapOvr>
+    <a:masterClrMapping/>
+  </p:clrMapOvr>
+</p:notes>
+</file>
+
 <file path=ppt/slideLayouts/slideLayout1.xml><?xml version="1.0" encoding="utf-8"?>
-<p:sldLayout xmlns:a="http://schemas.openxmlformats.org/drawingml/2006/main" xmlns:r="http://schemas.openxmlformats.org/officeDocument/2006/relationships" xmlns:p="http://schemas.openxmlformats.org/presentationml/2006/main" type="title" preserve="1">
+<p:sldLayout xmlns:a="http://schemas.openxmlformats.org/drawingml/2006/main" xmlns:r="http://schemas.openxmlformats.org/officeDocument/2006/relationships" xmlns:p="http://schemas.openxmlformats.org/presentationml/2006/main" preserve="1" userDrawn="1">
   <p:cSld name="Title Slide">
     <p:spTree>
       <p:nvGrpSpPr>
@@ -883,6 +3238,94 @@
           </a:p>
         </p:txBody>
       </p:sp>
+      <p:sp>
+        <p:nvSpPr>
+          <p:cNvPr id="8" name="Content Placeholder 7"/>
+          <p:cNvSpPr>
+            <a:spLocks noGrp="1"/>
+          </p:cNvSpPr>
+          <p:nvPr>
+            <p:ph sz="quarter" idx="13" hasCustomPrompt="1"/>
+          </p:nvPr>
+        </p:nvSpPr>
+        <p:spPr>
+          <a:xfrm>
+            <a:off x="4999038" y="7627938"/>
+            <a:ext cx="4632325" cy="438150"/>
+          </a:xfrm>
+        </p:spPr>
+        <p:txBody>
+          <a:bodyPr anchor="ctr" anchorCtr="0">
+            <a:noAutofit/>
+          </a:bodyPr>
+          <a:lstStyle>
+            <a:lvl1pPr marL="0" indent="0" algn="ctr">
+              <a:lnSpc>
+                <a:spcPct val="100000"/>
+              </a:lnSpc>
+              <a:spcBef>
+                <a:spcPts val="0"/>
+              </a:spcBef>
+              <a:buNone/>
+              <a:defRPr sz="2400" spc="0">
+                <a:latin typeface="Gill Sans"/>
+                <a:cs typeface="Gill Sans"/>
+              </a:defRPr>
+            </a:lvl1pPr>
+          </a:lstStyle>
+          <a:p>
+            <a:pPr lvl="0"/>
+            <a:r>
+              <a:rPr lang="en-US" dirty="0" err="1" smtClean="0"/>
+              <a:t>DevOps</a:t>
+            </a:r>
+            <a:endParaRPr lang="en-US" dirty="0"/>
+          </a:p>
+        </p:txBody>
+      </p:sp>
+      <p:sp>
+        <p:nvSpPr>
+          <p:cNvPr id="10" name="Text Placeholder 9"/>
+          <p:cNvSpPr>
+            <a:spLocks noGrp="1"/>
+          </p:cNvSpPr>
+          <p:nvPr>
+            <p:ph type="body" sz="quarter" idx="14" hasCustomPrompt="1"/>
+          </p:nvPr>
+        </p:nvSpPr>
+        <p:spPr>
+          <a:xfrm>
+            <a:off x="10485438" y="7627938"/>
+            <a:ext cx="2967037" cy="438150"/>
+          </a:xfrm>
+        </p:spPr>
+        <p:txBody>
+          <a:bodyPr>
+            <a:noAutofit/>
+          </a:bodyPr>
+          <a:lstStyle>
+            <a:lvl1pPr marL="0" indent="0" algn="r">
+              <a:buNone/>
+              <a:defRPr sz="2400">
+                <a:latin typeface="Gill Sans"/>
+                <a:cs typeface="Gill Sans"/>
+              </a:defRPr>
+            </a:lvl1pPr>
+          </a:lstStyle>
+          <a:p>
+            <a:pPr lvl="0"/>
+            <a:r>
+              <a:rPr lang="en-US" dirty="0" smtClean="0"/>
+              <a:t>@</a:t>
+            </a:r>
+            <a:r>
+              <a:rPr lang="en-US" dirty="0" err="1" smtClean="0"/>
+              <a:t>nathenharvey</a:t>
+            </a:r>
+            <a:endParaRPr lang="en-US" dirty="0"/>
+          </a:p>
+        </p:txBody>
+      </p:sp>
     </p:spTree>
     <p:extLst>
       <p:ext uri="{BB962C8B-B14F-4D97-AF65-F5344CB8AC3E}">
@@ -1247,565 +3690,6 @@
 </file>
 
 <file path=ppt/slideLayouts/slideLayout12.xml><?xml version="1.0" encoding="utf-8"?>
-<p:sldLayout xmlns:a="http://schemas.openxmlformats.org/drawingml/2006/main" xmlns:r="http://schemas.openxmlformats.org/officeDocument/2006/relationships" xmlns:p="http://schemas.openxmlformats.org/presentationml/2006/main" preserve="1">
-  <p:cSld name="Title Slide">
-    <p:spTree>
-      <p:nvGrpSpPr>
-        <p:cNvPr id="1" name=""/>
-        <p:cNvGrpSpPr/>
-        <p:nvPr/>
-      </p:nvGrpSpPr>
-      <p:grpSpPr>
-        <a:xfrm>
-          <a:off x="0" y="0"/>
-          <a:ext cx="0" cy="0"/>
-          <a:chOff x="0" y="0"/>
-          <a:chExt cx="0" cy="0"/>
-        </a:xfrm>
-      </p:grpSpPr>
-      <p:sp>
-        <p:nvSpPr>
-          <p:cNvPr id="4" name="Title 1"/>
-          <p:cNvSpPr>
-            <a:spLocks noGrp="1"/>
-          </p:cNvSpPr>
-          <p:nvPr>
-            <p:ph type="ctrTitle"/>
-          </p:nvPr>
-        </p:nvSpPr>
-        <p:spPr bwMode="white">
-          <a:xfrm>
-            <a:off x="2712376" y="2246696"/>
-            <a:ext cx="9875520" cy="1203795"/>
-          </a:xfrm>
-        </p:spPr>
-        <p:txBody>
-          <a:bodyPr wrap="square" lIns="82274" tIns="82274" rIns="82274" bIns="82274" anchor="ctr" anchorCtr="0">
-            <a:noAutofit/>
-          </a:bodyPr>
-          <a:lstStyle>
-            <a:lvl1pPr>
-              <a:lnSpc>
-                <a:spcPct val="90000"/>
-              </a:lnSpc>
-              <a:defRPr sz="4300" b="1" spc="0" baseline="0">
-                <a:solidFill>
-                  <a:srgbClr val="435464"/>
-                </a:solidFill>
-              </a:defRPr>
-            </a:lvl1pPr>
-          </a:lstStyle>
-          <a:p>
-            <a:r>
-              <a:rPr lang="en-US" dirty="0" smtClean="0"/>
-              <a:t>Click to edit Master title style</a:t>
-            </a:r>
-            <a:endParaRPr lang="en-US" dirty="0"/>
-          </a:p>
-        </p:txBody>
-      </p:sp>
-      <p:sp>
-        <p:nvSpPr>
-          <p:cNvPr id="5" name="Subtitle 2"/>
-          <p:cNvSpPr>
-            <a:spLocks noGrp="1"/>
-          </p:cNvSpPr>
-          <p:nvPr>
-            <p:ph type="subTitle" idx="1"/>
-          </p:nvPr>
-        </p:nvSpPr>
-        <p:spPr bwMode="white">
-          <a:xfrm>
-            <a:off x="2712376" y="3106025"/>
-            <a:ext cx="9875520" cy="508970"/>
-          </a:xfrm>
-        </p:spPr>
-        <p:txBody>
-          <a:bodyPr wrap="square" lIns="82274" tIns="82274" rIns="82274" bIns="82274">
-            <a:spAutoFit/>
-          </a:bodyPr>
-          <a:lstStyle>
-            <a:lvl1pPr marL="0" indent="0" algn="l">
-              <a:lnSpc>
-                <a:spcPct val="90000"/>
-              </a:lnSpc>
-              <a:spcBef>
-                <a:spcPts val="0"/>
-              </a:spcBef>
-              <a:buNone/>
-              <a:defRPr sz="2400" baseline="0">
-                <a:solidFill>
-                  <a:srgbClr val="435464"/>
-                </a:solidFill>
-              </a:defRPr>
-            </a:lvl1pPr>
-            <a:lvl2pPr marL="548453" indent="0" algn="ctr">
-              <a:buNone/>
-              <a:defRPr>
-                <a:solidFill>
-                  <a:schemeClr val="tx1">
-                    <a:tint val="75000"/>
-                  </a:schemeClr>
-                </a:solidFill>
-              </a:defRPr>
-            </a:lvl2pPr>
-            <a:lvl3pPr marL="1096907" indent="0" algn="ctr">
-              <a:buNone/>
-              <a:defRPr>
-                <a:solidFill>
-                  <a:schemeClr val="tx1">
-                    <a:tint val="75000"/>
-                  </a:schemeClr>
-                </a:solidFill>
-              </a:defRPr>
-            </a:lvl3pPr>
-            <a:lvl4pPr marL="1645362" indent="0" algn="ctr">
-              <a:buNone/>
-              <a:defRPr>
-                <a:solidFill>
-                  <a:schemeClr val="tx1">
-                    <a:tint val="75000"/>
-                  </a:schemeClr>
-                </a:solidFill>
-              </a:defRPr>
-            </a:lvl4pPr>
-            <a:lvl5pPr marL="2193816" indent="0" algn="ctr">
-              <a:buNone/>
-              <a:defRPr>
-                <a:solidFill>
-                  <a:schemeClr val="tx1">
-                    <a:tint val="75000"/>
-                  </a:schemeClr>
-                </a:solidFill>
-              </a:defRPr>
-            </a:lvl5pPr>
-            <a:lvl6pPr marL="2742267" indent="0" algn="ctr">
-              <a:buNone/>
-              <a:defRPr>
-                <a:solidFill>
-                  <a:schemeClr val="tx1">
-                    <a:tint val="75000"/>
-                  </a:schemeClr>
-                </a:solidFill>
-              </a:defRPr>
-            </a:lvl6pPr>
-            <a:lvl7pPr marL="3290722" indent="0" algn="ctr">
-              <a:buNone/>
-              <a:defRPr>
-                <a:solidFill>
-                  <a:schemeClr val="tx1">
-                    <a:tint val="75000"/>
-                  </a:schemeClr>
-                </a:solidFill>
-              </a:defRPr>
-            </a:lvl7pPr>
-            <a:lvl8pPr marL="3839178" indent="0" algn="ctr">
-              <a:buNone/>
-              <a:defRPr>
-                <a:solidFill>
-                  <a:schemeClr val="tx1">
-                    <a:tint val="75000"/>
-                  </a:schemeClr>
-                </a:solidFill>
-              </a:defRPr>
-            </a:lvl8pPr>
-            <a:lvl9pPr marL="4387630" indent="0" algn="ctr">
-              <a:buNone/>
-              <a:defRPr>
-                <a:solidFill>
-                  <a:schemeClr val="tx1">
-                    <a:tint val="75000"/>
-                  </a:schemeClr>
-                </a:solidFill>
-              </a:defRPr>
-            </a:lvl9pPr>
-          </a:lstStyle>
-          <a:p>
-            <a:r>
-              <a:rPr lang="en-US" dirty="0" smtClean="0"/>
-              <a:t>Click to edit Master subtitle style</a:t>
-            </a:r>
-            <a:endParaRPr lang="en-US" dirty="0"/>
-          </a:p>
-        </p:txBody>
-      </p:sp>
-      <p:sp>
-        <p:nvSpPr>
-          <p:cNvPr id="9" name="Text Placeholder 7"/>
-          <p:cNvSpPr>
-            <a:spLocks noGrp="1"/>
-          </p:cNvSpPr>
-          <p:nvPr>
-            <p:ph type="body" sz="quarter" idx="10"/>
-          </p:nvPr>
-        </p:nvSpPr>
-        <p:spPr bwMode="white">
-          <a:xfrm>
-            <a:off x="2712376" y="3768405"/>
-            <a:ext cx="9875520" cy="461619"/>
-          </a:xfrm>
-        </p:spPr>
-        <p:txBody>
-          <a:bodyPr wrap="square" lIns="82274" tIns="82274" rIns="82274" bIns="82274">
-            <a:spAutoFit/>
-          </a:bodyPr>
-          <a:lstStyle>
-            <a:lvl1pPr marL="0" indent="0">
-              <a:buNone/>
-              <a:defRPr sz="1900" b="0" baseline="0">
-                <a:solidFill>
-                  <a:srgbClr val="435464"/>
-                </a:solidFill>
-              </a:defRPr>
-            </a:lvl1pPr>
-            <a:lvl2pPr marL="278046" indent="0">
-              <a:buNone/>
-              <a:defRPr sz="1900" b="1"/>
-            </a:lvl2pPr>
-            <a:lvl3pPr marL="548477" indent="0">
-              <a:buNone/>
-              <a:defRPr sz="1900" b="1"/>
-            </a:lvl3pPr>
-            <a:lvl4pPr marL="756058" indent="0">
-              <a:buNone/>
-              <a:defRPr sz="1900" b="1"/>
-            </a:lvl4pPr>
-            <a:lvl5pPr marL="961736" indent="0">
-              <a:buNone/>
-              <a:defRPr sz="1900" b="1"/>
-            </a:lvl5pPr>
-          </a:lstStyle>
-          <a:p>
-            <a:pPr lvl="0"/>
-            <a:r>
-              <a:rPr lang="en-US" dirty="0" smtClean="0"/>
-              <a:t>Click to edit Master text styles</a:t>
-            </a:r>
-          </a:p>
-        </p:txBody>
-      </p:sp>
-    </p:spTree>
-    <p:extLst>
-      <p:ext uri="{BB962C8B-B14F-4D97-AF65-F5344CB8AC3E}">
-        <p14:creationId xmlns:p14="http://schemas.microsoft.com/office/powerpoint/2010/main" val="82682855"/>
-      </p:ext>
-    </p:extLst>
-  </p:cSld>
-  <p:clrMapOvr>
-    <a:masterClrMapping/>
-  </p:clrMapOvr>
-  <mc:AlternateContent xmlns:mc="http://schemas.openxmlformats.org/markup-compatibility/2006" xmlns:p14="http://schemas.microsoft.com/office/powerpoint/2010/main">
-    <mc:Choice Requires="p14">
-      <p:transition spd="med" p14:dur="700">
-        <p:fade/>
-      </p:transition>
-    </mc:Choice>
-    <mc:Fallback xmlns="">
-      <p:transition spd="med">
-        <p:fade/>
-      </p:transition>
-    </mc:Fallback>
-  </mc:AlternateContent>
-  <p:timing>
-    <p:tnLst>
-      <p:par>
-        <p:cTn xmlns:p14="http://schemas.microsoft.com/office/powerpoint/2010/main" id="1" dur="indefinite" restart="never" nodeType="tmRoot"/>
-      </p:par>
-    </p:tnLst>
-  </p:timing>
-</p:sldLayout>
-</file>
-
-<file path=ppt/slideLayouts/slideLayout13.xml><?xml version="1.0" encoding="utf-8"?>
-<p:sldLayout xmlns:a="http://schemas.openxmlformats.org/drawingml/2006/main" xmlns:r="http://schemas.openxmlformats.org/officeDocument/2006/relationships" xmlns:p="http://schemas.openxmlformats.org/presentationml/2006/main" preserve="1">
-  <p:cSld name="Bullets">
-    <p:spTree>
-      <p:nvGrpSpPr>
-        <p:cNvPr id="1" name=""/>
-        <p:cNvGrpSpPr/>
-        <p:nvPr/>
-      </p:nvGrpSpPr>
-      <p:grpSpPr>
-        <a:xfrm>
-          <a:off x="0" y="0"/>
-          <a:ext cx="0" cy="0"/>
-          <a:chOff x="0" y="0"/>
-          <a:chExt cx="0" cy="0"/>
-        </a:xfrm>
-      </p:grpSpPr>
-      <p:sp>
-        <p:nvSpPr>
-          <p:cNvPr id="2" name="Title 1"/>
-          <p:cNvSpPr>
-            <a:spLocks noGrp="1"/>
-          </p:cNvSpPr>
-          <p:nvPr>
-            <p:ph type="title"/>
-          </p:nvPr>
-        </p:nvSpPr>
-        <p:spPr/>
-        <p:txBody>
-          <a:bodyPr/>
-          <a:lstStyle>
-            <a:lvl1pPr>
-              <a:defRPr baseline="0"/>
-            </a:lvl1pPr>
-          </a:lstStyle>
-          <a:p>
-            <a:r>
-              <a:rPr lang="en-US" smtClean="0"/>
-              <a:t>Click to edit Master title style</a:t>
-            </a:r>
-            <a:endParaRPr lang="en-US" dirty="0"/>
-          </a:p>
-        </p:txBody>
-      </p:sp>
-      <p:sp>
-        <p:nvSpPr>
-          <p:cNvPr id="5" name="Text Placeholder 4"/>
-          <p:cNvSpPr>
-            <a:spLocks noGrp="1"/>
-          </p:cNvSpPr>
-          <p:nvPr>
-            <p:ph type="body" sz="quarter" idx="10"/>
-          </p:nvPr>
-        </p:nvSpPr>
-        <p:spPr>
-          <a:xfrm>
-            <a:off x="609600" y="1670583"/>
-            <a:ext cx="13408762" cy="4811358"/>
-          </a:xfrm>
-        </p:spPr>
-        <p:txBody>
-          <a:bodyPr>
-            <a:noAutofit/>
-          </a:bodyPr>
-          <a:lstStyle>
-            <a:lvl1pPr>
-              <a:defRPr baseline="0"/>
-            </a:lvl1pPr>
-            <a:lvl2pPr>
-              <a:defRPr baseline="0"/>
-            </a:lvl2pPr>
-            <a:lvl3pPr>
-              <a:defRPr baseline="0"/>
-            </a:lvl3pPr>
-            <a:lvl4pPr>
-              <a:defRPr baseline="0"/>
-            </a:lvl4pPr>
-            <a:lvl5pPr>
-              <a:defRPr baseline="0"/>
-            </a:lvl5pPr>
-          </a:lstStyle>
-          <a:p>
-            <a:pPr lvl="0"/>
-            <a:r>
-              <a:rPr lang="en-US" smtClean="0"/>
-              <a:t>Click to edit Master text styles</a:t>
-            </a:r>
-          </a:p>
-          <a:p>
-            <a:pPr lvl="1"/>
-            <a:r>
-              <a:rPr lang="en-US" smtClean="0"/>
-              <a:t>Second level</a:t>
-            </a:r>
-          </a:p>
-          <a:p>
-            <a:pPr lvl="2"/>
-            <a:r>
-              <a:rPr lang="en-US" smtClean="0"/>
-              <a:t>Third level</a:t>
-            </a:r>
-          </a:p>
-          <a:p>
-            <a:pPr lvl="3"/>
-            <a:r>
-              <a:rPr lang="en-US" smtClean="0"/>
-              <a:t>Fourth level</a:t>
-            </a:r>
-          </a:p>
-          <a:p>
-            <a:pPr lvl="4"/>
-            <a:r>
-              <a:rPr lang="en-US" smtClean="0"/>
-              <a:t>Fifth level</a:t>
-            </a:r>
-            <a:endParaRPr lang="en-US" dirty="0"/>
-          </a:p>
-        </p:txBody>
-      </p:sp>
-    </p:spTree>
-    <p:extLst>
-      <p:ext uri="{BB962C8B-B14F-4D97-AF65-F5344CB8AC3E}">
-        <p14:creationId xmlns:p14="http://schemas.microsoft.com/office/powerpoint/2010/main" val="1575728541"/>
-      </p:ext>
-    </p:extLst>
-  </p:cSld>
-  <p:clrMapOvr>
-    <a:masterClrMapping/>
-  </p:clrMapOvr>
-  <mc:AlternateContent xmlns:mc="http://schemas.openxmlformats.org/markup-compatibility/2006" xmlns:p14="http://schemas.microsoft.com/office/powerpoint/2010/main">
-    <mc:Choice Requires="p14">
-      <p:transition spd="med" p14:dur="700">
-        <p:fade/>
-      </p:transition>
-    </mc:Choice>
-    <mc:Fallback xmlns="">
-      <p:transition spd="med">
-        <p:fade/>
-      </p:transition>
-    </mc:Fallback>
-  </mc:AlternateContent>
-  <p:timing>
-    <p:tnLst>
-      <p:par>
-        <p:cTn xmlns:p14="http://schemas.microsoft.com/office/powerpoint/2010/main" id="1" dur="indefinite" restart="never" nodeType="tmRoot"/>
-      </p:par>
-    </p:tnLst>
-  </p:timing>
-</p:sldLayout>
-</file>
-
-<file path=ppt/slideLayouts/slideLayout14.xml><?xml version="1.0" encoding="utf-8"?>
-<p:sldLayout xmlns:a="http://schemas.openxmlformats.org/drawingml/2006/main" xmlns:r="http://schemas.openxmlformats.org/officeDocument/2006/relationships" xmlns:p="http://schemas.openxmlformats.org/presentationml/2006/main" preserve="1">
-  <p:cSld name="Code">
-    <p:spTree>
-      <p:nvGrpSpPr>
-        <p:cNvPr id="1" name=""/>
-        <p:cNvGrpSpPr/>
-        <p:nvPr/>
-      </p:nvGrpSpPr>
-      <p:grpSpPr>
-        <a:xfrm>
-          <a:off x="0" y="0"/>
-          <a:ext cx="0" cy="0"/>
-          <a:chOff x="0" y="0"/>
-          <a:chExt cx="0" cy="0"/>
-        </a:xfrm>
-      </p:grpSpPr>
-      <p:sp>
-        <p:nvSpPr>
-          <p:cNvPr id="2" name="Title 1"/>
-          <p:cNvSpPr>
-            <a:spLocks noGrp="1"/>
-          </p:cNvSpPr>
-          <p:nvPr>
-            <p:ph type="title"/>
-          </p:nvPr>
-        </p:nvSpPr>
-        <p:spPr/>
-        <p:txBody>
-          <a:bodyPr/>
-          <a:lstStyle/>
-          <a:p>
-            <a:r>
-              <a:rPr lang="en-US" smtClean="0"/>
-              <a:t>Click to edit Master title style</a:t>
-            </a:r>
-            <a:endParaRPr lang="en-US" dirty="0"/>
-          </a:p>
-        </p:txBody>
-      </p:sp>
-      <p:sp>
-        <p:nvSpPr>
-          <p:cNvPr id="5" name="Text Placeholder 4"/>
-          <p:cNvSpPr>
-            <a:spLocks noGrp="1"/>
-          </p:cNvSpPr>
-          <p:nvPr>
-            <p:ph type="body" sz="quarter" idx="10"/>
-          </p:nvPr>
-        </p:nvSpPr>
-        <p:spPr>
-          <a:xfrm>
-            <a:off x="609600" y="1670583"/>
-            <a:ext cx="13408762" cy="4811358"/>
-          </a:xfrm>
-        </p:spPr>
-        <p:txBody>
-          <a:bodyPr>
-            <a:noAutofit/>
-          </a:bodyPr>
-          <a:lstStyle>
-            <a:lvl1pPr marL="0" indent="0">
-              <a:buNone/>
-              <a:defRPr>
-                <a:latin typeface="Consolas" panose="020B0609020204030204" pitchFamily="49" charset="0"/>
-                <a:cs typeface="Consolas" panose="020B0609020204030204" pitchFamily="49" charset="0"/>
-              </a:defRPr>
-            </a:lvl1pPr>
-            <a:lvl2pPr marL="278046" indent="0">
-              <a:buNone/>
-              <a:defRPr>
-                <a:latin typeface="Consolas" panose="020B0609020204030204" pitchFamily="49" charset="0"/>
-                <a:cs typeface="Consolas" panose="020B0609020204030204" pitchFamily="49" charset="0"/>
-              </a:defRPr>
-            </a:lvl2pPr>
-            <a:lvl3pPr marL="548477" indent="0">
-              <a:buNone/>
-              <a:defRPr>
-                <a:latin typeface="Consolas" panose="020B0609020204030204" pitchFamily="49" charset="0"/>
-                <a:cs typeface="Consolas" panose="020B0609020204030204" pitchFamily="49" charset="0"/>
-              </a:defRPr>
-            </a:lvl3pPr>
-            <a:lvl4pPr marL="756058" indent="0">
-              <a:buNone/>
-              <a:defRPr>
-                <a:latin typeface="Consolas" panose="020B0609020204030204" pitchFamily="49" charset="0"/>
-                <a:cs typeface="Consolas" panose="020B0609020204030204" pitchFamily="49" charset="0"/>
-              </a:defRPr>
-            </a:lvl4pPr>
-            <a:lvl5pPr marL="961736" indent="0">
-              <a:buNone/>
-              <a:defRPr>
-                <a:latin typeface="Consolas" panose="020B0609020204030204" pitchFamily="49" charset="0"/>
-                <a:cs typeface="Consolas" panose="020B0609020204030204" pitchFamily="49" charset="0"/>
-              </a:defRPr>
-            </a:lvl5pPr>
-          </a:lstStyle>
-          <a:p>
-            <a:pPr lvl="0"/>
-            <a:r>
-              <a:rPr lang="en-US" smtClean="0"/>
-              <a:t>Click to edit Master text styles</a:t>
-            </a:r>
-          </a:p>
-        </p:txBody>
-      </p:sp>
-    </p:spTree>
-    <p:extLst>
-      <p:ext uri="{BB962C8B-B14F-4D97-AF65-F5344CB8AC3E}">
-        <p14:creationId xmlns:p14="http://schemas.microsoft.com/office/powerpoint/2010/main" val="2449013129"/>
-      </p:ext>
-    </p:extLst>
-  </p:cSld>
-  <p:clrMapOvr>
-    <a:masterClrMapping/>
-  </p:clrMapOvr>
-  <mc:AlternateContent xmlns:mc="http://schemas.openxmlformats.org/markup-compatibility/2006" xmlns:p14="http://schemas.microsoft.com/office/powerpoint/2010/main">
-    <mc:Choice Requires="p14">
-      <p:transition spd="med" p14:dur="700">
-        <p:fade/>
-      </p:transition>
-    </mc:Choice>
-    <mc:Fallback xmlns="">
-      <p:transition spd="med">
-        <p:fade/>
-      </p:transition>
-    </mc:Fallback>
-  </mc:AlternateContent>
-  <p:timing>
-    <p:tnLst>
-      <p:par>
-        <p:cTn xmlns:p14="http://schemas.microsoft.com/office/powerpoint/2010/main" id="1" dur="indefinite" restart="never" nodeType="tmRoot"/>
-      </p:par>
-    </p:tnLst>
-  </p:timing>
-</p:sldLayout>
-</file>
-
-<file path=ppt/slideLayouts/slideLayout15.xml><?xml version="1.0" encoding="utf-8"?>
 <p:sldLayout xmlns:a="http://schemas.openxmlformats.org/drawingml/2006/main" xmlns:r="http://schemas.openxmlformats.org/officeDocument/2006/relationships" xmlns:p="http://schemas.openxmlformats.org/presentationml/2006/main" preserve="1">
   <p:cSld name="Title Only">
     <p:spTree>
@@ -1877,1058 +3761,6 @@
 </p:sldLayout>
 </file>
 
-<file path=ppt/slideLayouts/slideLayout16.xml><?xml version="1.0" encoding="utf-8"?>
-<p:sldLayout xmlns:a="http://schemas.openxmlformats.org/drawingml/2006/main" xmlns:r="http://schemas.openxmlformats.org/officeDocument/2006/relationships" xmlns:p="http://schemas.openxmlformats.org/presentationml/2006/main" preserve="1">
-  <p:cSld name="Blank">
-    <p:spTree>
-      <p:nvGrpSpPr>
-        <p:cNvPr id="1" name=""/>
-        <p:cNvGrpSpPr/>
-        <p:nvPr/>
-      </p:nvGrpSpPr>
-      <p:grpSpPr>
-        <a:xfrm>
-          <a:off x="0" y="0"/>
-          <a:ext cx="0" cy="0"/>
-          <a:chOff x="0" y="0"/>
-          <a:chExt cx="0" cy="0"/>
-        </a:xfrm>
-      </p:grpSpPr>
-    </p:spTree>
-    <p:extLst>
-      <p:ext uri="{BB962C8B-B14F-4D97-AF65-F5344CB8AC3E}">
-        <p14:creationId xmlns:p14="http://schemas.microsoft.com/office/powerpoint/2010/main" val="3279075644"/>
-      </p:ext>
-    </p:extLst>
-  </p:cSld>
-  <p:clrMapOvr>
-    <a:masterClrMapping/>
-  </p:clrMapOvr>
-  <mc:AlternateContent xmlns:mc="http://schemas.openxmlformats.org/markup-compatibility/2006" xmlns:p14="http://schemas.microsoft.com/office/powerpoint/2010/main">
-    <mc:Choice Requires="p14">
-      <p:transition spd="med" p14:dur="700">
-        <p:fade/>
-      </p:transition>
-    </mc:Choice>
-    <mc:Fallback xmlns="">
-      <p:transition spd="med">
-        <p:fade/>
-      </p:transition>
-    </mc:Fallback>
-  </mc:AlternateContent>
-  <p:timing>
-    <p:tnLst>
-      <p:par>
-        <p:cTn xmlns:p14="http://schemas.microsoft.com/office/powerpoint/2010/main" id="1" dur="indefinite" restart="never" nodeType="tmRoot"/>
-      </p:par>
-    </p:tnLst>
-  </p:timing>
-</p:sldLayout>
-</file>
-
-<file path=ppt/slideLayouts/slideLayout17.xml><?xml version="1.0" encoding="utf-8"?>
-<p:sldLayout xmlns:a="http://schemas.openxmlformats.org/drawingml/2006/main" xmlns:r="http://schemas.openxmlformats.org/officeDocument/2006/relationships" xmlns:p="http://schemas.openxmlformats.org/presentationml/2006/main" preserve="1">
-  <p:cSld name="Divider Slide">
-    <p:spTree>
-      <p:nvGrpSpPr>
-        <p:cNvPr id="1" name=""/>
-        <p:cNvGrpSpPr/>
-        <p:nvPr/>
-      </p:nvGrpSpPr>
-      <p:grpSpPr>
-        <a:xfrm>
-          <a:off x="0" y="0"/>
-          <a:ext cx="0" cy="0"/>
-          <a:chOff x="0" y="0"/>
-          <a:chExt cx="0" cy="0"/>
-        </a:xfrm>
-      </p:grpSpPr>
-      <p:sp>
-        <p:nvSpPr>
-          <p:cNvPr id="4" name="Title 1"/>
-          <p:cNvSpPr>
-            <a:spLocks noGrp="1"/>
-          </p:cNvSpPr>
-          <p:nvPr>
-            <p:ph type="ctrTitle"/>
-          </p:nvPr>
-        </p:nvSpPr>
-        <p:spPr bwMode="white">
-          <a:xfrm>
-            <a:off x="2712376" y="2246696"/>
-            <a:ext cx="9875520" cy="1203795"/>
-          </a:xfrm>
-        </p:spPr>
-        <p:txBody>
-          <a:bodyPr wrap="square" lIns="82274" tIns="82274" rIns="82274" bIns="82274" anchor="ctr" anchorCtr="0">
-            <a:noAutofit/>
-          </a:bodyPr>
-          <a:lstStyle>
-            <a:lvl1pPr>
-              <a:lnSpc>
-                <a:spcPct val="90000"/>
-              </a:lnSpc>
-              <a:defRPr sz="4300" b="1" spc="0" baseline="0">
-                <a:solidFill>
-                  <a:srgbClr val="435464"/>
-                </a:solidFill>
-              </a:defRPr>
-            </a:lvl1pPr>
-          </a:lstStyle>
-          <a:p>
-            <a:r>
-              <a:rPr lang="en-US" dirty="0" smtClean="0"/>
-              <a:t>Click to edit Master title style</a:t>
-            </a:r>
-            <a:endParaRPr lang="en-US" dirty="0"/>
-          </a:p>
-        </p:txBody>
-      </p:sp>
-      <p:sp>
-        <p:nvSpPr>
-          <p:cNvPr id="5" name="Subtitle 2"/>
-          <p:cNvSpPr>
-            <a:spLocks noGrp="1"/>
-          </p:cNvSpPr>
-          <p:nvPr>
-            <p:ph type="subTitle" idx="1"/>
-          </p:nvPr>
-        </p:nvSpPr>
-        <p:spPr bwMode="white">
-          <a:xfrm>
-            <a:off x="2712376" y="3106025"/>
-            <a:ext cx="9875520" cy="508970"/>
-          </a:xfrm>
-        </p:spPr>
-        <p:txBody>
-          <a:bodyPr wrap="square" lIns="82274" tIns="82274" rIns="82274" bIns="82274">
-            <a:spAutoFit/>
-          </a:bodyPr>
-          <a:lstStyle>
-            <a:lvl1pPr marL="0" indent="0" algn="l">
-              <a:lnSpc>
-                <a:spcPct val="90000"/>
-              </a:lnSpc>
-              <a:spcBef>
-                <a:spcPts val="0"/>
-              </a:spcBef>
-              <a:buNone/>
-              <a:defRPr sz="2400">
-                <a:solidFill>
-                  <a:srgbClr val="435464"/>
-                </a:solidFill>
-              </a:defRPr>
-            </a:lvl1pPr>
-            <a:lvl2pPr marL="548453" indent="0" algn="ctr">
-              <a:buNone/>
-              <a:defRPr>
-                <a:solidFill>
-                  <a:schemeClr val="tx1">
-                    <a:tint val="75000"/>
-                  </a:schemeClr>
-                </a:solidFill>
-              </a:defRPr>
-            </a:lvl2pPr>
-            <a:lvl3pPr marL="1096907" indent="0" algn="ctr">
-              <a:buNone/>
-              <a:defRPr>
-                <a:solidFill>
-                  <a:schemeClr val="tx1">
-                    <a:tint val="75000"/>
-                  </a:schemeClr>
-                </a:solidFill>
-              </a:defRPr>
-            </a:lvl3pPr>
-            <a:lvl4pPr marL="1645362" indent="0" algn="ctr">
-              <a:buNone/>
-              <a:defRPr>
-                <a:solidFill>
-                  <a:schemeClr val="tx1">
-                    <a:tint val="75000"/>
-                  </a:schemeClr>
-                </a:solidFill>
-              </a:defRPr>
-            </a:lvl4pPr>
-            <a:lvl5pPr marL="2193816" indent="0" algn="ctr">
-              <a:buNone/>
-              <a:defRPr>
-                <a:solidFill>
-                  <a:schemeClr val="tx1">
-                    <a:tint val="75000"/>
-                  </a:schemeClr>
-                </a:solidFill>
-              </a:defRPr>
-            </a:lvl5pPr>
-            <a:lvl6pPr marL="2742267" indent="0" algn="ctr">
-              <a:buNone/>
-              <a:defRPr>
-                <a:solidFill>
-                  <a:schemeClr val="tx1">
-                    <a:tint val="75000"/>
-                  </a:schemeClr>
-                </a:solidFill>
-              </a:defRPr>
-            </a:lvl6pPr>
-            <a:lvl7pPr marL="3290722" indent="0" algn="ctr">
-              <a:buNone/>
-              <a:defRPr>
-                <a:solidFill>
-                  <a:schemeClr val="tx1">
-                    <a:tint val="75000"/>
-                  </a:schemeClr>
-                </a:solidFill>
-              </a:defRPr>
-            </a:lvl7pPr>
-            <a:lvl8pPr marL="3839178" indent="0" algn="ctr">
-              <a:buNone/>
-              <a:defRPr>
-                <a:solidFill>
-                  <a:schemeClr val="tx1">
-                    <a:tint val="75000"/>
-                  </a:schemeClr>
-                </a:solidFill>
-              </a:defRPr>
-            </a:lvl8pPr>
-            <a:lvl9pPr marL="4387630" indent="0" algn="ctr">
-              <a:buNone/>
-              <a:defRPr>
-                <a:solidFill>
-                  <a:schemeClr val="tx1">
-                    <a:tint val="75000"/>
-                  </a:schemeClr>
-                </a:solidFill>
-              </a:defRPr>
-            </a:lvl9pPr>
-          </a:lstStyle>
-          <a:p>
-            <a:r>
-              <a:rPr lang="en-US" dirty="0" smtClean="0"/>
-              <a:t>Click to edit Master subtitle style</a:t>
-            </a:r>
-            <a:endParaRPr lang="en-US" dirty="0"/>
-          </a:p>
-        </p:txBody>
-      </p:sp>
-    </p:spTree>
-    <p:extLst>
-      <p:ext uri="{BB962C8B-B14F-4D97-AF65-F5344CB8AC3E}">
-        <p14:creationId xmlns:p14="http://schemas.microsoft.com/office/powerpoint/2010/main" val="4109556855"/>
-      </p:ext>
-    </p:extLst>
-  </p:cSld>
-  <p:clrMapOvr>
-    <a:masterClrMapping/>
-  </p:clrMapOvr>
-  <mc:AlternateContent xmlns:mc="http://schemas.openxmlformats.org/markup-compatibility/2006" xmlns:p14="http://schemas.microsoft.com/office/powerpoint/2010/main">
-    <mc:Choice Requires="p14">
-      <p:transition spd="med" p14:dur="700">
-        <p:fade/>
-      </p:transition>
-    </mc:Choice>
-    <mc:Fallback xmlns="">
-      <p:transition spd="med">
-        <p:fade/>
-      </p:transition>
-    </mc:Fallback>
-  </mc:AlternateContent>
-  <p:timing>
-    <p:tnLst>
-      <p:par>
-        <p:cTn xmlns:p14="http://schemas.microsoft.com/office/powerpoint/2010/main" id="1" dur="indefinite" restart="never" nodeType="tmRoot"/>
-      </p:par>
-    </p:tnLst>
-  </p:timing>
-</p:sldLayout>
-</file>
-
-<file path=ppt/slideLayouts/slideLayout18.xml><?xml version="1.0" encoding="utf-8"?>
-<p:sldLayout xmlns:a="http://schemas.openxmlformats.org/drawingml/2006/main" xmlns:r="http://schemas.openxmlformats.org/officeDocument/2006/relationships" xmlns:p="http://schemas.openxmlformats.org/presentationml/2006/main" preserve="1">
-  <p:cSld name="Thank You">
-    <p:spTree>
-      <p:nvGrpSpPr>
-        <p:cNvPr id="1" name=""/>
-        <p:cNvGrpSpPr/>
-        <p:nvPr/>
-      </p:nvGrpSpPr>
-      <p:grpSpPr>
-        <a:xfrm>
-          <a:off x="0" y="0"/>
-          <a:ext cx="0" cy="0"/>
-          <a:chOff x="0" y="0"/>
-          <a:chExt cx="0" cy="0"/>
-        </a:xfrm>
-      </p:grpSpPr>
-      <p:sp>
-        <p:nvSpPr>
-          <p:cNvPr id="4" name="Title 1"/>
-          <p:cNvSpPr>
-            <a:spLocks noGrp="1"/>
-          </p:cNvSpPr>
-          <p:nvPr>
-            <p:ph type="ctrTitle"/>
-          </p:nvPr>
-        </p:nvSpPr>
-        <p:spPr bwMode="white">
-          <a:xfrm>
-            <a:off x="2712376" y="2246696"/>
-            <a:ext cx="9875520" cy="1203795"/>
-          </a:xfrm>
-        </p:spPr>
-        <p:txBody>
-          <a:bodyPr wrap="square" lIns="82274" tIns="82274" rIns="82274" bIns="82274" anchor="ctr" anchorCtr="0">
-            <a:noAutofit/>
-          </a:bodyPr>
-          <a:lstStyle>
-            <a:lvl1pPr>
-              <a:lnSpc>
-                <a:spcPct val="90000"/>
-              </a:lnSpc>
-              <a:defRPr sz="4300" b="1" spc="0" baseline="0">
-                <a:solidFill>
-                  <a:srgbClr val="435464"/>
-                </a:solidFill>
-              </a:defRPr>
-            </a:lvl1pPr>
-          </a:lstStyle>
-          <a:p>
-            <a:r>
-              <a:rPr lang="en-US" dirty="0" smtClean="0"/>
-              <a:t>Click to edit Master title style</a:t>
-            </a:r>
-            <a:endParaRPr lang="en-US" dirty="0"/>
-          </a:p>
-        </p:txBody>
-      </p:sp>
-      <p:sp>
-        <p:nvSpPr>
-          <p:cNvPr id="5" name="Subtitle 2"/>
-          <p:cNvSpPr>
-            <a:spLocks noGrp="1"/>
-          </p:cNvSpPr>
-          <p:nvPr>
-            <p:ph type="subTitle" idx="1"/>
-          </p:nvPr>
-        </p:nvSpPr>
-        <p:spPr bwMode="white">
-          <a:xfrm>
-            <a:off x="2712376" y="3106025"/>
-            <a:ext cx="9875520" cy="508970"/>
-          </a:xfrm>
-        </p:spPr>
-        <p:txBody>
-          <a:bodyPr wrap="square" lIns="82274" tIns="82274" rIns="82274" bIns="82274">
-            <a:spAutoFit/>
-          </a:bodyPr>
-          <a:lstStyle>
-            <a:lvl1pPr marL="0" indent="0" algn="l">
-              <a:lnSpc>
-                <a:spcPct val="90000"/>
-              </a:lnSpc>
-              <a:spcBef>
-                <a:spcPts val="0"/>
-              </a:spcBef>
-              <a:buNone/>
-              <a:defRPr sz="2400">
-                <a:solidFill>
-                  <a:srgbClr val="435464"/>
-                </a:solidFill>
-              </a:defRPr>
-            </a:lvl1pPr>
-            <a:lvl2pPr marL="548453" indent="0" algn="ctr">
-              <a:buNone/>
-              <a:defRPr>
-                <a:solidFill>
-                  <a:schemeClr val="tx1">
-                    <a:tint val="75000"/>
-                  </a:schemeClr>
-                </a:solidFill>
-              </a:defRPr>
-            </a:lvl2pPr>
-            <a:lvl3pPr marL="1096907" indent="0" algn="ctr">
-              <a:buNone/>
-              <a:defRPr>
-                <a:solidFill>
-                  <a:schemeClr val="tx1">
-                    <a:tint val="75000"/>
-                  </a:schemeClr>
-                </a:solidFill>
-              </a:defRPr>
-            </a:lvl3pPr>
-            <a:lvl4pPr marL="1645362" indent="0" algn="ctr">
-              <a:buNone/>
-              <a:defRPr>
-                <a:solidFill>
-                  <a:schemeClr val="tx1">
-                    <a:tint val="75000"/>
-                  </a:schemeClr>
-                </a:solidFill>
-              </a:defRPr>
-            </a:lvl4pPr>
-            <a:lvl5pPr marL="2193816" indent="0" algn="ctr">
-              <a:buNone/>
-              <a:defRPr>
-                <a:solidFill>
-                  <a:schemeClr val="tx1">
-                    <a:tint val="75000"/>
-                  </a:schemeClr>
-                </a:solidFill>
-              </a:defRPr>
-            </a:lvl5pPr>
-            <a:lvl6pPr marL="2742267" indent="0" algn="ctr">
-              <a:buNone/>
-              <a:defRPr>
-                <a:solidFill>
-                  <a:schemeClr val="tx1">
-                    <a:tint val="75000"/>
-                  </a:schemeClr>
-                </a:solidFill>
-              </a:defRPr>
-            </a:lvl6pPr>
-            <a:lvl7pPr marL="3290722" indent="0" algn="ctr">
-              <a:buNone/>
-              <a:defRPr>
-                <a:solidFill>
-                  <a:schemeClr val="tx1">
-                    <a:tint val="75000"/>
-                  </a:schemeClr>
-                </a:solidFill>
-              </a:defRPr>
-            </a:lvl7pPr>
-            <a:lvl8pPr marL="3839178" indent="0" algn="ctr">
-              <a:buNone/>
-              <a:defRPr>
-                <a:solidFill>
-                  <a:schemeClr val="tx1">
-                    <a:tint val="75000"/>
-                  </a:schemeClr>
-                </a:solidFill>
-              </a:defRPr>
-            </a:lvl8pPr>
-            <a:lvl9pPr marL="4387630" indent="0" algn="ctr">
-              <a:buNone/>
-              <a:defRPr>
-                <a:solidFill>
-                  <a:schemeClr val="tx1">
-                    <a:tint val="75000"/>
-                  </a:schemeClr>
-                </a:solidFill>
-              </a:defRPr>
-            </a:lvl9pPr>
-          </a:lstStyle>
-          <a:p>
-            <a:r>
-              <a:rPr lang="en-US" dirty="0" smtClean="0"/>
-              <a:t>Click to edit Master subtitle style</a:t>
-            </a:r>
-            <a:endParaRPr lang="en-US" dirty="0"/>
-          </a:p>
-        </p:txBody>
-      </p:sp>
-    </p:spTree>
-    <p:extLst>
-      <p:ext uri="{BB962C8B-B14F-4D97-AF65-F5344CB8AC3E}">
-        <p14:creationId xmlns:p14="http://schemas.microsoft.com/office/powerpoint/2010/main" val="4004664676"/>
-      </p:ext>
-    </p:extLst>
-  </p:cSld>
-  <p:clrMapOvr>
-    <a:masterClrMapping/>
-  </p:clrMapOvr>
-  <mc:AlternateContent xmlns:mc="http://schemas.openxmlformats.org/markup-compatibility/2006" xmlns:p14="http://schemas.microsoft.com/office/powerpoint/2010/main">
-    <mc:Choice Requires="p14">
-      <p:transition spd="med" p14:dur="700">
-        <p:fade/>
-      </p:transition>
-    </mc:Choice>
-    <mc:Fallback xmlns="">
-      <p:transition spd="med">
-        <p:fade/>
-      </p:transition>
-    </mc:Fallback>
-  </mc:AlternateContent>
-  <p:timing>
-    <p:tnLst>
-      <p:par>
-        <p:cTn xmlns:p14="http://schemas.microsoft.com/office/powerpoint/2010/main" id="1" dur="indefinite" restart="never" nodeType="tmRoot"/>
-      </p:par>
-    </p:tnLst>
-  </p:timing>
-</p:sldLayout>
-</file>
-
-<file path=ppt/slideLayouts/slideLayout19.xml><?xml version="1.0" encoding="utf-8"?>
-<p:sldLayout xmlns:a="http://schemas.openxmlformats.org/drawingml/2006/main" xmlns:r="http://schemas.openxmlformats.org/officeDocument/2006/relationships" xmlns:p="http://schemas.openxmlformats.org/presentationml/2006/main" type="obj">
-  <p:cSld name="Title and Content">
-    <p:spTree>
-      <p:nvGrpSpPr>
-        <p:cNvPr id="1" name="Shape 61"/>
-        <p:cNvGrpSpPr/>
-        <p:nvPr/>
-      </p:nvGrpSpPr>
-      <p:grpSpPr>
-        <a:xfrm>
-          <a:off x="0" y="0"/>
-          <a:ext cx="0" cy="0"/>
-          <a:chOff x="0" y="0"/>
-          <a:chExt cx="0" cy="0"/>
-        </a:xfrm>
-      </p:grpSpPr>
-      <p:sp>
-        <p:nvSpPr>
-          <p:cNvPr id="62" name="Shape 62"/>
-          <p:cNvSpPr txBox="1">
-            <a:spLocks noGrp="1"/>
-          </p:cNvSpPr>
-          <p:nvPr>
-            <p:ph type="title"/>
-          </p:nvPr>
-        </p:nvSpPr>
-        <p:spPr>
-          <a:xfrm>
-            <a:off x="609604" y="548654"/>
-            <a:ext cx="13411198" cy="830965"/>
-          </a:xfrm>
-          <a:prstGeom prst="rect">
-            <a:avLst/>
-          </a:prstGeom>
-          <a:noFill/>
-          <a:ln>
-            <a:noFill/>
-          </a:ln>
-        </p:spPr>
-        <p:txBody>
-          <a:bodyPr lIns="109693" tIns="109693" rIns="109693" bIns="109693" anchor="t" anchorCtr="0"/>
-          <a:lstStyle>
-            <a:lvl1pPr algn="l" rtl="0">
-              <a:lnSpc>
-                <a:spcPct val="90000"/>
-              </a:lnSpc>
-              <a:spcBef>
-                <a:spcPts val="0"/>
-              </a:spcBef>
-              <a:buClr>
-                <a:schemeClr val="accent1"/>
-              </a:buClr>
-              <a:buFont typeface="Arial"/>
-              <a:buNone/>
-              <a:defRPr/>
-            </a:lvl1pPr>
-            <a:lvl2pPr rtl="0">
-              <a:spcBef>
-                <a:spcPts val="0"/>
-              </a:spcBef>
-              <a:defRPr/>
-            </a:lvl2pPr>
-            <a:lvl3pPr rtl="0">
-              <a:spcBef>
-                <a:spcPts val="0"/>
-              </a:spcBef>
-              <a:defRPr/>
-            </a:lvl3pPr>
-            <a:lvl4pPr rtl="0">
-              <a:spcBef>
-                <a:spcPts val="0"/>
-              </a:spcBef>
-              <a:defRPr/>
-            </a:lvl4pPr>
-            <a:lvl5pPr rtl="0">
-              <a:spcBef>
-                <a:spcPts val="0"/>
-              </a:spcBef>
-              <a:defRPr/>
-            </a:lvl5pPr>
-            <a:lvl6pPr rtl="0">
-              <a:spcBef>
-                <a:spcPts val="0"/>
-              </a:spcBef>
-              <a:defRPr/>
-            </a:lvl6pPr>
-            <a:lvl7pPr rtl="0">
-              <a:spcBef>
-                <a:spcPts val="0"/>
-              </a:spcBef>
-              <a:defRPr/>
-            </a:lvl7pPr>
-            <a:lvl8pPr rtl="0">
-              <a:spcBef>
-                <a:spcPts val="0"/>
-              </a:spcBef>
-              <a:defRPr/>
-            </a:lvl8pPr>
-            <a:lvl9pPr rtl="0">
-              <a:spcBef>
-                <a:spcPts val="0"/>
-              </a:spcBef>
-              <a:defRPr/>
-            </a:lvl9pPr>
-          </a:lstStyle>
-          <a:p>
-            <a:endParaRPr/>
-          </a:p>
-        </p:txBody>
-      </p:sp>
-      <p:sp>
-        <p:nvSpPr>
-          <p:cNvPr id="63" name="Shape 63"/>
-          <p:cNvSpPr txBox="1">
-            <a:spLocks noGrp="1"/>
-          </p:cNvSpPr>
-          <p:nvPr>
-            <p:ph type="body" idx="1"/>
-          </p:nvPr>
-        </p:nvSpPr>
-        <p:spPr>
-          <a:xfrm>
-            <a:off x="609604" y="1670578"/>
-            <a:ext cx="13411198" cy="5166240"/>
-          </a:xfrm>
-          <a:prstGeom prst="rect">
-            <a:avLst/>
-          </a:prstGeom>
-          <a:noFill/>
-          <a:ln>
-            <a:noFill/>
-          </a:ln>
-        </p:spPr>
-        <p:txBody>
-          <a:bodyPr lIns="109693" tIns="109693" rIns="109693" bIns="109693" anchor="t" anchorCtr="0"/>
-          <a:lstStyle>
-            <a:lvl1pPr marL="284410" indent="-121888" algn="l" rtl="0">
-              <a:lnSpc>
-                <a:spcPct val="100000"/>
-              </a:lnSpc>
-              <a:spcBef>
-                <a:spcPts val="800"/>
-              </a:spcBef>
-              <a:buClr>
-                <a:srgbClr val="3E4346"/>
-              </a:buClr>
-              <a:buFont typeface="Arial"/>
-              <a:buChar char="•"/>
-              <a:defRPr/>
-            </a:lvl1pPr>
-            <a:lvl2pPr marL="548504" indent="-142203" algn="l" rtl="0">
-              <a:lnSpc>
-                <a:spcPct val="100000"/>
-              </a:lnSpc>
-              <a:spcBef>
-                <a:spcPts val="800"/>
-              </a:spcBef>
-              <a:buClr>
-                <a:srgbClr val="3E4346"/>
-              </a:buClr>
-              <a:buFont typeface="Arial"/>
-              <a:buChar char="•"/>
-              <a:defRPr/>
-            </a:lvl2pPr>
-            <a:lvl3pPr marL="751653" indent="-81261" algn="l" rtl="0">
-              <a:lnSpc>
-                <a:spcPct val="100000"/>
-              </a:lnSpc>
-              <a:spcBef>
-                <a:spcPts val="800"/>
-              </a:spcBef>
-              <a:buClr>
-                <a:srgbClr val="3E4346"/>
-              </a:buClr>
-              <a:buFont typeface="Arial"/>
-              <a:buChar char="•"/>
-              <a:defRPr/>
-            </a:lvl3pPr>
-            <a:lvl4pPr marL="954802" indent="-101576" algn="l" rtl="0">
-              <a:lnSpc>
-                <a:spcPct val="100000"/>
-              </a:lnSpc>
-              <a:spcBef>
-                <a:spcPts val="800"/>
-              </a:spcBef>
-              <a:buClr>
-                <a:srgbClr val="3E4346"/>
-              </a:buClr>
-              <a:buFont typeface="Arial"/>
-              <a:buChar char="•"/>
-              <a:defRPr/>
-            </a:lvl4pPr>
-            <a:lvl5pPr marL="1178267" indent="-101576" algn="l" rtl="0">
-              <a:lnSpc>
-                <a:spcPct val="100000"/>
-              </a:lnSpc>
-              <a:spcBef>
-                <a:spcPts val="800"/>
-              </a:spcBef>
-              <a:buClr>
-                <a:srgbClr val="3E4346"/>
-              </a:buClr>
-              <a:buFont typeface="Arial"/>
-              <a:buChar char="•"/>
-              <a:defRPr/>
-            </a:lvl5pPr>
-            <a:lvl6pPr marL="3006610" indent="-121888" algn="l" rtl="0">
-              <a:spcBef>
-                <a:spcPts val="480"/>
-              </a:spcBef>
-              <a:buClr>
-                <a:schemeClr val="dk1"/>
-              </a:buClr>
-              <a:buFont typeface="Arial"/>
-              <a:buChar char="•"/>
-              <a:defRPr/>
-            </a:lvl6pPr>
-            <a:lvl7pPr marL="3555112" indent="-121888" algn="l" rtl="0">
-              <a:spcBef>
-                <a:spcPts val="480"/>
-              </a:spcBef>
-              <a:buClr>
-                <a:schemeClr val="dk1"/>
-              </a:buClr>
-              <a:buFont typeface="Arial"/>
-              <a:buChar char="•"/>
-              <a:defRPr/>
-            </a:lvl7pPr>
-            <a:lvl8pPr marL="4103616" indent="-121888" algn="l" rtl="0">
-              <a:spcBef>
-                <a:spcPts val="480"/>
-              </a:spcBef>
-              <a:buClr>
-                <a:schemeClr val="dk1"/>
-              </a:buClr>
-              <a:buFont typeface="Arial"/>
-              <a:buChar char="•"/>
-              <a:defRPr/>
-            </a:lvl8pPr>
-            <a:lvl9pPr marL="4652118" indent="-121888" algn="l" rtl="0">
-              <a:spcBef>
-                <a:spcPts val="480"/>
-              </a:spcBef>
-              <a:buClr>
-                <a:schemeClr val="dk1"/>
-              </a:buClr>
-              <a:buFont typeface="Arial"/>
-              <a:buChar char="•"/>
-              <a:defRPr/>
-            </a:lvl9pPr>
-          </a:lstStyle>
-          <a:p>
-            <a:endParaRPr/>
-          </a:p>
-        </p:txBody>
-      </p:sp>
-      <p:sp>
-        <p:nvSpPr>
-          <p:cNvPr id="64" name="Shape 64"/>
-          <p:cNvSpPr txBox="1">
-            <a:spLocks noGrp="1"/>
-          </p:cNvSpPr>
-          <p:nvPr>
-            <p:ph type="dt" idx="10"/>
-          </p:nvPr>
-        </p:nvSpPr>
-        <p:spPr>
-          <a:xfrm>
-            <a:off x="471422" y="7699247"/>
-            <a:ext cx="2926080" cy="190078"/>
-          </a:xfrm>
-          <a:prstGeom prst="rect">
-            <a:avLst/>
-          </a:prstGeom>
-          <a:noFill/>
-          <a:ln>
-            <a:noFill/>
-          </a:ln>
-        </p:spPr>
-        <p:txBody>
-          <a:bodyPr lIns="109693" tIns="109693" rIns="109693" bIns="109693" anchor="t" anchorCtr="0"/>
-          <a:lstStyle>
-            <a:lvl1pPr marL="0" marR="0" indent="0" algn="l" rtl="0">
-              <a:spcBef>
-                <a:spcPts val="0"/>
-              </a:spcBef>
-              <a:buSzPct val="100000"/>
-              <a:defRPr sz="1900"/>
-            </a:lvl1pPr>
-            <a:lvl2pPr marL="548504" marR="0" indent="-20315" algn="l" rtl="0">
-              <a:spcBef>
-                <a:spcPts val="0"/>
-              </a:spcBef>
-              <a:buSzPct val="100000"/>
-              <a:defRPr sz="1900"/>
-            </a:lvl2pPr>
-            <a:lvl3pPr marL="1097006" marR="0" indent="-20315" algn="l" rtl="0">
-              <a:spcBef>
-                <a:spcPts val="0"/>
-              </a:spcBef>
-              <a:buSzPct val="100000"/>
-              <a:defRPr sz="1900"/>
-            </a:lvl3pPr>
-            <a:lvl4pPr marL="1645509" marR="0" indent="-20315" algn="l" rtl="0">
-              <a:spcBef>
-                <a:spcPts val="0"/>
-              </a:spcBef>
-              <a:buSzPct val="100000"/>
-              <a:defRPr sz="1900"/>
-            </a:lvl4pPr>
-            <a:lvl5pPr marL="2194013" marR="0" indent="-20315" algn="l" rtl="0">
-              <a:spcBef>
-                <a:spcPts val="0"/>
-              </a:spcBef>
-              <a:buSzPct val="100000"/>
-              <a:defRPr sz="1900"/>
-            </a:lvl5pPr>
-            <a:lvl6pPr marL="2742515" marR="0" indent="-20315" algn="l" rtl="0">
-              <a:spcBef>
-                <a:spcPts val="0"/>
-              </a:spcBef>
-              <a:buSzPct val="100000"/>
-              <a:defRPr sz="1900"/>
-            </a:lvl6pPr>
-            <a:lvl7pPr marL="3291019" marR="0" indent="-20315" algn="l" rtl="0">
-              <a:spcBef>
-                <a:spcPts val="0"/>
-              </a:spcBef>
-              <a:buSzPct val="100000"/>
-              <a:defRPr sz="1900"/>
-            </a:lvl7pPr>
-            <a:lvl8pPr marL="3839523" marR="0" indent="-20315" algn="l" rtl="0">
-              <a:spcBef>
-                <a:spcPts val="0"/>
-              </a:spcBef>
-              <a:buSzPct val="100000"/>
-              <a:defRPr sz="1900"/>
-            </a:lvl8pPr>
-            <a:lvl9pPr marL="4388027" marR="0" indent="-20315" algn="l" rtl="0">
-              <a:spcBef>
-                <a:spcPts val="0"/>
-              </a:spcBef>
-              <a:buSzPct val="100000"/>
-              <a:defRPr sz="1900"/>
-            </a:lvl9pPr>
-          </a:lstStyle>
-          <a:p>
-            <a:pPr defTabSz="1096990"/>
-            <a:endParaRPr lang="en-US">
-              <a:solidFill>
-                <a:srgbClr val="3E4346"/>
-              </a:solidFill>
-              <a:latin typeface="Arial"/>
-            </a:endParaRPr>
-          </a:p>
-        </p:txBody>
-      </p:sp>
-      <p:sp>
-        <p:nvSpPr>
-          <p:cNvPr id="65" name="Shape 65"/>
-          <p:cNvSpPr txBox="1">
-            <a:spLocks noGrp="1"/>
-          </p:cNvSpPr>
-          <p:nvPr>
-            <p:ph type="ftr" idx="11"/>
-          </p:nvPr>
-        </p:nvSpPr>
-        <p:spPr>
-          <a:xfrm>
-            <a:off x="3544824" y="7705342"/>
-            <a:ext cx="8387040" cy="184320"/>
-          </a:xfrm>
-          <a:prstGeom prst="rect">
-            <a:avLst/>
-          </a:prstGeom>
-          <a:noFill/>
-          <a:ln>
-            <a:noFill/>
-          </a:ln>
-        </p:spPr>
-        <p:txBody>
-          <a:bodyPr lIns="109693" tIns="109693" rIns="109693" bIns="109693" anchor="t" anchorCtr="0"/>
-          <a:lstStyle>
-            <a:lvl1pPr marL="0" marR="0" indent="0" algn="l" rtl="0">
-              <a:spcBef>
-                <a:spcPts val="0"/>
-              </a:spcBef>
-              <a:buSzPct val="100000"/>
-              <a:defRPr sz="1900"/>
-            </a:lvl1pPr>
-            <a:lvl2pPr marL="548504" marR="0" indent="-20315" algn="l" rtl="0">
-              <a:spcBef>
-                <a:spcPts val="0"/>
-              </a:spcBef>
-              <a:buSzPct val="100000"/>
-              <a:defRPr sz="1900"/>
-            </a:lvl2pPr>
-            <a:lvl3pPr marL="1097006" marR="0" indent="-20315" algn="l" rtl="0">
-              <a:spcBef>
-                <a:spcPts val="0"/>
-              </a:spcBef>
-              <a:buSzPct val="100000"/>
-              <a:defRPr sz="1900"/>
-            </a:lvl3pPr>
-            <a:lvl4pPr marL="1645509" marR="0" indent="-20315" algn="l" rtl="0">
-              <a:spcBef>
-                <a:spcPts val="0"/>
-              </a:spcBef>
-              <a:buSzPct val="100000"/>
-              <a:defRPr sz="1900"/>
-            </a:lvl4pPr>
-            <a:lvl5pPr marL="2194013" marR="0" indent="-20315" algn="l" rtl="0">
-              <a:spcBef>
-                <a:spcPts val="0"/>
-              </a:spcBef>
-              <a:buSzPct val="100000"/>
-              <a:defRPr sz="1900"/>
-            </a:lvl5pPr>
-            <a:lvl6pPr marL="2742515" marR="0" indent="-20315" algn="l" rtl="0">
-              <a:spcBef>
-                <a:spcPts val="0"/>
-              </a:spcBef>
-              <a:buSzPct val="100000"/>
-              <a:defRPr sz="1900"/>
-            </a:lvl6pPr>
-            <a:lvl7pPr marL="3291019" marR="0" indent="-20315" algn="l" rtl="0">
-              <a:spcBef>
-                <a:spcPts val="0"/>
-              </a:spcBef>
-              <a:buSzPct val="100000"/>
-              <a:defRPr sz="1900"/>
-            </a:lvl7pPr>
-            <a:lvl8pPr marL="3839523" marR="0" indent="-20315" algn="l" rtl="0">
-              <a:spcBef>
-                <a:spcPts val="0"/>
-              </a:spcBef>
-              <a:buSzPct val="100000"/>
-              <a:defRPr sz="1900"/>
-            </a:lvl8pPr>
-            <a:lvl9pPr marL="4388027" marR="0" indent="-20315" algn="l" rtl="0">
-              <a:spcBef>
-                <a:spcPts val="0"/>
-              </a:spcBef>
-              <a:buSzPct val="100000"/>
-              <a:defRPr sz="1900"/>
-            </a:lvl9pPr>
-          </a:lstStyle>
-          <a:p>
-            <a:pPr defTabSz="1096990"/>
-            <a:endParaRPr lang="en-US">
-              <a:solidFill>
-                <a:srgbClr val="3E4346"/>
-              </a:solidFill>
-              <a:latin typeface="Arial"/>
-            </a:endParaRPr>
-          </a:p>
-        </p:txBody>
-      </p:sp>
-      <p:sp>
-        <p:nvSpPr>
-          <p:cNvPr id="66" name="Shape 66"/>
-          <p:cNvSpPr txBox="1">
-            <a:spLocks noGrp="1"/>
-          </p:cNvSpPr>
-          <p:nvPr>
-            <p:ph type="sldNum" idx="12"/>
-          </p:nvPr>
-        </p:nvSpPr>
-        <p:spPr>
-          <a:xfrm>
-            <a:off x="12077196" y="7699247"/>
-            <a:ext cx="2081758" cy="190078"/>
-          </a:xfrm>
-          <a:prstGeom prst="rect">
-            <a:avLst/>
-          </a:prstGeom>
-          <a:noFill/>
-          <a:ln>
-            <a:noFill/>
-          </a:ln>
-        </p:spPr>
-        <p:txBody>
-          <a:bodyPr lIns="109693" tIns="109693" rIns="109693" bIns="109693" anchor="t" anchorCtr="0"/>
-          <a:lstStyle>
-            <a:lvl1pPr marL="0" marR="0" indent="0" algn="l" rtl="0">
-              <a:spcBef>
-                <a:spcPts val="0"/>
-              </a:spcBef>
-              <a:buSzPct val="100000"/>
-              <a:defRPr sz="1900"/>
-            </a:lvl1pPr>
-            <a:lvl2pPr marL="548504" marR="0" indent="-20315" algn="l" rtl="0">
-              <a:spcBef>
-                <a:spcPts val="0"/>
-              </a:spcBef>
-              <a:buSzPct val="100000"/>
-              <a:defRPr sz="1900"/>
-            </a:lvl2pPr>
-            <a:lvl3pPr marL="1097006" marR="0" indent="-20315" algn="l" rtl="0">
-              <a:spcBef>
-                <a:spcPts val="0"/>
-              </a:spcBef>
-              <a:buSzPct val="100000"/>
-              <a:defRPr sz="1900"/>
-            </a:lvl3pPr>
-            <a:lvl4pPr marL="1645509" marR="0" indent="-20315" algn="l" rtl="0">
-              <a:spcBef>
-                <a:spcPts val="0"/>
-              </a:spcBef>
-              <a:buSzPct val="100000"/>
-              <a:defRPr sz="1900"/>
-            </a:lvl4pPr>
-            <a:lvl5pPr marL="2194013" marR="0" indent="-20315" algn="l" rtl="0">
-              <a:spcBef>
-                <a:spcPts val="0"/>
-              </a:spcBef>
-              <a:buSzPct val="100000"/>
-              <a:defRPr sz="1900"/>
-            </a:lvl5pPr>
-            <a:lvl6pPr marL="2742515" marR="0" indent="-20315" algn="l" rtl="0">
-              <a:spcBef>
-                <a:spcPts val="0"/>
-              </a:spcBef>
-              <a:buSzPct val="100000"/>
-              <a:defRPr sz="1900"/>
-            </a:lvl6pPr>
-            <a:lvl7pPr marL="3291019" marR="0" indent="-20315" algn="l" rtl="0">
-              <a:spcBef>
-                <a:spcPts val="0"/>
-              </a:spcBef>
-              <a:buSzPct val="100000"/>
-              <a:defRPr sz="1900"/>
-            </a:lvl7pPr>
-            <a:lvl8pPr marL="3839523" marR="0" indent="-20315" algn="l" rtl="0">
-              <a:spcBef>
-                <a:spcPts val="0"/>
-              </a:spcBef>
-              <a:buSzPct val="100000"/>
-              <a:defRPr sz="1900"/>
-            </a:lvl8pPr>
-            <a:lvl9pPr marL="4388027" marR="0" indent="-20315" algn="l" rtl="0">
-              <a:spcBef>
-                <a:spcPts val="0"/>
-              </a:spcBef>
-              <a:buSzPct val="100000"/>
-              <a:defRPr sz="1900"/>
-            </a:lvl9pPr>
-          </a:lstStyle>
-          <a:p>
-            <a:pPr defTabSz="1096990"/>
-            <a:endParaRPr lang="en-US">
-              <a:solidFill>
-                <a:srgbClr val="3E4346"/>
-              </a:solidFill>
-              <a:latin typeface="Arial"/>
-            </a:endParaRPr>
-          </a:p>
-        </p:txBody>
-      </p:sp>
-    </p:spTree>
-    <p:extLst>
-      <p:ext uri="{BB962C8B-B14F-4D97-AF65-F5344CB8AC3E}">
-        <p14:creationId xmlns:p14="http://schemas.microsoft.com/office/powerpoint/2010/main" val="2612617820"/>
-      </p:ext>
-    </p:extLst>
-  </p:cSld>
-  <p:clrMapOvr>
-    <a:masterClrMapping/>
-  </p:clrMapOvr>
-</p:sldLayout>
-</file>
-
 <file path=ppt/slideLayouts/slideLayout2.xml><?xml version="1.0" encoding="utf-8"?>
 <p:sldLayout xmlns:a="http://schemas.openxmlformats.org/drawingml/2006/main" xmlns:r="http://schemas.openxmlformats.org/officeDocument/2006/relationships" xmlns:p="http://schemas.openxmlformats.org/presentationml/2006/main" type="obj" preserve="1">
   <p:cSld name="Title and Content">
@@ -3100,657 +3932,6 @@
   <p:clrMapOvr>
     <a:masterClrMapping/>
   </p:clrMapOvr>
-</p:sldLayout>
-</file>
-
-<file path=ppt/slideLayouts/slideLayout20.xml><?xml version="1.0" encoding="utf-8"?>
-<p:sldLayout xmlns:a="http://schemas.openxmlformats.org/drawingml/2006/main" xmlns:r="http://schemas.openxmlformats.org/officeDocument/2006/relationships" xmlns:p="http://schemas.openxmlformats.org/presentationml/2006/main" preserve="1" userDrawn="1">
-  <p:cSld name="1_Logo Slide">
-    <p:spTree>
-      <p:nvGrpSpPr>
-        <p:cNvPr id="1" name=""/>
-        <p:cNvGrpSpPr/>
-        <p:nvPr/>
-      </p:nvGrpSpPr>
-      <p:grpSpPr>
-        <a:xfrm>
-          <a:off x="0" y="0"/>
-          <a:ext cx="0" cy="0"/>
-          <a:chOff x="0" y="0"/>
-          <a:chExt cx="0" cy="0"/>
-        </a:xfrm>
-      </p:grpSpPr>
-      <p:pic>
-        <p:nvPicPr>
-          <p:cNvPr id="5" name="Picture 4"/>
-          <p:cNvPicPr>
-            <a:picLocks noChangeAspect="1"/>
-          </p:cNvPicPr>
-          <p:nvPr userDrawn="1"/>
-        </p:nvPicPr>
-        <p:blipFill>
-          <a:blip r:embed="rId2" cstate="print">
-            <a:extLst>
-              <a:ext uri="{28A0092B-C50C-407E-A947-70E740481C1C}">
-                <a14:useLocalDpi xmlns:a14="http://schemas.microsoft.com/office/drawing/2010/main"/>
-              </a:ext>
-            </a:extLst>
-          </a:blip>
-          <a:stretch>
-            <a:fillRect/>
-          </a:stretch>
-        </p:blipFill>
-        <p:spPr>
-          <a:xfrm>
-            <a:off x="4599707" y="1159526"/>
-            <a:ext cx="5431005" cy="5910567"/>
-          </a:xfrm>
-          <a:prstGeom prst="rect">
-            <a:avLst/>
-          </a:prstGeom>
-        </p:spPr>
-      </p:pic>
-    </p:spTree>
-    <p:extLst>
-      <p:ext uri="{BB962C8B-B14F-4D97-AF65-F5344CB8AC3E}">
-        <p14:creationId xmlns:p14="http://schemas.microsoft.com/office/powerpoint/2010/main" val="1233653403"/>
-      </p:ext>
-    </p:extLst>
-  </p:cSld>
-  <p:clrMapOvr>
-    <a:masterClrMapping/>
-  </p:clrMapOvr>
-  <mc:AlternateContent xmlns:mc="http://schemas.openxmlformats.org/markup-compatibility/2006" xmlns:p14="http://schemas.microsoft.com/office/powerpoint/2010/main">
-    <mc:Choice Requires="p14">
-      <p:transition spd="med" p14:dur="700">
-        <p:fade/>
-      </p:transition>
-    </mc:Choice>
-    <mc:Fallback xmlns="" xmlns:mv="urn:schemas-microsoft-com:mac:vml">
-      <p:transition spd="med">
-        <p:fade/>
-      </p:transition>
-    </mc:Fallback>
-  </mc:AlternateContent>
-  <p:timing>
-    <p:tnLst>
-      <p:par>
-        <p:cTn xmlns:p14="http://schemas.microsoft.com/office/powerpoint/2010/main" id="1" dur="indefinite" restart="never" nodeType="tmRoot"/>
-      </p:par>
-    </p:tnLst>
-  </p:timing>
-</p:sldLayout>
-</file>
-
-<file path=ppt/slideLayouts/slideLayout21.xml><?xml version="1.0" encoding="utf-8"?>
-<p:sldLayout xmlns:a="http://schemas.openxmlformats.org/drawingml/2006/main" xmlns:r="http://schemas.openxmlformats.org/officeDocument/2006/relationships" xmlns:p="http://schemas.openxmlformats.org/presentationml/2006/main" userDrawn="1">
-  <p:cSld name="1_Bullets">
-    <p:spTree>
-      <p:nvGrpSpPr>
-        <p:cNvPr id="1" name=""/>
-        <p:cNvGrpSpPr/>
-        <p:nvPr/>
-      </p:nvGrpSpPr>
-      <p:grpSpPr>
-        <a:xfrm>
-          <a:off x="0" y="0"/>
-          <a:ext cx="0" cy="0"/>
-          <a:chOff x="0" y="0"/>
-          <a:chExt cx="0" cy="0"/>
-        </a:xfrm>
-      </p:grpSpPr>
-      <p:sp>
-        <p:nvSpPr>
-          <p:cNvPr id="2" name="Title 1"/>
-          <p:cNvSpPr>
-            <a:spLocks noGrp="1"/>
-          </p:cNvSpPr>
-          <p:nvPr>
-            <p:ph type="title"/>
-          </p:nvPr>
-        </p:nvSpPr>
-        <p:spPr/>
-        <p:txBody>
-          <a:bodyPr/>
-          <a:lstStyle>
-            <a:lvl1pPr>
-              <a:defRPr baseline="0"/>
-            </a:lvl1pPr>
-          </a:lstStyle>
-          <a:p>
-            <a:r>
-              <a:rPr lang="en-US" dirty="0" smtClean="0"/>
-              <a:t>Click to edit Master title style</a:t>
-            </a:r>
-            <a:endParaRPr lang="en-US" dirty="0"/>
-          </a:p>
-        </p:txBody>
-      </p:sp>
-      <p:sp>
-        <p:nvSpPr>
-          <p:cNvPr id="5" name="Text Placeholder 4"/>
-          <p:cNvSpPr>
-            <a:spLocks noGrp="1"/>
-          </p:cNvSpPr>
-          <p:nvPr>
-            <p:ph type="body" sz="quarter" idx="10"/>
-          </p:nvPr>
-        </p:nvSpPr>
-        <p:spPr>
-          <a:xfrm>
-            <a:off x="609611" y="1670597"/>
-            <a:ext cx="13408761" cy="4811358"/>
-          </a:xfrm>
-        </p:spPr>
-        <p:txBody>
-          <a:bodyPr>
-            <a:noAutofit/>
-          </a:bodyPr>
-          <a:lstStyle>
-            <a:lvl1pPr>
-              <a:defRPr baseline="0">
-                <a:solidFill>
-                  <a:schemeClr val="accent3">
-                    <a:lumMod val="50000"/>
-                  </a:schemeClr>
-                </a:solidFill>
-              </a:defRPr>
-            </a:lvl1pPr>
-            <a:lvl2pPr>
-              <a:defRPr baseline="0">
-                <a:solidFill>
-                  <a:schemeClr val="accent3">
-                    <a:lumMod val="50000"/>
-                  </a:schemeClr>
-                </a:solidFill>
-              </a:defRPr>
-            </a:lvl2pPr>
-            <a:lvl3pPr>
-              <a:defRPr baseline="0">
-                <a:solidFill>
-                  <a:schemeClr val="accent3">
-                    <a:lumMod val="50000"/>
-                  </a:schemeClr>
-                </a:solidFill>
-              </a:defRPr>
-            </a:lvl3pPr>
-            <a:lvl4pPr>
-              <a:defRPr baseline="0">
-                <a:solidFill>
-                  <a:schemeClr val="accent3">
-                    <a:lumMod val="50000"/>
-                  </a:schemeClr>
-                </a:solidFill>
-              </a:defRPr>
-            </a:lvl4pPr>
-            <a:lvl5pPr>
-              <a:defRPr baseline="0">
-                <a:solidFill>
-                  <a:schemeClr val="accent3">
-                    <a:lumMod val="50000"/>
-                  </a:schemeClr>
-                </a:solidFill>
-              </a:defRPr>
-            </a:lvl5pPr>
-          </a:lstStyle>
-          <a:p>
-            <a:pPr lvl="0"/>
-            <a:r>
-              <a:rPr lang="en-US" dirty="0" smtClean="0"/>
-              <a:t>Click to edit Master text styles</a:t>
-            </a:r>
-          </a:p>
-          <a:p>
-            <a:pPr lvl="1"/>
-            <a:r>
-              <a:rPr lang="en-US" dirty="0" smtClean="0"/>
-              <a:t>Second level</a:t>
-            </a:r>
-          </a:p>
-          <a:p>
-            <a:pPr lvl="2"/>
-            <a:r>
-              <a:rPr lang="en-US" dirty="0" smtClean="0"/>
-              <a:t>Third level</a:t>
-            </a:r>
-          </a:p>
-          <a:p>
-            <a:pPr lvl="3"/>
-            <a:r>
-              <a:rPr lang="en-US" dirty="0" smtClean="0"/>
-              <a:t>Fourth level</a:t>
-            </a:r>
-          </a:p>
-          <a:p>
-            <a:pPr lvl="4"/>
-            <a:r>
-              <a:rPr lang="en-US" dirty="0" smtClean="0"/>
-              <a:t>Fifth level</a:t>
-            </a:r>
-            <a:endParaRPr lang="en-US" dirty="0"/>
-          </a:p>
-        </p:txBody>
-      </p:sp>
-    </p:spTree>
-    <p:extLst>
-      <p:ext uri="{BB962C8B-B14F-4D97-AF65-F5344CB8AC3E}">
-        <p14:creationId xmlns:p14="http://schemas.microsoft.com/office/powerpoint/2010/main" val="2595087257"/>
-      </p:ext>
-    </p:extLst>
-  </p:cSld>
-  <p:clrMapOvr>
-    <a:masterClrMapping/>
-  </p:clrMapOvr>
-  <mc:AlternateContent xmlns:mc="http://schemas.openxmlformats.org/markup-compatibility/2006" xmlns:p14="http://schemas.microsoft.com/office/powerpoint/2010/main">
-    <mc:Choice Requires="p14">
-      <p:transition spd="med" p14:dur="700">
-        <p:fade/>
-      </p:transition>
-    </mc:Choice>
-    <mc:Fallback xmlns="" xmlns:mv="urn:schemas-microsoft-com:mac:vml">
-      <p:transition spd="med">
-        <p:fade/>
-      </p:transition>
-    </mc:Fallback>
-  </mc:AlternateContent>
-  <p:timing>
-    <p:tnLst>
-      <p:par>
-        <p:cTn xmlns:p14="http://schemas.microsoft.com/office/powerpoint/2010/main" id="1" dur="indefinite" restart="never" nodeType="tmRoot"/>
-      </p:par>
-    </p:tnLst>
-  </p:timing>
-</p:sldLayout>
-</file>
-
-<file path=ppt/slideLayouts/slideLayout22.xml><?xml version="1.0" encoding="utf-8"?>
-<p:sldLayout xmlns:a="http://schemas.openxmlformats.org/drawingml/2006/main" xmlns:r="http://schemas.openxmlformats.org/officeDocument/2006/relationships" xmlns:p="http://schemas.openxmlformats.org/presentationml/2006/main" userDrawn="1">
-  <p:cSld name="Modify File">
-    <p:bg>
-      <p:bgPr>
-        <a:gradFill>
-          <a:gsLst>
-            <a:gs pos="0">
-              <a:schemeClr val="bg2">
-                <a:lumMod val="95000"/>
-              </a:schemeClr>
-            </a:gs>
-            <a:gs pos="100000">
-              <a:schemeClr val="bg2"/>
-            </a:gs>
-          </a:gsLst>
-          <a:lin ang="5400000" scaled="1"/>
-        </a:gradFill>
-        <a:effectLst/>
-      </p:bgPr>
-    </p:bg>
-    <p:spTree>
-      <p:nvGrpSpPr>
-        <p:cNvPr id="1" name=""/>
-        <p:cNvGrpSpPr/>
-        <p:nvPr/>
-      </p:nvGrpSpPr>
-      <p:grpSpPr>
-        <a:xfrm>
-          <a:off x="0" y="0"/>
-          <a:ext cx="0" cy="0"/>
-          <a:chOff x="0" y="0"/>
-          <a:chExt cx="0" cy="0"/>
-        </a:xfrm>
-      </p:grpSpPr>
-      <p:sp>
-        <p:nvSpPr>
-          <p:cNvPr id="2" name="Title 1"/>
-          <p:cNvSpPr>
-            <a:spLocks noGrp="1"/>
-          </p:cNvSpPr>
-          <p:nvPr>
-            <p:ph type="title" hasCustomPrompt="1"/>
-          </p:nvPr>
-        </p:nvSpPr>
-        <p:spPr>
-          <a:xfrm>
-            <a:off x="548640" y="274319"/>
-            <a:ext cx="13441680" cy="744820"/>
-          </a:xfrm>
-        </p:spPr>
-        <p:txBody>
-          <a:bodyPr/>
-          <a:lstStyle>
-            <a:lvl1pPr>
-              <a:defRPr sz="5300"/>
-            </a:lvl1pPr>
-          </a:lstStyle>
-          <a:p>
-            <a:r>
-              <a:rPr lang="en-US" dirty="0" smtClean="0"/>
-              <a:t>Modify File</a:t>
-            </a:r>
-            <a:endParaRPr lang="en-US" dirty="0"/>
-          </a:p>
-        </p:txBody>
-      </p:sp>
-      <p:pic>
-        <p:nvPicPr>
-          <p:cNvPr id="11" name="Picture 10"/>
-          <p:cNvPicPr>
-            <a:picLocks noChangeAspect="1"/>
-          </p:cNvPicPr>
-          <p:nvPr userDrawn="1"/>
-        </p:nvPicPr>
-        <p:blipFill>
-          <a:blip r:embed="rId3"/>
-          <a:stretch>
-            <a:fillRect/>
-          </a:stretch>
-        </p:blipFill>
-        <p:spPr>
-          <a:xfrm>
-            <a:off x="358697" y="1239926"/>
-            <a:ext cx="1066800" cy="1066800"/>
-          </a:xfrm>
-          <a:prstGeom prst="rect">
-            <a:avLst/>
-          </a:prstGeom>
-        </p:spPr>
-      </p:pic>
-      <p:sp>
-        <p:nvSpPr>
-          <p:cNvPr id="12" name="Rectangle 11"/>
-          <p:cNvSpPr/>
-          <p:nvPr userDrawn="1"/>
-        </p:nvSpPr>
-        <p:spPr>
-          <a:xfrm>
-            <a:off x="1296278" y="1371601"/>
-            <a:ext cx="3730117" cy="553998"/>
-          </a:xfrm>
-          <a:prstGeom prst="rect">
-            <a:avLst/>
-          </a:prstGeom>
-        </p:spPr>
-        <p:txBody>
-          <a:bodyPr wrap="square" lIns="109728" tIns="54864" rIns="109728" bIns="54864" anchor="ctr" anchorCtr="0">
-            <a:spAutoFit/>
-          </a:bodyPr>
-          <a:lstStyle/>
-          <a:p>
-            <a:pPr defTabSz="652104"/>
-            <a:r>
-              <a:rPr lang="en-US" sz="2900" b="1" dirty="0">
-                <a:solidFill>
-                  <a:srgbClr val="3E4346"/>
-                </a:solidFill>
-                <a:latin typeface="Courier"/>
-                <a:cs typeface="Courier"/>
-              </a:rPr>
-              <a:t>OPEN IN EDITOR:</a:t>
-            </a:r>
-            <a:endParaRPr lang="en-US" sz="2900" b="1" dirty="0">
-              <a:solidFill>
-                <a:srgbClr val="3E4346"/>
-              </a:solidFill>
-              <a:latin typeface="Courier"/>
-              <a:cs typeface="Courier"/>
-            </a:endParaRPr>
-          </a:p>
-        </p:txBody>
-      </p:sp>
-      <p:sp>
-        <p:nvSpPr>
-          <p:cNvPr id="16" name="Content Placeholder 3"/>
-          <p:cNvSpPr>
-            <a:spLocks noGrp="1"/>
-          </p:cNvSpPr>
-          <p:nvPr>
-            <p:ph sz="quarter" idx="10" hasCustomPrompt="1"/>
-          </p:nvPr>
-        </p:nvSpPr>
-        <p:spPr>
-          <a:xfrm>
-            <a:off x="548639" y="2205533"/>
-            <a:ext cx="13441680" cy="5365699"/>
-          </a:xfrm>
-          <a:ln>
-            <a:solidFill>
-              <a:schemeClr val="tx1"/>
-            </a:solidFill>
-            <a:prstDash val="dash"/>
-          </a:ln>
-        </p:spPr>
-        <p:txBody>
-          <a:bodyPr lIns="109728" tIns="54864" rIns="109728" bIns="54864">
-            <a:normAutofit/>
-          </a:bodyPr>
-          <a:lstStyle>
-            <a:lvl1pPr marL="0" marR="0" indent="0" algn="l" defTabSz="1097236" rtl="0" eaLnBrk="1" fontAlgn="auto" latinLnBrk="0" hangingPunct="1">
-              <a:lnSpc>
-                <a:spcPct val="100000"/>
-              </a:lnSpc>
-              <a:spcBef>
-                <a:spcPts val="720"/>
-              </a:spcBef>
-              <a:spcAft>
-                <a:spcPts val="0"/>
-              </a:spcAft>
-              <a:buClrTx/>
-              <a:buSzPct val="90000"/>
-              <a:buFont typeface="Arial" pitchFamily="34" charset="0"/>
-              <a:buNone/>
-              <a:tabLst/>
-              <a:defRPr sz="3400">
-                <a:latin typeface="Courier New"/>
-                <a:cs typeface="Courier New"/>
-              </a:defRPr>
-            </a:lvl1pPr>
-          </a:lstStyle>
-          <a:p>
-            <a:pPr lvl="0"/>
-            <a:r>
-              <a:rPr lang="en-US" dirty="0" smtClean="0"/>
-              <a:t>Body Level One</a:t>
-            </a:r>
-          </a:p>
-          <a:p>
-            <a:pPr marL="0" marR="0" lvl="0" indent="0" algn="l" defTabSz="1097236" rtl="0" eaLnBrk="1" fontAlgn="auto" latinLnBrk="0" hangingPunct="1">
-              <a:lnSpc>
-                <a:spcPct val="100000"/>
-              </a:lnSpc>
-              <a:spcBef>
-                <a:spcPts val="720"/>
-              </a:spcBef>
-              <a:spcAft>
-                <a:spcPts val="0"/>
-              </a:spcAft>
-              <a:buClrTx/>
-              <a:buSzPct val="90000"/>
-              <a:buFont typeface="Arial" pitchFamily="34" charset="0"/>
-              <a:buNone/>
-              <a:tabLst/>
-              <a:defRPr/>
-            </a:pPr>
-            <a:r>
-              <a:rPr lang="en-US" dirty="0" smtClean="0"/>
-              <a:t>Body Level Two</a:t>
-            </a:r>
-          </a:p>
-          <a:p>
-            <a:pPr marL="0" marR="0" lvl="0" indent="0" algn="l" defTabSz="1097236" rtl="0" eaLnBrk="1" fontAlgn="auto" latinLnBrk="0" hangingPunct="1">
-              <a:lnSpc>
-                <a:spcPct val="100000"/>
-              </a:lnSpc>
-              <a:spcBef>
-                <a:spcPts val="720"/>
-              </a:spcBef>
-              <a:spcAft>
-                <a:spcPts val="0"/>
-              </a:spcAft>
-              <a:buClrTx/>
-              <a:buSzPct val="90000"/>
-              <a:buFont typeface="Arial" pitchFamily="34" charset="0"/>
-              <a:buNone/>
-              <a:tabLst/>
-              <a:defRPr/>
-            </a:pPr>
-            <a:r>
-              <a:rPr lang="en-US" dirty="0" smtClean="0"/>
-              <a:t>Body Level Three</a:t>
-            </a:r>
-          </a:p>
-          <a:p>
-            <a:pPr marL="0" marR="0" lvl="0" indent="0" algn="l" defTabSz="1097236" rtl="0" eaLnBrk="1" fontAlgn="auto" latinLnBrk="0" hangingPunct="1">
-              <a:lnSpc>
-                <a:spcPct val="100000"/>
-              </a:lnSpc>
-              <a:spcBef>
-                <a:spcPts val="720"/>
-              </a:spcBef>
-              <a:spcAft>
-                <a:spcPts val="0"/>
-              </a:spcAft>
-              <a:buClrTx/>
-              <a:buSzPct val="90000"/>
-              <a:buFont typeface="Arial" pitchFamily="34" charset="0"/>
-              <a:buNone/>
-              <a:tabLst/>
-              <a:defRPr/>
-            </a:pPr>
-            <a:r>
-              <a:rPr lang="en-US" dirty="0" smtClean="0"/>
-              <a:t>Body Level Four</a:t>
-            </a:r>
-          </a:p>
-          <a:p>
-            <a:pPr marL="0" marR="0" lvl="0" indent="0" algn="l" defTabSz="1097236" rtl="0" eaLnBrk="1" fontAlgn="auto" latinLnBrk="0" hangingPunct="1">
-              <a:lnSpc>
-                <a:spcPct val="100000"/>
-              </a:lnSpc>
-              <a:spcBef>
-                <a:spcPts val="720"/>
-              </a:spcBef>
-              <a:spcAft>
-                <a:spcPts val="0"/>
-              </a:spcAft>
-              <a:buClrTx/>
-              <a:buSzPct val="90000"/>
-              <a:buFont typeface="Arial" pitchFamily="34" charset="0"/>
-              <a:buNone/>
-              <a:tabLst/>
-              <a:defRPr/>
-            </a:pPr>
-            <a:r>
-              <a:rPr lang="en-US" dirty="0" smtClean="0"/>
-              <a:t>Body Level Five</a:t>
-            </a:r>
-          </a:p>
-        </p:txBody>
-      </p:sp>
-      <p:sp>
-        <p:nvSpPr>
-          <p:cNvPr id="3" name="TextBox 2"/>
-          <p:cNvSpPr txBox="1"/>
-          <p:nvPr userDrawn="1"/>
-        </p:nvSpPr>
-        <p:spPr>
-          <a:xfrm>
-            <a:off x="5962650" y="7620000"/>
-            <a:ext cx="2294798" cy="443198"/>
-          </a:xfrm>
-          <a:prstGeom prst="rect">
-            <a:avLst/>
-          </a:prstGeom>
-          <a:noFill/>
-        </p:spPr>
-        <p:txBody>
-          <a:bodyPr wrap="none" lIns="0" tIns="0" rIns="0" bIns="0" rtlCol="0">
-            <a:spAutoFit/>
-          </a:bodyPr>
-          <a:lstStyle/>
-          <a:p>
-            <a:pPr defTabSz="652104"/>
-            <a:r>
-              <a:rPr lang="en-US" sz="2900" b="1" dirty="0">
-                <a:solidFill>
-                  <a:srgbClr val="7D868C">
-                    <a:lumMod val="50000"/>
-                  </a:srgbClr>
-                </a:solidFill>
-                <a:latin typeface="Courier"/>
-                <a:cs typeface="Courier"/>
-              </a:rPr>
-              <a:t>SAVE FILE!</a:t>
-            </a:r>
-          </a:p>
-        </p:txBody>
-      </p:sp>
-      <p:sp>
-        <p:nvSpPr>
-          <p:cNvPr id="5" name="Text Placeholder 4"/>
-          <p:cNvSpPr>
-            <a:spLocks noGrp="1"/>
-          </p:cNvSpPr>
-          <p:nvPr>
-            <p:ph type="body" sz="quarter" idx="11" hasCustomPrompt="1"/>
-          </p:nvPr>
-        </p:nvSpPr>
-        <p:spPr>
-          <a:xfrm>
-            <a:off x="4735539" y="1371600"/>
-            <a:ext cx="9261814" cy="548640"/>
-          </a:xfrm>
-        </p:spPr>
-        <p:txBody>
-          <a:bodyPr anchor="ctr" anchorCtr="0">
-            <a:normAutofit/>
-          </a:bodyPr>
-          <a:lstStyle>
-            <a:lvl1pPr marL="0" indent="0">
-              <a:buNone/>
-              <a:defRPr sz="3800">
-                <a:latin typeface="Courier New"/>
-                <a:cs typeface="Courier New"/>
-              </a:defRPr>
-            </a:lvl1pPr>
-          </a:lstStyle>
-          <a:p>
-            <a:pPr lvl="0"/>
-            <a:r>
-              <a:rPr lang="en-US" dirty="0" smtClean="0"/>
-              <a:t>/path/to/file</a:t>
-            </a:r>
-            <a:endParaRPr lang="en-US" dirty="0"/>
-          </a:p>
-        </p:txBody>
-      </p:sp>
-    </p:spTree>
-    <p:extLst>
-      <p:ext uri="{BB962C8B-B14F-4D97-AF65-F5344CB8AC3E}">
-        <p14:creationId xmlns:p14="http://schemas.microsoft.com/office/powerpoint/2010/main" val="1056253045"/>
-      </p:ext>
-    </p:extLst>
-  </p:cSld>
-  <p:clrMapOvr>
-    <a:overrideClrMapping bg1="lt1" tx1="dk1" bg2="lt2" tx2="dk2" accent1="accent1" accent2="accent2" accent3="accent3" accent4="accent4" accent5="accent5" accent6="accent6" hlink="hlink" folHlink="folHlink"/>
-  </p:clrMapOvr>
-  <mc:AlternateContent xmlns:mc="http://schemas.openxmlformats.org/markup-compatibility/2006" xmlns:p14="http://schemas.microsoft.com/office/powerpoint/2010/main">
-    <mc:Choice Requires="p14">
-      <p:transition spd="med" p14:dur="700">
-        <p:fade/>
-      </p:transition>
-    </mc:Choice>
-    <mc:Fallback xmlns="">
-      <p:transition spd="med">
-        <p:fade/>
-      </p:transition>
-    </mc:Fallback>
-  </mc:AlternateContent>
-  <p:timing>
-    <p:tnLst>
-      <p:par>
-        <p:cTn xmlns:p14="http://schemas.microsoft.com/office/powerpoint/2010/main" id="1" dur="indefinite" restart="never" nodeType="tmRoot"/>
-      </p:par>
-    </p:tnLst>
-  </p:timing>
 </p:sldLayout>
 </file>
 
@@ -5612,6 +5793,10 @@
             </a:lvl1pPr>
           </a:lstStyle>
           <a:p>
+            <a:r>
+              <a:rPr lang="en-US" smtClean="0"/>
+              <a:t>‹#›</a:t>
+            </a:r>
             <a:endParaRPr lang="en-US" dirty="0"/>
           </a:p>
         </p:txBody>
@@ -5756,7 +5941,7 @@
       </p:par>
     </p:tnLst>
   </p:timing>
-  <p:hf sldNum="0" hdr="0" ftr="0" dt="0"/>
+  <p:hf hdr="0" dt="0"/>
   <p:txStyles>
     <p:titleStyle>
       <a:lvl1pPr algn="ctr" defTabSz="653110" rtl="0" eaLnBrk="1" latinLnBrk="0" hangingPunct="1">
@@ -6016,7 +6201,7 @@
     <p:bg bwMode="auto">
       <p:bgPr>
         <a:blipFill dpi="0" rotWithShape="1">
-          <a:blip r:embed="rId13"/>
+          <a:blip r:embed="rId3"/>
           <a:srcRect/>
           <a:stretch>
             <a:fillRect/>
@@ -6143,17 +6328,7 @@
   </p:cSld>
   <p:clrMap bg1="lt1" tx1="dk1" bg2="lt2" tx2="dk2" accent1="accent1" accent2="accent2" accent3="accent3" accent4="accent4" accent5="accent5" accent6="accent6" hlink="hlink" folHlink="folHlink"/>
   <p:sldLayoutIdLst>
-    <p:sldLayoutId id="2147483661" r:id="rId1"/>
-    <p:sldLayoutId id="2147483662" r:id="rId2"/>
-    <p:sldLayoutId id="2147483663" r:id="rId3"/>
-    <p:sldLayoutId id="2147483664" r:id="rId4"/>
-    <p:sldLayoutId id="2147483665" r:id="rId5"/>
-    <p:sldLayoutId id="2147483666" r:id="rId6"/>
-    <p:sldLayoutId id="2147483667" r:id="rId7"/>
-    <p:sldLayoutId id="2147483668" r:id="rId8"/>
-    <p:sldLayoutId id="2147483669" r:id="rId9"/>
-    <p:sldLayoutId id="2147483670" r:id="rId10"/>
-    <p:sldLayoutId id="2147483671" r:id="rId11"/>
+    <p:sldLayoutId id="2147483664" r:id="rId1"/>
   </p:sldLayoutIdLst>
   <mc:AlternateContent xmlns:mc="http://schemas.openxmlformats.org/markup-compatibility/2006" xmlns:p14="http://schemas.microsoft.com/office/powerpoint/2010/main">
     <mc:Choice Requires="p14">
@@ -6174,7 +6349,7 @@
       </p:par>
     </p:tnLst>
   </p:timing>
-  <p:hf sldNum="0" hdr="0" ftr="0" dt="0"/>
+  <p:hf hdr="0" dt="0"/>
   <p:txStyles>
     <p:titleStyle>
       <a:lvl1pPr algn="l" defTabSz="1096907" rtl="0" eaLnBrk="1" latinLnBrk="0" hangingPunct="1">
@@ -6454,7 +6629,7 @@
   </p:txStyles>
   <p:extLst mod="1">
     <p:ext uri="{27BBF7A9-308A-43DC-89C8-2F10F3537804}">
-      <p15:sldGuideLst xmlns="" xmlns:p15="http://schemas.microsoft.com/office/powerpoint/2012/main"/>
+      <p15:sldGuideLst xmlns:p15="http://schemas.microsoft.com/office/powerpoint/2012/main" xmlns=""/>
     </p:ext>
   </p:extLst>
 </p:sldMaster>
@@ -6477,6 +6652,36 @@
           <a:chExt cx="0" cy="0"/>
         </a:xfrm>
       </p:grpSpPr>
+      <p:pic>
+        <p:nvPicPr>
+          <p:cNvPr id="2" name="Picture 1" descr="Oregon_Trail_Tombstone_Generator.png"/>
+          <p:cNvPicPr>
+            <a:picLocks noChangeAspect="1"/>
+          </p:cNvPicPr>
+          <p:nvPr/>
+        </p:nvPicPr>
+        <p:blipFill>
+          <a:blip r:embed="rId3">
+            <a:extLst>
+              <a:ext uri="{28A0092B-C50C-407E-A947-70E740481C1C}">
+                <a14:useLocalDpi xmlns:a14="http://schemas.microsoft.com/office/drawing/2010/main" val="0"/>
+              </a:ext>
+            </a:extLst>
+          </a:blip>
+          <a:stretch>
+            <a:fillRect/>
+          </a:stretch>
+        </p:blipFill>
+        <p:spPr>
+          <a:xfrm>
+            <a:off x="-1" y="0"/>
+            <a:ext cx="14743531" cy="8298936"/>
+          </a:xfrm>
+          <a:prstGeom prst="rect">
+            <a:avLst/>
+          </a:prstGeom>
+        </p:spPr>
+      </p:pic>
       <p:sp>
         <p:nvSpPr>
           <p:cNvPr id="5" name="Title 4"/>
@@ -6515,7 +6720,91 @@
           <a:bodyPr/>
           <a:lstStyle/>
           <a:p>
+            <a:r>
+              <a:rPr lang="en-US" dirty="0" smtClean="0"/>
+              <a:t>RIP </a:t>
+            </a:r>
+            <a:r>
+              <a:rPr lang="en-US" dirty="0" err="1" smtClean="0"/>
+              <a:t>DevOps</a:t>
+            </a:r>
+            <a:r>
+              <a:rPr lang="en-US" dirty="0" smtClean="0"/>
+              <a:t>, picture of a headstone</a:t>
+            </a:r>
+            <a:endParaRPr lang="en-US" dirty="0"/>
+          </a:p>
+        </p:txBody>
+      </p:sp>
+      <p:pic>
+        <p:nvPicPr>
+          <p:cNvPr id="3" name="Picture 2" descr="download.png"/>
+          <p:cNvPicPr>
+            <a:picLocks noChangeAspect="1"/>
+          </p:cNvPicPr>
+          <p:nvPr/>
+        </p:nvPicPr>
+        <p:blipFill>
+          <a:blip r:embed="rId4">
+            <a:extLst>
+              <a:ext uri="{28A0092B-C50C-407E-A947-70E740481C1C}">
+                <a14:useLocalDpi xmlns:a14="http://schemas.microsoft.com/office/drawing/2010/main" val="0"/>
+              </a:ext>
+            </a:extLst>
+          </a:blip>
+          <a:stretch>
+            <a:fillRect/>
+          </a:stretch>
+        </p:blipFill>
+        <p:spPr>
+          <a:xfrm>
+            <a:off x="-2" y="-1"/>
+            <a:ext cx="14743531" cy="9829021"/>
+          </a:xfrm>
+          <a:prstGeom prst="rect">
+            <a:avLst/>
+          </a:prstGeom>
+        </p:spPr>
+      </p:pic>
+      <p:sp>
+        <p:nvSpPr>
+          <p:cNvPr id="4" name="Footer Placeholder 3"/>
+          <p:cNvSpPr>
+            <a:spLocks noGrp="1"/>
+          </p:cNvSpPr>
+          <p:nvPr>
+            <p:ph type="ftr" sz="quarter" idx="11"/>
+          </p:nvPr>
+        </p:nvSpPr>
+        <p:spPr/>
+        <p:txBody>
+          <a:bodyPr/>
+          <a:lstStyle/>
+          <a:p>
             <a:endParaRPr lang="en-US"/>
+          </a:p>
+        </p:txBody>
+      </p:sp>
+      <p:sp>
+        <p:nvSpPr>
+          <p:cNvPr id="7" name="Slide Number Placeholder 6"/>
+          <p:cNvSpPr>
+            <a:spLocks noGrp="1"/>
+          </p:cNvSpPr>
+          <p:nvPr>
+            <p:ph type="sldNum" sz="quarter" idx="12"/>
+          </p:nvPr>
+        </p:nvSpPr>
+        <p:spPr/>
+        <p:txBody>
+          <a:bodyPr/>
+          <a:lstStyle/>
+          <a:p>
+            <a:r>
+              <a:rPr lang="en-US" smtClean="0"/>
+              <a:t>@nathenharvey</a:t>
+            </a:r>
+            <a:endParaRPr lang="en-US" dirty="0"/>
           </a:p>
         </p:txBody>
       </p:sp>
@@ -6529,6 +6818,13 @@
   <p:clrMapOvr>
     <a:masterClrMapping/>
   </p:clrMapOvr>
+  <p:timing>
+    <p:tnLst>
+      <p:par>
+        <p:cTn xmlns:p14="http://schemas.microsoft.com/office/powerpoint/2010/main" id="1" dur="indefinite" restart="never" nodeType="tmRoot"/>
+      </p:par>
+    </p:tnLst>
+  </p:timing>
 </p:sld>
 </file>
 
@@ -6570,7 +6866,7 @@
             </a:r>
             <a:r>
               <a:rPr lang="en-US" dirty="0" err="1" smtClean="0"/>
-              <a:t>DevGovFinSecQANetOps</a:t>
+              <a:t>DevSecNetQAOps</a:t>
             </a:r>
             <a:endParaRPr lang="en-US" dirty="0"/>
           </a:p>
@@ -6592,19 +6888,76 @@
           <a:lstStyle/>
           <a:p>
             <a:endParaRPr lang="en-US"/>
+          </a:p>
+        </p:txBody>
+      </p:sp>
+      <p:sp>
+        <p:nvSpPr>
+          <p:cNvPr id="4" name="Footer Placeholder 3"/>
+          <p:cNvSpPr>
+            <a:spLocks noGrp="1"/>
+          </p:cNvSpPr>
+          <p:nvPr>
+            <p:ph type="ftr" sz="quarter" idx="11"/>
+          </p:nvPr>
+        </p:nvSpPr>
+        <p:spPr/>
+        <p:txBody>
+          <a:bodyPr/>
+          <a:lstStyle/>
+          <a:p>
+            <a:r>
+              <a:rPr lang="en-US" dirty="0" smtClean="0"/>
+              <a:t>Enterprise </a:t>
+            </a:r>
+            <a:r>
+              <a:rPr lang="en-US" dirty="0" err="1" smtClean="0"/>
+              <a:t>DevSecNetQAOps</a:t>
+            </a:r>
+            <a:endParaRPr lang="en-US" dirty="0"/>
+          </a:p>
+        </p:txBody>
+      </p:sp>
+      <p:sp>
+        <p:nvSpPr>
+          <p:cNvPr id="5" name="Slide Number Placeholder 4"/>
+          <p:cNvSpPr>
+            <a:spLocks noGrp="1"/>
+          </p:cNvSpPr>
+          <p:nvPr>
+            <p:ph type="sldNum" sz="quarter" idx="12"/>
+          </p:nvPr>
+        </p:nvSpPr>
+        <p:spPr/>
+        <p:txBody>
+          <a:bodyPr/>
+          <a:lstStyle/>
+          <a:p>
+            <a:r>
+              <a:rPr lang="en-US" smtClean="0"/>
+              <a:t>@nathenharvey</a:t>
+            </a:r>
+            <a:endParaRPr lang="en-US" dirty="0"/>
           </a:p>
         </p:txBody>
       </p:sp>
     </p:spTree>
     <p:extLst>
       <p:ext uri="{BB962C8B-B14F-4D97-AF65-F5344CB8AC3E}">
-        <p14:creationId xmlns:p14="http://schemas.microsoft.com/office/powerpoint/2010/main" val="98721050"/>
+        <p14:creationId xmlns:p14="http://schemas.microsoft.com/office/powerpoint/2010/main" val="1158823061"/>
       </p:ext>
     </p:extLst>
   </p:cSld>
   <p:clrMapOvr>
     <a:masterClrMapping/>
   </p:clrMapOvr>
+  <p:timing>
+    <p:tnLst>
+      <p:par>
+        <p:cTn xmlns:p14="http://schemas.microsoft.com/office/powerpoint/2010/main" id="1" dur="indefinite" restart="never" nodeType="tmRoot"/>
+      </p:par>
+    </p:tnLst>
+  </p:timing>
 </p:sld>
 </file>
 
@@ -6646,7 +6999,7 @@
             </a:r>
             <a:r>
               <a:rPr lang="en-US" dirty="0" err="1" smtClean="0"/>
-              <a:t>DevGovHRFinSecQANetOps</a:t>
+              <a:t>DevFinSecNetQAOps</a:t>
             </a:r>
             <a:endParaRPr lang="en-US" dirty="0"/>
           </a:p>
@@ -6668,19 +7021,76 @@
           <a:lstStyle/>
           <a:p>
             <a:endParaRPr lang="en-US"/>
+          </a:p>
+        </p:txBody>
+      </p:sp>
+      <p:sp>
+        <p:nvSpPr>
+          <p:cNvPr id="4" name="Footer Placeholder 3"/>
+          <p:cNvSpPr>
+            <a:spLocks noGrp="1"/>
+          </p:cNvSpPr>
+          <p:nvPr>
+            <p:ph type="ftr" sz="quarter" idx="11"/>
+          </p:nvPr>
+        </p:nvSpPr>
+        <p:spPr/>
+        <p:txBody>
+          <a:bodyPr/>
+          <a:lstStyle/>
+          <a:p>
+            <a:r>
+              <a:rPr lang="en-US" dirty="0" smtClean="0"/>
+              <a:t>Enterprise </a:t>
+            </a:r>
+            <a:r>
+              <a:rPr lang="en-US" dirty="0" err="1" smtClean="0"/>
+              <a:t>DevFinSecNetQAOps</a:t>
+            </a:r>
+            <a:endParaRPr lang="en-US" dirty="0"/>
+          </a:p>
+        </p:txBody>
+      </p:sp>
+      <p:sp>
+        <p:nvSpPr>
+          <p:cNvPr id="5" name="Slide Number Placeholder 4"/>
+          <p:cNvSpPr>
+            <a:spLocks noGrp="1"/>
+          </p:cNvSpPr>
+          <p:nvPr>
+            <p:ph type="sldNum" sz="quarter" idx="12"/>
+          </p:nvPr>
+        </p:nvSpPr>
+        <p:spPr/>
+        <p:txBody>
+          <a:bodyPr/>
+          <a:lstStyle/>
+          <a:p>
+            <a:r>
+              <a:rPr lang="en-US" smtClean="0"/>
+              <a:t>@nathenharvey</a:t>
+            </a:r>
+            <a:endParaRPr lang="en-US" dirty="0"/>
           </a:p>
         </p:txBody>
       </p:sp>
     </p:spTree>
     <p:extLst>
       <p:ext uri="{BB962C8B-B14F-4D97-AF65-F5344CB8AC3E}">
-        <p14:creationId xmlns:p14="http://schemas.microsoft.com/office/powerpoint/2010/main" val="1832352990"/>
+        <p14:creationId xmlns:p14="http://schemas.microsoft.com/office/powerpoint/2010/main" val="1366037714"/>
       </p:ext>
     </p:extLst>
   </p:cSld>
   <p:clrMapOvr>
     <a:masterClrMapping/>
   </p:clrMapOvr>
+  <p:timing>
+    <p:tnLst>
+      <p:par>
+        <p:cTn xmlns:p14="http://schemas.microsoft.com/office/powerpoint/2010/main" id="1" dur="indefinite" restart="never" nodeType="tmRoot"/>
+      </p:par>
+    </p:tnLst>
+  </p:timing>
 </p:sld>
 </file>
 
@@ -6722,7 +7132,7 @@
             </a:r>
             <a:r>
               <a:rPr lang="en-US" dirty="0" err="1" smtClean="0"/>
-              <a:t>DevGovHRFinSecQANetOps</a:t>
+              <a:t>DevFinSecNetQAGovOps</a:t>
             </a:r>
             <a:endParaRPr lang="en-US" dirty="0"/>
           </a:p>
@@ -6743,20 +7153,77 @@
           <a:bodyPr/>
           <a:lstStyle/>
           <a:p>
-            <a:endParaRPr lang="en-US"/>
+            <a:endParaRPr lang="en-US" dirty="0"/>
+          </a:p>
+        </p:txBody>
+      </p:sp>
+      <p:sp>
+        <p:nvSpPr>
+          <p:cNvPr id="4" name="Footer Placeholder 3"/>
+          <p:cNvSpPr>
+            <a:spLocks noGrp="1"/>
+          </p:cNvSpPr>
+          <p:nvPr>
+            <p:ph type="ftr" sz="quarter" idx="11"/>
+          </p:nvPr>
+        </p:nvSpPr>
+        <p:spPr/>
+        <p:txBody>
+          <a:bodyPr/>
+          <a:lstStyle/>
+          <a:p>
+            <a:r>
+              <a:rPr lang="en-US" dirty="0" smtClean="0"/>
+              <a:t>Enterprise </a:t>
+            </a:r>
+            <a:r>
+              <a:rPr lang="en-US" dirty="0" err="1" smtClean="0"/>
+              <a:t>DevFinSecNetQAGovOps</a:t>
+            </a:r>
+            <a:endParaRPr lang="en-US" dirty="0"/>
+          </a:p>
+        </p:txBody>
+      </p:sp>
+      <p:sp>
+        <p:nvSpPr>
+          <p:cNvPr id="5" name="Slide Number Placeholder 4"/>
+          <p:cNvSpPr>
+            <a:spLocks noGrp="1"/>
+          </p:cNvSpPr>
+          <p:nvPr>
+            <p:ph type="sldNum" sz="quarter" idx="12"/>
+          </p:nvPr>
+        </p:nvSpPr>
+        <p:spPr/>
+        <p:txBody>
+          <a:bodyPr/>
+          <a:lstStyle/>
+          <a:p>
+            <a:r>
+              <a:rPr lang="en-US" smtClean="0"/>
+              <a:t>@nathenharvey</a:t>
+            </a:r>
+            <a:endParaRPr lang="en-US" dirty="0"/>
           </a:p>
         </p:txBody>
       </p:sp>
     </p:spTree>
     <p:extLst>
       <p:ext uri="{BB962C8B-B14F-4D97-AF65-F5344CB8AC3E}">
-        <p14:creationId xmlns:p14="http://schemas.microsoft.com/office/powerpoint/2010/main" val="1317175290"/>
+        <p14:creationId xmlns:p14="http://schemas.microsoft.com/office/powerpoint/2010/main" val="978298690"/>
       </p:ext>
     </p:extLst>
   </p:cSld>
   <p:clrMapOvr>
     <a:masterClrMapping/>
   </p:clrMapOvr>
+  <p:timing>
+    <p:tnLst>
+      <p:par>
+        <p:cTn xmlns:p14="http://schemas.microsoft.com/office/powerpoint/2010/main" id="1" dur="indefinite" restart="never" nodeType="tmRoot"/>
+      </p:par>
+    </p:tnLst>
+  </p:timing>
 </p:sld>
 </file>
 
@@ -6798,7 +7265,7 @@
             </a:r>
             <a:r>
               <a:rPr lang="en-US" dirty="0" err="1" smtClean="0"/>
-              <a:t>DevGovHRFinSecQANetOps</a:t>
+              <a:t>DevFinSecNetQAGovOps</a:t>
             </a:r>
             <a:endParaRPr lang="en-US" dirty="0"/>
           </a:p>
@@ -6820,19 +7287,76 @@
           <a:lstStyle/>
           <a:p>
             <a:endParaRPr lang="en-US"/>
+          </a:p>
+        </p:txBody>
+      </p:sp>
+      <p:sp>
+        <p:nvSpPr>
+          <p:cNvPr id="4" name="Footer Placeholder 3"/>
+          <p:cNvSpPr>
+            <a:spLocks noGrp="1"/>
+          </p:cNvSpPr>
+          <p:nvPr>
+            <p:ph type="ftr" sz="quarter" idx="11"/>
+          </p:nvPr>
+        </p:nvSpPr>
+        <p:spPr/>
+        <p:txBody>
+          <a:bodyPr/>
+          <a:lstStyle/>
+          <a:p>
+            <a:r>
+              <a:rPr lang="en-US" dirty="0"/>
+              <a:t>Enterprise </a:t>
+            </a:r>
+            <a:r>
+              <a:rPr lang="en-US" dirty="0" err="1" smtClean="0"/>
+              <a:t>DevFinSecNetQAGovOps</a:t>
+            </a:r>
+            <a:endParaRPr lang="en-US" dirty="0"/>
+          </a:p>
+        </p:txBody>
+      </p:sp>
+      <p:sp>
+        <p:nvSpPr>
+          <p:cNvPr id="5" name="Slide Number Placeholder 4"/>
+          <p:cNvSpPr>
+            <a:spLocks noGrp="1"/>
+          </p:cNvSpPr>
+          <p:nvPr>
+            <p:ph type="sldNum" sz="quarter" idx="12"/>
+          </p:nvPr>
+        </p:nvSpPr>
+        <p:spPr/>
+        <p:txBody>
+          <a:bodyPr/>
+          <a:lstStyle/>
+          <a:p>
+            <a:r>
+              <a:rPr lang="en-US" smtClean="0"/>
+              <a:t>@nathenharvey</a:t>
+            </a:r>
+            <a:endParaRPr lang="en-US" dirty="0"/>
           </a:p>
         </p:txBody>
       </p:sp>
     </p:spTree>
     <p:extLst>
       <p:ext uri="{BB962C8B-B14F-4D97-AF65-F5344CB8AC3E}">
-        <p14:creationId xmlns:p14="http://schemas.microsoft.com/office/powerpoint/2010/main" val="824696808"/>
+        <p14:creationId xmlns:p14="http://schemas.microsoft.com/office/powerpoint/2010/main" val="98721050"/>
       </p:ext>
     </p:extLst>
   </p:cSld>
   <p:clrMapOvr>
     <a:masterClrMapping/>
   </p:clrMapOvr>
+  <p:timing>
+    <p:tnLst>
+      <p:par>
+        <p:cTn xmlns:p14="http://schemas.microsoft.com/office/powerpoint/2010/main" id="1" dur="indefinite" restart="never" nodeType="tmRoot"/>
+      </p:par>
+    </p:tnLst>
+  </p:timing>
 </p:sld>
 </file>
 
@@ -6874,7 +7398,7 @@
             </a:r>
             <a:r>
               <a:rPr lang="en-US" dirty="0" err="1" smtClean="0"/>
-              <a:t>DevGovHRFinSecQANetOps</a:t>
+              <a:t>DevHRFinSecNetQAGovOps</a:t>
             </a:r>
             <a:endParaRPr lang="en-US" dirty="0"/>
           </a:p>
@@ -6896,19 +7420,76 @@
           <a:lstStyle/>
           <a:p>
             <a:endParaRPr lang="en-US"/>
+          </a:p>
+        </p:txBody>
+      </p:sp>
+      <p:sp>
+        <p:nvSpPr>
+          <p:cNvPr id="4" name="Footer Placeholder 3"/>
+          <p:cNvSpPr>
+            <a:spLocks noGrp="1"/>
+          </p:cNvSpPr>
+          <p:nvPr>
+            <p:ph type="ftr" sz="quarter" idx="11"/>
+          </p:nvPr>
+        </p:nvSpPr>
+        <p:spPr/>
+        <p:txBody>
+          <a:bodyPr/>
+          <a:lstStyle/>
+          <a:p>
+            <a:r>
+              <a:rPr lang="en-US" dirty="0"/>
+              <a:t>Enterprise </a:t>
+            </a:r>
+            <a:r>
+              <a:rPr lang="en-US" dirty="0" err="1" smtClean="0"/>
+              <a:t>DevHRFinSecNetQAGovOps</a:t>
+            </a:r>
+            <a:endParaRPr lang="en-US" dirty="0"/>
+          </a:p>
+        </p:txBody>
+      </p:sp>
+      <p:sp>
+        <p:nvSpPr>
+          <p:cNvPr id="5" name="Slide Number Placeholder 4"/>
+          <p:cNvSpPr>
+            <a:spLocks noGrp="1"/>
+          </p:cNvSpPr>
+          <p:nvPr>
+            <p:ph type="sldNum" sz="quarter" idx="12"/>
+          </p:nvPr>
+        </p:nvSpPr>
+        <p:spPr/>
+        <p:txBody>
+          <a:bodyPr/>
+          <a:lstStyle/>
+          <a:p>
+            <a:r>
+              <a:rPr lang="en-US" smtClean="0"/>
+              <a:t>@nathenharvey</a:t>
+            </a:r>
+            <a:endParaRPr lang="en-US" dirty="0"/>
           </a:p>
         </p:txBody>
       </p:sp>
     </p:spTree>
     <p:extLst>
       <p:ext uri="{BB962C8B-B14F-4D97-AF65-F5344CB8AC3E}">
-        <p14:creationId xmlns:p14="http://schemas.microsoft.com/office/powerpoint/2010/main" val="824696808"/>
+        <p14:creationId xmlns:p14="http://schemas.microsoft.com/office/powerpoint/2010/main" val="1832352990"/>
       </p:ext>
     </p:extLst>
   </p:cSld>
   <p:clrMapOvr>
     <a:masterClrMapping/>
   </p:clrMapOvr>
+  <p:timing>
+    <p:tnLst>
+      <p:par>
+        <p:cTn xmlns:p14="http://schemas.microsoft.com/office/powerpoint/2010/main" id="1" dur="indefinite" restart="never" nodeType="tmRoot"/>
+      </p:par>
+    </p:tnLst>
+  </p:timing>
 </p:sld>
 </file>
 
@@ -6941,16 +7522,18 @@
         </p:nvSpPr>
         <p:spPr/>
         <p:txBody>
-          <a:bodyPr/>
+          <a:bodyPr>
+            <a:normAutofit fontScale="90000"/>
+          </a:bodyPr>
           <a:lstStyle/>
           <a:p>
             <a:r>
               <a:rPr lang="en-US" dirty="0" smtClean="0"/>
-              <a:t>Enterprise </a:t>
+              <a:t>Rugged Enterprise </a:t>
             </a:r>
             <a:r>
               <a:rPr lang="en-US" dirty="0" err="1" smtClean="0"/>
-              <a:t>DevGovHRFinSecQANetOps</a:t>
+              <a:t>DevHRFinSecNetQAGovOps</a:t>
             </a:r>
             <a:endParaRPr lang="en-US" dirty="0"/>
           </a:p>
@@ -6972,19 +7555,76 @@
           <a:lstStyle/>
           <a:p>
             <a:endParaRPr lang="en-US"/>
+          </a:p>
+        </p:txBody>
+      </p:sp>
+      <p:sp>
+        <p:nvSpPr>
+          <p:cNvPr id="4" name="Footer Placeholder 3"/>
+          <p:cNvSpPr>
+            <a:spLocks noGrp="1"/>
+          </p:cNvSpPr>
+          <p:nvPr>
+            <p:ph type="ftr" sz="quarter" idx="11"/>
+          </p:nvPr>
+        </p:nvSpPr>
+        <p:spPr/>
+        <p:txBody>
+          <a:bodyPr/>
+          <a:lstStyle/>
+          <a:p>
+            <a:r>
+              <a:rPr lang="en-US" dirty="0" smtClean="0"/>
+              <a:t>Rugged Enterprise </a:t>
+            </a:r>
+            <a:r>
+              <a:rPr lang="en-US" dirty="0" err="1" smtClean="0"/>
+              <a:t>DevHRFinSecNetQAGovOps</a:t>
+            </a:r>
+            <a:endParaRPr lang="en-US" dirty="0"/>
+          </a:p>
+        </p:txBody>
+      </p:sp>
+      <p:sp>
+        <p:nvSpPr>
+          <p:cNvPr id="5" name="Slide Number Placeholder 4"/>
+          <p:cNvSpPr>
+            <a:spLocks noGrp="1"/>
+          </p:cNvSpPr>
+          <p:nvPr>
+            <p:ph type="sldNum" sz="quarter" idx="12"/>
+          </p:nvPr>
+        </p:nvSpPr>
+        <p:spPr/>
+        <p:txBody>
+          <a:bodyPr/>
+          <a:lstStyle/>
+          <a:p>
+            <a:r>
+              <a:rPr lang="en-US" smtClean="0"/>
+              <a:t>@nathenharvey</a:t>
+            </a:r>
+            <a:endParaRPr lang="en-US" dirty="0"/>
           </a:p>
         </p:txBody>
       </p:sp>
     </p:spTree>
     <p:extLst>
       <p:ext uri="{BB962C8B-B14F-4D97-AF65-F5344CB8AC3E}">
-        <p14:creationId xmlns:p14="http://schemas.microsoft.com/office/powerpoint/2010/main" val="824696808"/>
+        <p14:creationId xmlns:p14="http://schemas.microsoft.com/office/powerpoint/2010/main" val="1317175290"/>
       </p:ext>
     </p:extLst>
   </p:cSld>
   <p:clrMapOvr>
     <a:masterClrMapping/>
   </p:clrMapOvr>
+  <p:timing>
+    <p:tnLst>
+      <p:par>
+        <p:cTn xmlns:p14="http://schemas.microsoft.com/office/powerpoint/2010/main" id="1" dur="indefinite" restart="never" nodeType="tmRoot"/>
+      </p:par>
+    </p:tnLst>
+  </p:timing>
 </p:sld>
 </file>
 
@@ -7017,16 +7657,18 @@
         </p:nvSpPr>
         <p:spPr/>
         <p:txBody>
-          <a:bodyPr/>
+          <a:bodyPr>
+            <a:normAutofit fontScale="90000"/>
+          </a:bodyPr>
           <a:lstStyle/>
           <a:p>
             <a:r>
               <a:rPr lang="en-US" dirty="0" smtClean="0"/>
-              <a:t>Enterprise </a:t>
+              <a:t>Rugged Enterprise </a:t>
             </a:r>
             <a:r>
               <a:rPr lang="en-US" dirty="0" err="1" smtClean="0"/>
-              <a:t>DevGovHRFinSecQANetOps</a:t>
+              <a:t>DevLegalHRFinSecNetQAGovOps</a:t>
             </a:r>
             <a:endParaRPr lang="en-US" dirty="0"/>
           </a:p>
@@ -7048,6 +7690,56 @@
           <a:lstStyle/>
           <a:p>
             <a:endParaRPr lang="en-US"/>
+          </a:p>
+        </p:txBody>
+      </p:sp>
+      <p:sp>
+        <p:nvSpPr>
+          <p:cNvPr id="4" name="Footer Placeholder 3"/>
+          <p:cNvSpPr>
+            <a:spLocks noGrp="1"/>
+          </p:cNvSpPr>
+          <p:nvPr>
+            <p:ph type="ftr" sz="quarter" idx="11"/>
+          </p:nvPr>
+        </p:nvSpPr>
+        <p:spPr/>
+        <p:txBody>
+          <a:bodyPr/>
+          <a:lstStyle/>
+          <a:p>
+            <a:r>
+              <a:rPr lang="en-US" dirty="0"/>
+              <a:t>Rugged Enterprise </a:t>
+            </a:r>
+            <a:r>
+              <a:rPr lang="en-US" dirty="0" err="1" smtClean="0"/>
+              <a:t>DevLegalHRFinSecNetQAGovOps</a:t>
+            </a:r>
+            <a:endParaRPr lang="en-US" dirty="0"/>
+          </a:p>
+        </p:txBody>
+      </p:sp>
+      <p:sp>
+        <p:nvSpPr>
+          <p:cNvPr id="5" name="Slide Number Placeholder 4"/>
+          <p:cNvSpPr>
+            <a:spLocks noGrp="1"/>
+          </p:cNvSpPr>
+          <p:nvPr>
+            <p:ph type="sldNum" sz="quarter" idx="12"/>
+          </p:nvPr>
+        </p:nvSpPr>
+        <p:spPr/>
+        <p:txBody>
+          <a:bodyPr/>
+          <a:lstStyle/>
+          <a:p>
+            <a:r>
+              <a:rPr lang="en-US" smtClean="0"/>
+              <a:t>@nathenharvey</a:t>
+            </a:r>
+            <a:endParaRPr lang="en-US" dirty="0"/>
           </a:p>
         </p:txBody>
       </p:sp>
@@ -7061,6 +7753,13 @@
   <p:clrMapOvr>
     <a:masterClrMapping/>
   </p:clrMapOvr>
+  <p:timing>
+    <p:tnLst>
+      <p:par>
+        <p:cTn xmlns:p14="http://schemas.microsoft.com/office/powerpoint/2010/main" id="1" dur="indefinite" restart="never" nodeType="tmRoot"/>
+      </p:par>
+    </p:tnLst>
+  </p:timing>
 </p:sld>
 </file>
 
@@ -7093,16 +7792,18 @@
         </p:nvSpPr>
         <p:spPr/>
         <p:txBody>
-          <a:bodyPr/>
+          <a:bodyPr>
+            <a:normAutofit fontScale="90000"/>
+          </a:bodyPr>
           <a:lstStyle/>
           <a:p>
             <a:r>
               <a:rPr lang="en-US" dirty="0" smtClean="0"/>
-              <a:t>Enterprise </a:t>
+              <a:t>Rugged Enterprise </a:t>
             </a:r>
             <a:r>
               <a:rPr lang="en-US" dirty="0" err="1" smtClean="0"/>
-              <a:t>DevGovHRFinSecQANetOps</a:t>
+              <a:t>DevLegalHRFinSecNetQAGovCustOps</a:t>
             </a:r>
             <a:endParaRPr lang="en-US" dirty="0"/>
           </a:p>
@@ -7124,6 +7825,56 @@
           <a:lstStyle/>
           <a:p>
             <a:endParaRPr lang="en-US"/>
+          </a:p>
+        </p:txBody>
+      </p:sp>
+      <p:sp>
+        <p:nvSpPr>
+          <p:cNvPr id="4" name="Footer Placeholder 3"/>
+          <p:cNvSpPr>
+            <a:spLocks noGrp="1"/>
+          </p:cNvSpPr>
+          <p:nvPr>
+            <p:ph type="ftr" sz="quarter" idx="11"/>
+          </p:nvPr>
+        </p:nvSpPr>
+        <p:spPr/>
+        <p:txBody>
+          <a:bodyPr/>
+          <a:lstStyle/>
+          <a:p>
+            <a:r>
+              <a:rPr lang="en-US" dirty="0"/>
+              <a:t>Rugged Enterprise </a:t>
+            </a:r>
+            <a:r>
+              <a:rPr lang="en-US" dirty="0" err="1" smtClean="0"/>
+              <a:t>DevLegalHRFinSecNetQAGovCustOps</a:t>
+            </a:r>
+            <a:endParaRPr lang="en-US" dirty="0"/>
+          </a:p>
+        </p:txBody>
+      </p:sp>
+      <p:sp>
+        <p:nvSpPr>
+          <p:cNvPr id="5" name="Slide Number Placeholder 4"/>
+          <p:cNvSpPr>
+            <a:spLocks noGrp="1"/>
+          </p:cNvSpPr>
+          <p:nvPr>
+            <p:ph type="sldNum" sz="quarter" idx="12"/>
+          </p:nvPr>
+        </p:nvSpPr>
+        <p:spPr/>
+        <p:txBody>
+          <a:bodyPr/>
+          <a:lstStyle/>
+          <a:p>
+            <a:r>
+              <a:rPr lang="en-US" smtClean="0"/>
+              <a:t>@nathenharvey</a:t>
+            </a:r>
+            <a:endParaRPr lang="en-US" dirty="0"/>
           </a:p>
         </p:txBody>
       </p:sp>
@@ -7137,6 +7888,13 @@
   <p:clrMapOvr>
     <a:masterClrMapping/>
   </p:clrMapOvr>
+  <p:timing>
+    <p:tnLst>
+      <p:par>
+        <p:cTn xmlns:p14="http://schemas.microsoft.com/office/powerpoint/2010/main" id="1" dur="indefinite" restart="never" nodeType="tmRoot"/>
+      </p:par>
+    </p:tnLst>
+  </p:timing>
 </p:sld>
 </file>
 
@@ -7169,16 +7927,14 @@
         </p:nvSpPr>
         <p:spPr/>
         <p:txBody>
-          <a:bodyPr/>
+          <a:bodyPr>
+            <a:normAutofit/>
+          </a:bodyPr>
           <a:lstStyle/>
           <a:p>
             <a:r>
               <a:rPr lang="en-US" dirty="0" smtClean="0"/>
-              <a:t>Enterprise </a:t>
-            </a:r>
-            <a:r>
-              <a:rPr lang="en-US" dirty="0" err="1" smtClean="0"/>
-              <a:t>DevGovHRFinSecQANetOps</a:t>
+              <a:t>Ingredients vs. Cake</a:t>
             </a:r>
             <a:endParaRPr lang="en-US" dirty="0"/>
           </a:p>
@@ -7200,6 +7956,52 @@
           <a:lstStyle/>
           <a:p>
             <a:endParaRPr lang="en-US"/>
+          </a:p>
+        </p:txBody>
+      </p:sp>
+      <p:sp>
+        <p:nvSpPr>
+          <p:cNvPr id="4" name="Footer Placeholder 3"/>
+          <p:cNvSpPr>
+            <a:spLocks noGrp="1"/>
+          </p:cNvSpPr>
+          <p:nvPr>
+            <p:ph type="ftr" sz="quarter" idx="11"/>
+          </p:nvPr>
+        </p:nvSpPr>
+        <p:spPr/>
+        <p:txBody>
+          <a:bodyPr/>
+          <a:lstStyle/>
+          <a:p>
+            <a:r>
+              <a:rPr lang="en-US" dirty="0" smtClean="0"/>
+              <a:t>Have your cake and eat it, too</a:t>
+            </a:r>
+            <a:endParaRPr lang="en-US" dirty="0"/>
+          </a:p>
+        </p:txBody>
+      </p:sp>
+      <p:sp>
+        <p:nvSpPr>
+          <p:cNvPr id="5" name="Slide Number Placeholder 4"/>
+          <p:cNvSpPr>
+            <a:spLocks noGrp="1"/>
+          </p:cNvSpPr>
+          <p:nvPr>
+            <p:ph type="sldNum" sz="quarter" idx="12"/>
+          </p:nvPr>
+        </p:nvSpPr>
+        <p:spPr/>
+        <p:txBody>
+          <a:bodyPr/>
+          <a:lstStyle/>
+          <a:p>
+            <a:r>
+              <a:rPr lang="en-US" smtClean="0"/>
+              <a:t>@nathenharvey</a:t>
+            </a:r>
+            <a:endParaRPr lang="en-US" dirty="0"/>
           </a:p>
         </p:txBody>
       </p:sp>
@@ -7213,158 +8015,17 @@
   <p:clrMapOvr>
     <a:masterClrMapping/>
   </p:clrMapOvr>
+  <p:timing>
+    <p:tnLst>
+      <p:par>
+        <p:cTn xmlns:p14="http://schemas.microsoft.com/office/powerpoint/2010/main" id="1" dur="indefinite" restart="never" nodeType="tmRoot"/>
+      </p:par>
+    </p:tnLst>
+  </p:timing>
 </p:sld>
 </file>
 
 <file path=ppt/slides/slide19.xml><?xml version="1.0" encoding="utf-8"?>
-<p:sld xmlns:a="http://schemas.openxmlformats.org/drawingml/2006/main" xmlns:r="http://schemas.openxmlformats.org/officeDocument/2006/relationships" xmlns:p="http://schemas.openxmlformats.org/presentationml/2006/main">
-  <p:cSld>
-    <p:spTree>
-      <p:nvGrpSpPr>
-        <p:cNvPr id="1" name=""/>
-        <p:cNvGrpSpPr/>
-        <p:nvPr/>
-      </p:nvGrpSpPr>
-      <p:grpSpPr>
-        <a:xfrm>
-          <a:off x="0" y="0"/>
-          <a:ext cx="0" cy="0"/>
-          <a:chOff x="0" y="0"/>
-          <a:chExt cx="0" cy="0"/>
-        </a:xfrm>
-      </p:grpSpPr>
-      <p:sp>
-        <p:nvSpPr>
-          <p:cNvPr id="2" name="Title 1"/>
-          <p:cNvSpPr>
-            <a:spLocks noGrp="1"/>
-          </p:cNvSpPr>
-          <p:nvPr>
-            <p:ph type="title"/>
-          </p:nvPr>
-        </p:nvSpPr>
-        <p:spPr/>
-        <p:txBody>
-          <a:bodyPr/>
-          <a:lstStyle/>
-          <a:p>
-            <a:r>
-              <a:rPr lang="en-US" dirty="0" smtClean="0"/>
-              <a:t>Enterprise </a:t>
-            </a:r>
-            <a:r>
-              <a:rPr lang="en-US" dirty="0" err="1" smtClean="0"/>
-              <a:t>DevGovHRFinSecQANetOps</a:t>
-            </a:r>
-            <a:endParaRPr lang="en-US" dirty="0"/>
-          </a:p>
-        </p:txBody>
-      </p:sp>
-      <p:sp>
-        <p:nvSpPr>
-          <p:cNvPr id="3" name="Content Placeholder 2"/>
-          <p:cNvSpPr>
-            <a:spLocks noGrp="1"/>
-          </p:cNvSpPr>
-          <p:nvPr>
-            <p:ph idx="1"/>
-          </p:nvPr>
-        </p:nvSpPr>
-        <p:spPr/>
-        <p:txBody>
-          <a:bodyPr/>
-          <a:lstStyle/>
-          <a:p>
-            <a:endParaRPr lang="en-US"/>
-          </a:p>
-        </p:txBody>
-      </p:sp>
-    </p:spTree>
-    <p:extLst>
-      <p:ext uri="{BB962C8B-B14F-4D97-AF65-F5344CB8AC3E}">
-        <p14:creationId xmlns:p14="http://schemas.microsoft.com/office/powerpoint/2010/main" val="824696808"/>
-      </p:ext>
-    </p:extLst>
-  </p:cSld>
-  <p:clrMapOvr>
-    <a:masterClrMapping/>
-  </p:clrMapOvr>
-</p:sld>
-</file>
-
-<file path=ppt/slides/slide2.xml><?xml version="1.0" encoding="utf-8"?>
-<p:sld xmlns:a="http://schemas.openxmlformats.org/drawingml/2006/main" xmlns:r="http://schemas.openxmlformats.org/officeDocument/2006/relationships" xmlns:p="http://schemas.openxmlformats.org/presentationml/2006/main">
-  <p:cSld>
-    <p:spTree>
-      <p:nvGrpSpPr>
-        <p:cNvPr id="1" name=""/>
-        <p:cNvGrpSpPr/>
-        <p:nvPr/>
-      </p:nvGrpSpPr>
-      <p:grpSpPr>
-        <a:xfrm>
-          <a:off x="0" y="0"/>
-          <a:ext cx="0" cy="0"/>
-          <a:chOff x="0" y="0"/>
-          <a:chExt cx="0" cy="0"/>
-        </a:xfrm>
-      </p:grpSpPr>
-      <p:sp>
-        <p:nvSpPr>
-          <p:cNvPr id="2" name="Title 1"/>
-          <p:cNvSpPr>
-            <a:spLocks noGrp="1"/>
-          </p:cNvSpPr>
-          <p:nvPr>
-            <p:ph type="title"/>
-          </p:nvPr>
-        </p:nvSpPr>
-        <p:spPr/>
-        <p:txBody>
-          <a:bodyPr/>
-          <a:lstStyle/>
-          <a:p>
-            <a:r>
-              <a:rPr lang="en-US" dirty="0" smtClean="0"/>
-              <a:t>Agile Infrastructure</a:t>
-            </a:r>
-            <a:endParaRPr lang="en-US" dirty="0"/>
-          </a:p>
-        </p:txBody>
-      </p:sp>
-      <p:sp>
-        <p:nvSpPr>
-          <p:cNvPr id="3" name="Content Placeholder 2"/>
-          <p:cNvSpPr>
-            <a:spLocks noGrp="1"/>
-          </p:cNvSpPr>
-          <p:nvPr>
-            <p:ph idx="1"/>
-          </p:nvPr>
-        </p:nvSpPr>
-        <p:spPr/>
-        <p:txBody>
-          <a:bodyPr/>
-          <a:lstStyle/>
-          <a:p>
-            <a:endParaRPr lang="en-US"/>
-          </a:p>
-        </p:txBody>
-      </p:sp>
-    </p:spTree>
-    <p:extLst>
-      <p:ext uri="{BB962C8B-B14F-4D97-AF65-F5344CB8AC3E}">
-        <p14:creationId xmlns:p14="http://schemas.microsoft.com/office/powerpoint/2010/main" val="3552483080"/>
-      </p:ext>
-    </p:extLst>
-  </p:cSld>
-  <p:clrMapOvr>
-    <a:masterClrMapping/>
-  </p:clrMapOvr>
-</p:sld>
-</file>
-
-<file path=ppt/slides/slide20.xml><?xml version="1.0" encoding="utf-8"?>
 <p:sld xmlns:a="http://schemas.openxmlformats.org/drawingml/2006/main" xmlns:r="http://schemas.openxmlformats.org/officeDocument/2006/relationships" xmlns:p="http://schemas.openxmlformats.org/presentationml/2006/main">
   <p:cSld>
     <p:spTree>
@@ -7499,23 +8160,8 @@
                 </a:solidFill>
                 <a:latin typeface="Arial"/>
               </a:rPr>
-              <a:t>A </a:t>
-            </a:r>
-            <a:r>
-              <a:rPr lang="en-US" sz="4800" i="1" dirty="0">
-                <a:solidFill>
-                  <a:srgbClr val="FFFFFF"/>
-                </a:solidFill>
-                <a:latin typeface="Arial"/>
-              </a:rPr>
-              <a:t>cultural and professional movement, focused on how we build and operate high velocity organizations, born from the experiences of its practitioners.</a:t>
-            </a:r>
-            <a:endParaRPr lang="en-US" sz="4800" i="1" dirty="0">
-              <a:solidFill>
-                <a:srgbClr val="FFFFFF"/>
-              </a:solidFill>
-              <a:latin typeface="Arial"/>
-            </a:endParaRPr>
+              <a:t>A cultural and professional movement, focused on how we build and operate high velocity organizations, born from the experiences of its practitioners.</a:t>
+            </a:r>
           </a:p>
         </p:txBody>
       </p:sp>
@@ -7551,6 +8197,456 @@
 </p:sld>
 </file>
 
+<file path=ppt/slides/slide2.xml><?xml version="1.0" encoding="utf-8"?>
+<p:sld xmlns:a="http://schemas.openxmlformats.org/drawingml/2006/main" xmlns:r="http://schemas.openxmlformats.org/officeDocument/2006/relationships" xmlns:p="http://schemas.openxmlformats.org/presentationml/2006/main">
+  <p:cSld>
+    <p:spTree>
+      <p:nvGrpSpPr>
+        <p:cNvPr id="1" name=""/>
+        <p:cNvGrpSpPr/>
+        <p:nvPr/>
+      </p:nvGrpSpPr>
+      <p:grpSpPr>
+        <a:xfrm>
+          <a:off x="0" y="0"/>
+          <a:ext cx="0" cy="0"/>
+          <a:chOff x="0" y="0"/>
+          <a:chExt cx="0" cy="0"/>
+        </a:xfrm>
+      </p:grpSpPr>
+      <p:sp>
+        <p:nvSpPr>
+          <p:cNvPr id="2" name="Title 1"/>
+          <p:cNvSpPr>
+            <a:spLocks noGrp="1"/>
+          </p:cNvSpPr>
+          <p:nvPr>
+            <p:ph type="title"/>
+          </p:nvPr>
+        </p:nvSpPr>
+        <p:spPr/>
+        <p:txBody>
+          <a:bodyPr/>
+          <a:lstStyle/>
+          <a:p>
+            <a:r>
+              <a:rPr lang="en-US" dirty="0" smtClean="0"/>
+              <a:t>Agile Infrastructure</a:t>
+            </a:r>
+            <a:endParaRPr lang="en-US" dirty="0"/>
+          </a:p>
+        </p:txBody>
+      </p:sp>
+      <p:pic>
+        <p:nvPicPr>
+          <p:cNvPr id="4" name="Content Placeholder 3" descr="cable_ties.jpg"/>
+          <p:cNvPicPr>
+            <a:picLocks noGrp="1" noChangeAspect="1"/>
+          </p:cNvPicPr>
+          <p:nvPr>
+            <p:ph idx="1"/>
+          </p:nvPr>
+        </p:nvPicPr>
+        <p:blipFill rotWithShape="1">
+          <a:blip r:embed="rId3">
+            <a:extLst>
+              <a:ext uri="{28A0092B-C50C-407E-A947-70E740481C1C}">
+                <a14:useLocalDpi xmlns:a14="http://schemas.microsoft.com/office/drawing/2010/main" val="0"/>
+              </a:ext>
+            </a:extLst>
+          </a:blip>
+          <a:srcRect l="1" r="-142443"/>
+          <a:stretch/>
+        </p:blipFill>
+        <p:spPr/>
+      </p:pic>
+      <p:pic>
+        <p:nvPicPr>
+          <p:cNvPr id="5" name="Picture 4" descr="velcro_ties.jpg"/>
+          <p:cNvPicPr>
+            <a:picLocks noChangeAspect="1"/>
+          </p:cNvPicPr>
+          <p:nvPr/>
+        </p:nvPicPr>
+        <p:blipFill>
+          <a:blip r:embed="rId4">
+            <a:extLst>
+              <a:ext uri="{28A0092B-C50C-407E-A947-70E740481C1C}">
+                <a14:useLocalDpi xmlns:a14="http://schemas.microsoft.com/office/drawing/2010/main" val="0"/>
+              </a:ext>
+            </a:extLst>
+          </a:blip>
+          <a:stretch>
+            <a:fillRect/>
+          </a:stretch>
+        </p:blipFill>
+        <p:spPr>
+          <a:xfrm>
+            <a:off x="7752335" y="1701166"/>
+            <a:ext cx="5724219" cy="5724219"/>
+          </a:xfrm>
+          <a:prstGeom prst="rect">
+            <a:avLst/>
+          </a:prstGeom>
+        </p:spPr>
+      </p:pic>
+      <p:sp>
+        <p:nvSpPr>
+          <p:cNvPr id="6" name="Footer Placeholder 5"/>
+          <p:cNvSpPr>
+            <a:spLocks noGrp="1"/>
+          </p:cNvSpPr>
+          <p:nvPr>
+            <p:ph type="ftr" sz="quarter" idx="11"/>
+          </p:nvPr>
+        </p:nvSpPr>
+        <p:spPr/>
+        <p:txBody>
+          <a:bodyPr/>
+          <a:lstStyle/>
+          <a:p>
+            <a:r>
+              <a:rPr lang="en-US" dirty="0" smtClean="0"/>
+              <a:t>Agile Infrastructure</a:t>
+            </a:r>
+            <a:endParaRPr lang="en-US" dirty="0"/>
+          </a:p>
+        </p:txBody>
+      </p:sp>
+      <p:sp>
+        <p:nvSpPr>
+          <p:cNvPr id="7" name="Slide Number Placeholder 6"/>
+          <p:cNvSpPr>
+            <a:spLocks noGrp="1"/>
+          </p:cNvSpPr>
+          <p:nvPr>
+            <p:ph type="sldNum" sz="quarter" idx="12"/>
+          </p:nvPr>
+        </p:nvSpPr>
+        <p:spPr/>
+        <p:txBody>
+          <a:bodyPr/>
+          <a:lstStyle/>
+          <a:p>
+            <a:r>
+              <a:rPr lang="en-US" smtClean="0"/>
+              <a:t>@nathenharvey</a:t>
+            </a:r>
+            <a:endParaRPr lang="en-US" dirty="0"/>
+          </a:p>
+        </p:txBody>
+      </p:sp>
+    </p:spTree>
+    <p:extLst>
+      <p:ext uri="{BB962C8B-B14F-4D97-AF65-F5344CB8AC3E}">
+        <p14:creationId xmlns:p14="http://schemas.microsoft.com/office/powerpoint/2010/main" val="3552483080"/>
+      </p:ext>
+    </p:extLst>
+  </p:cSld>
+  <p:clrMapOvr>
+    <a:masterClrMapping/>
+  </p:clrMapOvr>
+  <p:timing>
+    <p:tnLst>
+      <p:par>
+        <p:cTn xmlns:p14="http://schemas.microsoft.com/office/powerpoint/2010/main" id="1" dur="indefinite" restart="never" nodeType="tmRoot"/>
+      </p:par>
+    </p:tnLst>
+  </p:timing>
+</p:sld>
+</file>
+
+<file path=ppt/slides/slide20.xml><?xml version="1.0" encoding="utf-8"?>
+<p:sld xmlns:a="http://schemas.openxmlformats.org/drawingml/2006/main" xmlns:r="http://schemas.openxmlformats.org/officeDocument/2006/relationships" xmlns:p="http://schemas.openxmlformats.org/presentationml/2006/main">
+  <p:cSld>
+    <p:spTree>
+      <p:nvGrpSpPr>
+        <p:cNvPr id="1" name=""/>
+        <p:cNvGrpSpPr/>
+        <p:nvPr/>
+      </p:nvGrpSpPr>
+      <p:grpSpPr>
+        <a:xfrm>
+          <a:off x="0" y="0"/>
+          <a:ext cx="0" cy="0"/>
+          <a:chOff x="0" y="0"/>
+          <a:chExt cx="0" cy="0"/>
+        </a:xfrm>
+      </p:grpSpPr>
+      <p:pic>
+        <p:nvPicPr>
+          <p:cNvPr id="4" name="Picture 3" descr="the-marvel-universe.png"/>
+          <p:cNvPicPr>
+            <a:picLocks noChangeAspect="1"/>
+          </p:cNvPicPr>
+          <p:nvPr/>
+        </p:nvPicPr>
+        <p:blipFill>
+          <a:blip r:embed="rId3">
+            <a:extLst>
+              <a:ext uri="{28A0092B-C50C-407E-A947-70E740481C1C}">
+                <a14:useLocalDpi xmlns:a14="http://schemas.microsoft.com/office/drawing/2010/main" val="0"/>
+              </a:ext>
+            </a:extLst>
+          </a:blip>
+          <a:stretch>
+            <a:fillRect/>
+          </a:stretch>
+        </p:blipFill>
+        <p:spPr>
+          <a:xfrm>
+            <a:off x="0" y="0"/>
+            <a:ext cx="14658570" cy="8404246"/>
+          </a:xfrm>
+          <a:prstGeom prst="rect">
+            <a:avLst/>
+          </a:prstGeom>
+        </p:spPr>
+      </p:pic>
+      <p:sp>
+        <p:nvSpPr>
+          <p:cNvPr id="6" name="TextBox 5"/>
+          <p:cNvSpPr txBox="1"/>
+          <p:nvPr/>
+        </p:nvSpPr>
+        <p:spPr>
+          <a:xfrm>
+            <a:off x="1775348" y="2202919"/>
+            <a:ext cx="11066750" cy="4727448"/>
+          </a:xfrm>
+          <a:prstGeom prst="rect">
+            <a:avLst/>
+          </a:prstGeom>
+          <a:solidFill>
+            <a:srgbClr val="000000">
+              <a:alpha val="80000"/>
+            </a:srgbClr>
+          </a:solidFill>
+        </p:spPr>
+        <p:txBody>
+          <a:bodyPr wrap="square" lIns="0" tIns="0" rIns="0" bIns="0" rtlCol="0">
+            <a:spAutoFit/>
+          </a:bodyPr>
+          <a:lstStyle/>
+          <a:p>
+            <a:pPr algn="ctr" defTabSz="914400"/>
+            <a:r>
+              <a:rPr lang="en-US" sz="6100" kern="0" dirty="0">
+                <a:solidFill>
+                  <a:srgbClr val="FFFFFF"/>
+                </a:solidFill>
+                <a:latin typeface="Arial"/>
+              </a:rPr>
+              <a:t>WHO PRACTICES IT?</a:t>
+            </a:r>
+          </a:p>
+          <a:p>
+            <a:pPr algn="ctr" defTabSz="914400"/>
+            <a:endParaRPr lang="en-US" sz="2400" kern="0" dirty="0">
+              <a:solidFill>
+                <a:srgbClr val="FFFFFF"/>
+              </a:solidFill>
+              <a:latin typeface="Arial"/>
+            </a:endParaRPr>
+          </a:p>
+          <a:p>
+            <a:pPr algn="ctr" defTabSz="914400"/>
+            <a:r>
+              <a:rPr lang="en-US" sz="4000" kern="0" dirty="0">
+                <a:solidFill>
+                  <a:srgbClr val="F18B21"/>
+                </a:solidFill>
+                <a:latin typeface="Arial"/>
+              </a:rPr>
+              <a:t>EVERYONE</a:t>
+            </a:r>
+          </a:p>
+          <a:p>
+            <a:pPr algn="ctr" defTabSz="914400"/>
+            <a:endParaRPr lang="en-US" sz="2400" kern="0" dirty="0">
+              <a:solidFill>
+                <a:srgbClr val="FFFFFF"/>
+              </a:solidFill>
+              <a:latin typeface="Arial"/>
+            </a:endParaRPr>
+          </a:p>
+          <a:p>
+            <a:pPr defTabSz="914400"/>
+            <a:endParaRPr lang="en-US" sz="4800" kern="0" dirty="0">
+              <a:solidFill>
+                <a:srgbClr val="FFFFFF"/>
+              </a:solidFill>
+              <a:latin typeface="Arial"/>
+            </a:endParaRPr>
+          </a:p>
+          <a:p>
+            <a:pPr marL="571501" indent="-571501" defTabSz="914400">
+              <a:buFont typeface="Arial"/>
+              <a:buChar char="•"/>
+            </a:pPr>
+            <a:r>
+              <a:rPr lang="en-US" sz="3700" kern="0" dirty="0">
+                <a:solidFill>
+                  <a:srgbClr val="FFFFFF"/>
+                </a:solidFill>
+                <a:latin typeface="Arial"/>
+              </a:rPr>
+              <a:t>We are not generalists – we are </a:t>
+            </a:r>
+            <a:r>
+              <a:rPr lang="en-US" sz="3700" kern="0" dirty="0">
+                <a:solidFill>
+                  <a:srgbClr val="6BB2E2"/>
+                </a:solidFill>
+                <a:latin typeface="Arial"/>
+              </a:rPr>
+              <a:t>well connected specialists</a:t>
+            </a:r>
+          </a:p>
+          <a:p>
+            <a:pPr marL="571501" indent="-571501" defTabSz="914400">
+              <a:buFont typeface="Arial"/>
+              <a:buChar char="•"/>
+            </a:pPr>
+            <a:r>
+              <a:rPr lang="en-US" sz="3700" kern="0" dirty="0">
+                <a:solidFill>
+                  <a:srgbClr val="F18B21"/>
+                </a:solidFill>
+                <a:latin typeface="Arial"/>
+              </a:rPr>
+              <a:t>We are all </a:t>
+            </a:r>
+            <a:r>
+              <a:rPr lang="en-US" sz="3700" kern="0" dirty="0" err="1">
+                <a:solidFill>
+                  <a:srgbClr val="F18B21"/>
+                </a:solidFill>
+                <a:latin typeface="Arial"/>
+              </a:rPr>
+              <a:t>DevOps</a:t>
+            </a:r>
+            <a:endParaRPr lang="en-US" sz="3700" kern="0" dirty="0">
+              <a:solidFill>
+                <a:srgbClr val="F18B21"/>
+              </a:solidFill>
+              <a:latin typeface="Arial"/>
+            </a:endParaRPr>
+          </a:p>
+        </p:txBody>
+      </p:sp>
+      <p:sp>
+        <p:nvSpPr>
+          <p:cNvPr id="7" name="Content Placeholder 6"/>
+          <p:cNvSpPr>
+            <a:spLocks noGrp="1"/>
+          </p:cNvSpPr>
+          <p:nvPr>
+            <p:ph sz="quarter" idx="13"/>
+          </p:nvPr>
+        </p:nvSpPr>
+        <p:spPr/>
+        <p:txBody>
+          <a:bodyPr/>
+          <a:lstStyle/>
+          <a:p>
+            <a:endParaRPr lang="en-US"/>
+          </a:p>
+        </p:txBody>
+      </p:sp>
+      <p:sp>
+        <p:nvSpPr>
+          <p:cNvPr id="8" name="Text Placeholder 7"/>
+          <p:cNvSpPr>
+            <a:spLocks noGrp="1"/>
+          </p:cNvSpPr>
+          <p:nvPr>
+            <p:ph type="body" sz="quarter" idx="14"/>
+          </p:nvPr>
+        </p:nvSpPr>
+        <p:spPr/>
+        <p:txBody>
+          <a:bodyPr/>
+          <a:lstStyle/>
+          <a:p>
+            <a:endParaRPr lang="en-US"/>
+          </a:p>
+        </p:txBody>
+      </p:sp>
+      <p:sp>
+        <p:nvSpPr>
+          <p:cNvPr id="9" name="Footer Placeholder 8"/>
+          <p:cNvSpPr>
+            <a:spLocks noGrp="1"/>
+          </p:cNvSpPr>
+          <p:nvPr>
+            <p:ph type="ftr" sz="quarter" idx="11"/>
+          </p:nvPr>
+        </p:nvSpPr>
+        <p:spPr/>
+        <p:txBody>
+          <a:bodyPr/>
+          <a:lstStyle/>
+          <a:p>
+            <a:endParaRPr lang="en-US"/>
+          </a:p>
+        </p:txBody>
+      </p:sp>
+      <p:sp>
+        <p:nvSpPr>
+          <p:cNvPr id="10" name="Slide Number Placeholder 9"/>
+          <p:cNvSpPr>
+            <a:spLocks noGrp="1"/>
+          </p:cNvSpPr>
+          <p:nvPr>
+            <p:ph type="sldNum" sz="quarter" idx="12"/>
+          </p:nvPr>
+        </p:nvSpPr>
+        <p:spPr/>
+        <p:txBody>
+          <a:bodyPr/>
+          <a:lstStyle/>
+          <a:p>
+            <a:r>
+              <a:rPr lang="en-US" smtClean="0"/>
+              <a:t>@nathenharvey</a:t>
+            </a:r>
+            <a:endParaRPr lang="en-US" dirty="0"/>
+          </a:p>
+        </p:txBody>
+      </p:sp>
+    </p:spTree>
+    <p:extLst>
+      <p:ext uri="{BB962C8B-B14F-4D97-AF65-F5344CB8AC3E}">
+        <p14:creationId xmlns:p14="http://schemas.microsoft.com/office/powerpoint/2010/main" val="3118115093"/>
+      </p:ext>
+    </p:extLst>
+  </p:cSld>
+  <p:clrMapOvr>
+    <a:masterClrMapping/>
+  </p:clrMapOvr>
+  <mc:AlternateContent xmlns:mc="http://schemas.openxmlformats.org/markup-compatibility/2006" xmlns:p14="http://schemas.microsoft.com/office/powerpoint/2010/main">
+    <mc:Choice Requires="p14">
+      <p:transition spd="med" p14:dur="700">
+        <p:fade/>
+      </p:transition>
+    </mc:Choice>
+    <mc:Fallback xmlns="">
+      <p:transition xmlns:p14="http://schemas.microsoft.com/office/powerpoint/2010/main" spd="med">
+        <p:fade/>
+      </p:transition>
+    </mc:Fallback>
+  </mc:AlternateContent>
+  <p:timing>
+    <p:tnLst>
+      <p:par>
+        <p:cTn xmlns:p14="http://schemas.microsoft.com/office/powerpoint/2010/main" id="1" dur="indefinite" restart="never" nodeType="tmRoot"/>
+      </p:par>
+    </p:tnLst>
+  </p:timing>
+</p:sld>
+</file>
+
 <file path=ppt/slides/slide3.xml><?xml version="1.0" encoding="utf-8"?>
 <p:sld xmlns:a="http://schemas.openxmlformats.org/drawingml/2006/main" xmlns:r="http://schemas.openxmlformats.org/officeDocument/2006/relationships" xmlns:p="http://schemas.openxmlformats.org/presentationml/2006/main">
   <p:cSld>
@@ -7584,8 +8680,8 @@
           <a:lstStyle/>
           <a:p>
             <a:r>
-              <a:rPr lang="en-US" dirty="0" err="1" smtClean="0"/>
-              <a:t>DevOps</a:t>
+              <a:rPr lang="en-US" dirty="0" smtClean="0"/>
+              <a:t>Cloud</a:t>
             </a:r>
             <a:endParaRPr lang="en-US" dirty="0"/>
           </a:p>
@@ -7607,19 +8703,72 @@
           <a:lstStyle/>
           <a:p>
             <a:endParaRPr lang="en-US"/>
+          </a:p>
+        </p:txBody>
+      </p:sp>
+      <p:sp>
+        <p:nvSpPr>
+          <p:cNvPr id="4" name="Footer Placeholder 3"/>
+          <p:cNvSpPr>
+            <a:spLocks noGrp="1"/>
+          </p:cNvSpPr>
+          <p:nvPr>
+            <p:ph type="ftr" sz="quarter" idx="11"/>
+          </p:nvPr>
+        </p:nvSpPr>
+        <p:spPr/>
+        <p:txBody>
+          <a:bodyPr/>
+          <a:lstStyle/>
+          <a:p>
+            <a:r>
+              <a:rPr lang="en-US" dirty="0" smtClean="0"/>
+              <a:t>Cloud</a:t>
+            </a:r>
+            <a:endParaRPr lang="en-US" dirty="0"/>
+          </a:p>
+        </p:txBody>
+      </p:sp>
+      <p:sp>
+        <p:nvSpPr>
+          <p:cNvPr id="5" name="Slide Number Placeholder 4"/>
+          <p:cNvSpPr>
+            <a:spLocks noGrp="1"/>
+          </p:cNvSpPr>
+          <p:nvPr>
+            <p:ph type="sldNum" sz="quarter" idx="12"/>
+          </p:nvPr>
+        </p:nvSpPr>
+        <p:spPr/>
+        <p:txBody>
+          <a:bodyPr/>
+          <a:lstStyle/>
+          <a:p>
+            <a:r>
+              <a:rPr lang="en-US" smtClean="0"/>
+              <a:t>@nathenharvey</a:t>
+            </a:r>
+            <a:endParaRPr lang="en-US" dirty="0"/>
           </a:p>
         </p:txBody>
       </p:sp>
     </p:spTree>
     <p:extLst>
       <p:ext uri="{BB962C8B-B14F-4D97-AF65-F5344CB8AC3E}">
-        <p14:creationId xmlns:p14="http://schemas.microsoft.com/office/powerpoint/2010/main" val="407107007"/>
+        <p14:creationId xmlns:p14="http://schemas.microsoft.com/office/powerpoint/2010/main" val="633083660"/>
       </p:ext>
     </p:extLst>
   </p:cSld>
   <p:clrMapOvr>
     <a:masterClrMapping/>
   </p:clrMapOvr>
+  <p:timing>
+    <p:tnLst>
+      <p:par>
+        <p:cTn xmlns:p14="http://schemas.microsoft.com/office/powerpoint/2010/main" id="1" dur="indefinite" restart="never" nodeType="tmRoot"/>
+      </p:par>
+    </p:tnLst>
+  </p:timing>
 </p:sld>
 </file>
 
@@ -7656,8 +8805,8 @@
           <a:lstStyle/>
           <a:p>
             <a:r>
-              <a:rPr lang="en-US" dirty="0" err="1" smtClean="0"/>
-              <a:t>DevQAOps</a:t>
+              <a:rPr lang="en-US" dirty="0" smtClean="0"/>
+              <a:t>Developers Operating</a:t>
             </a:r>
             <a:endParaRPr lang="en-US" dirty="0"/>
           </a:p>
@@ -7679,19 +8828,72 @@
           <a:lstStyle/>
           <a:p>
             <a:endParaRPr lang="en-US"/>
+          </a:p>
+        </p:txBody>
+      </p:sp>
+      <p:sp>
+        <p:nvSpPr>
+          <p:cNvPr id="4" name="Footer Placeholder 3"/>
+          <p:cNvSpPr>
+            <a:spLocks noGrp="1"/>
+          </p:cNvSpPr>
+          <p:nvPr>
+            <p:ph type="ftr" sz="quarter" idx="11"/>
+          </p:nvPr>
+        </p:nvSpPr>
+        <p:spPr/>
+        <p:txBody>
+          <a:bodyPr/>
+          <a:lstStyle/>
+          <a:p>
+            <a:r>
+              <a:rPr lang="en-US" dirty="0" smtClean="0"/>
+              <a:t>Developers Operating</a:t>
+            </a:r>
+            <a:endParaRPr lang="en-US" dirty="0"/>
+          </a:p>
+        </p:txBody>
+      </p:sp>
+      <p:sp>
+        <p:nvSpPr>
+          <p:cNvPr id="5" name="Slide Number Placeholder 4"/>
+          <p:cNvSpPr>
+            <a:spLocks noGrp="1"/>
+          </p:cNvSpPr>
+          <p:nvPr>
+            <p:ph type="sldNum" sz="quarter" idx="12"/>
+          </p:nvPr>
+        </p:nvSpPr>
+        <p:spPr/>
+        <p:txBody>
+          <a:bodyPr/>
+          <a:lstStyle/>
+          <a:p>
+            <a:r>
+              <a:rPr lang="en-US" smtClean="0"/>
+              <a:t>@nathenharvey</a:t>
+            </a:r>
+            <a:endParaRPr lang="en-US" dirty="0"/>
           </a:p>
         </p:txBody>
       </p:sp>
     </p:spTree>
     <p:extLst>
       <p:ext uri="{BB962C8B-B14F-4D97-AF65-F5344CB8AC3E}">
-        <p14:creationId xmlns:p14="http://schemas.microsoft.com/office/powerpoint/2010/main" val="1800213232"/>
+        <p14:creationId xmlns:p14="http://schemas.microsoft.com/office/powerpoint/2010/main" val="2578216924"/>
       </p:ext>
     </p:extLst>
   </p:cSld>
   <p:clrMapOvr>
     <a:masterClrMapping/>
   </p:clrMapOvr>
+  <p:timing>
+    <p:tnLst>
+      <p:par>
+        <p:cTn xmlns:p14="http://schemas.microsoft.com/office/powerpoint/2010/main" id="1" dur="indefinite" restart="never" nodeType="tmRoot"/>
+      </p:par>
+    </p:tnLst>
+  </p:timing>
 </p:sld>
 </file>
 
@@ -7728,8 +8930,8 @@
           <a:lstStyle/>
           <a:p>
             <a:r>
-              <a:rPr lang="en-US" dirty="0" err="1" smtClean="0"/>
-              <a:t>DevSecQAOps</a:t>
+              <a:rPr lang="en-US" dirty="0" smtClean="0"/>
+              <a:t>Operators Developing</a:t>
             </a:r>
             <a:endParaRPr lang="en-US" dirty="0"/>
           </a:p>
@@ -7751,19 +8953,71 @@
           <a:lstStyle/>
           <a:p>
             <a:endParaRPr lang="en-US"/>
+          </a:p>
+        </p:txBody>
+      </p:sp>
+      <p:sp>
+        <p:nvSpPr>
+          <p:cNvPr id="4" name="Footer Placeholder 3"/>
+          <p:cNvSpPr>
+            <a:spLocks noGrp="1"/>
+          </p:cNvSpPr>
+          <p:nvPr>
+            <p:ph type="ftr" sz="quarter" idx="11"/>
+          </p:nvPr>
+        </p:nvSpPr>
+        <p:spPr/>
+        <p:txBody>
+          <a:bodyPr/>
+          <a:lstStyle/>
+          <a:p>
+            <a:r>
+              <a:rPr lang="en-US" dirty="0" smtClean="0"/>
+              <a:t>Operators Developing</a:t>
+            </a:r>
+          </a:p>
+        </p:txBody>
+      </p:sp>
+      <p:sp>
+        <p:nvSpPr>
+          <p:cNvPr id="5" name="Slide Number Placeholder 4"/>
+          <p:cNvSpPr>
+            <a:spLocks noGrp="1"/>
+          </p:cNvSpPr>
+          <p:nvPr>
+            <p:ph type="sldNum" sz="quarter" idx="12"/>
+          </p:nvPr>
+        </p:nvSpPr>
+        <p:spPr/>
+        <p:txBody>
+          <a:bodyPr/>
+          <a:lstStyle/>
+          <a:p>
+            <a:r>
+              <a:rPr lang="en-US" smtClean="0"/>
+              <a:t>@nathenharvey</a:t>
+            </a:r>
+            <a:endParaRPr lang="en-US" dirty="0"/>
           </a:p>
         </p:txBody>
       </p:sp>
     </p:spTree>
     <p:extLst>
       <p:ext uri="{BB962C8B-B14F-4D97-AF65-F5344CB8AC3E}">
-        <p14:creationId xmlns:p14="http://schemas.microsoft.com/office/powerpoint/2010/main" val="804225036"/>
+        <p14:creationId xmlns:p14="http://schemas.microsoft.com/office/powerpoint/2010/main" val="2338050729"/>
       </p:ext>
     </p:extLst>
   </p:cSld>
   <p:clrMapOvr>
     <a:masterClrMapping/>
   </p:clrMapOvr>
+  <p:timing>
+    <p:tnLst>
+      <p:par>
+        <p:cTn xmlns:p14="http://schemas.microsoft.com/office/powerpoint/2010/main" id="1" dur="indefinite" restart="never" nodeType="tmRoot"/>
+      </p:par>
+    </p:tnLst>
+  </p:timing>
 </p:sld>
 </file>
 
@@ -7800,12 +9054,8 @@
           <a:lstStyle/>
           <a:p>
             <a:r>
-              <a:rPr lang="en-US" dirty="0" smtClean="0"/>
-              <a:t>Enterprise </a:t>
-            </a:r>
-            <a:r>
               <a:rPr lang="en-US" dirty="0" err="1" smtClean="0"/>
-              <a:t>DevSecQAOps</a:t>
+              <a:t>DevOps</a:t>
             </a:r>
             <a:endParaRPr lang="en-US" dirty="0"/>
           </a:p>
@@ -7827,19 +9077,72 @@
           <a:lstStyle/>
           <a:p>
             <a:endParaRPr lang="en-US"/>
+          </a:p>
+        </p:txBody>
+      </p:sp>
+      <p:sp>
+        <p:nvSpPr>
+          <p:cNvPr id="4" name="Footer Placeholder 3"/>
+          <p:cNvSpPr>
+            <a:spLocks noGrp="1"/>
+          </p:cNvSpPr>
+          <p:nvPr>
+            <p:ph type="ftr" sz="quarter" idx="11"/>
+          </p:nvPr>
+        </p:nvSpPr>
+        <p:spPr/>
+        <p:txBody>
+          <a:bodyPr/>
+          <a:lstStyle/>
+          <a:p>
+            <a:r>
+              <a:rPr lang="en-US" dirty="0" err="1" smtClean="0"/>
+              <a:t>DevOps</a:t>
+            </a:r>
+            <a:endParaRPr lang="en-US" dirty="0"/>
+          </a:p>
+        </p:txBody>
+      </p:sp>
+      <p:sp>
+        <p:nvSpPr>
+          <p:cNvPr id="5" name="Slide Number Placeholder 4"/>
+          <p:cNvSpPr>
+            <a:spLocks noGrp="1"/>
+          </p:cNvSpPr>
+          <p:nvPr>
+            <p:ph type="sldNum" sz="quarter" idx="12"/>
+          </p:nvPr>
+        </p:nvSpPr>
+        <p:spPr/>
+        <p:txBody>
+          <a:bodyPr/>
+          <a:lstStyle/>
+          <a:p>
+            <a:r>
+              <a:rPr lang="en-US" smtClean="0"/>
+              <a:t>@nathenharvey</a:t>
+            </a:r>
+            <a:endParaRPr lang="en-US" dirty="0"/>
           </a:p>
         </p:txBody>
       </p:sp>
     </p:spTree>
     <p:extLst>
       <p:ext uri="{BB962C8B-B14F-4D97-AF65-F5344CB8AC3E}">
-        <p14:creationId xmlns:p14="http://schemas.microsoft.com/office/powerpoint/2010/main" val="1609246463"/>
+        <p14:creationId xmlns:p14="http://schemas.microsoft.com/office/powerpoint/2010/main" val="407107007"/>
       </p:ext>
     </p:extLst>
   </p:cSld>
   <p:clrMapOvr>
     <a:masterClrMapping/>
   </p:clrMapOvr>
+  <p:timing>
+    <p:tnLst>
+      <p:par>
+        <p:cTn xmlns:p14="http://schemas.microsoft.com/office/powerpoint/2010/main" id="1" dur="indefinite" restart="never" nodeType="tmRoot"/>
+      </p:par>
+    </p:tnLst>
+  </p:timing>
 </p:sld>
 </file>
 
@@ -7876,12 +9179,8 @@
           <a:lstStyle/>
           <a:p>
             <a:r>
-              <a:rPr lang="en-US" dirty="0" smtClean="0"/>
-              <a:t>Enterprise </a:t>
-            </a:r>
-            <a:r>
               <a:rPr lang="en-US" dirty="0" err="1" smtClean="0"/>
-              <a:t>DevSecQANetOps</a:t>
+              <a:t>DevQAOps</a:t>
             </a:r>
             <a:endParaRPr lang="en-US" dirty="0"/>
           </a:p>
@@ -7903,19 +9202,72 @@
           <a:lstStyle/>
           <a:p>
             <a:endParaRPr lang="en-US"/>
+          </a:p>
+        </p:txBody>
+      </p:sp>
+      <p:sp>
+        <p:nvSpPr>
+          <p:cNvPr id="4" name="Footer Placeholder 3"/>
+          <p:cNvSpPr>
+            <a:spLocks noGrp="1"/>
+          </p:cNvSpPr>
+          <p:nvPr>
+            <p:ph type="ftr" sz="quarter" idx="11"/>
+          </p:nvPr>
+        </p:nvSpPr>
+        <p:spPr/>
+        <p:txBody>
+          <a:bodyPr/>
+          <a:lstStyle/>
+          <a:p>
+            <a:r>
+              <a:rPr lang="en-US" dirty="0" err="1" smtClean="0"/>
+              <a:t>DevQAOps</a:t>
+            </a:r>
+            <a:endParaRPr lang="en-US" dirty="0"/>
+          </a:p>
+        </p:txBody>
+      </p:sp>
+      <p:sp>
+        <p:nvSpPr>
+          <p:cNvPr id="5" name="Slide Number Placeholder 4"/>
+          <p:cNvSpPr>
+            <a:spLocks noGrp="1"/>
+          </p:cNvSpPr>
+          <p:nvPr>
+            <p:ph type="sldNum" sz="quarter" idx="12"/>
+          </p:nvPr>
+        </p:nvSpPr>
+        <p:spPr/>
+        <p:txBody>
+          <a:bodyPr/>
+          <a:lstStyle/>
+          <a:p>
+            <a:r>
+              <a:rPr lang="en-US" smtClean="0"/>
+              <a:t>@nathenharvey</a:t>
+            </a:r>
+            <a:endParaRPr lang="en-US" dirty="0"/>
           </a:p>
         </p:txBody>
       </p:sp>
     </p:spTree>
     <p:extLst>
       <p:ext uri="{BB962C8B-B14F-4D97-AF65-F5344CB8AC3E}">
-        <p14:creationId xmlns:p14="http://schemas.microsoft.com/office/powerpoint/2010/main" val="1158823061"/>
+        <p14:creationId xmlns:p14="http://schemas.microsoft.com/office/powerpoint/2010/main" val="1800213232"/>
       </p:ext>
     </p:extLst>
   </p:cSld>
   <p:clrMapOvr>
     <a:masterClrMapping/>
   </p:clrMapOvr>
+  <p:timing>
+    <p:tnLst>
+      <p:par>
+        <p:cTn xmlns:p14="http://schemas.microsoft.com/office/powerpoint/2010/main" id="1" dur="indefinite" restart="never" nodeType="tmRoot"/>
+      </p:par>
+    </p:tnLst>
+  </p:timing>
 </p:sld>
 </file>
 
@@ -7952,12 +9304,8 @@
           <a:lstStyle/>
           <a:p>
             <a:r>
-              <a:rPr lang="en-US" dirty="0" smtClean="0"/>
-              <a:t>Enterprise </a:t>
-            </a:r>
-            <a:r>
               <a:rPr lang="en-US" dirty="0" err="1" smtClean="0"/>
-              <a:t>DevFinSecQANetOps</a:t>
+              <a:t>DevSecQAOps</a:t>
             </a:r>
             <a:endParaRPr lang="en-US" dirty="0"/>
           </a:p>
@@ -7979,19 +9327,72 @@
           <a:lstStyle/>
           <a:p>
             <a:endParaRPr lang="en-US"/>
+          </a:p>
+        </p:txBody>
+      </p:sp>
+      <p:sp>
+        <p:nvSpPr>
+          <p:cNvPr id="4" name="Footer Placeholder 3"/>
+          <p:cNvSpPr>
+            <a:spLocks noGrp="1"/>
+          </p:cNvSpPr>
+          <p:nvPr>
+            <p:ph type="ftr" sz="quarter" idx="11"/>
+          </p:nvPr>
+        </p:nvSpPr>
+        <p:spPr/>
+        <p:txBody>
+          <a:bodyPr/>
+          <a:lstStyle/>
+          <a:p>
+            <a:r>
+              <a:rPr lang="en-US" dirty="0" err="1" smtClean="0"/>
+              <a:t>DevSecQAOps</a:t>
+            </a:r>
+            <a:endParaRPr lang="en-US" dirty="0"/>
+          </a:p>
+        </p:txBody>
+      </p:sp>
+      <p:sp>
+        <p:nvSpPr>
+          <p:cNvPr id="5" name="Slide Number Placeholder 4"/>
+          <p:cNvSpPr>
+            <a:spLocks noGrp="1"/>
+          </p:cNvSpPr>
+          <p:nvPr>
+            <p:ph type="sldNum" sz="quarter" idx="12"/>
+          </p:nvPr>
+        </p:nvSpPr>
+        <p:spPr/>
+        <p:txBody>
+          <a:bodyPr/>
+          <a:lstStyle/>
+          <a:p>
+            <a:r>
+              <a:rPr lang="en-US" smtClean="0"/>
+              <a:t>@nathenharvey</a:t>
+            </a:r>
+            <a:endParaRPr lang="en-US" dirty="0"/>
           </a:p>
         </p:txBody>
       </p:sp>
     </p:spTree>
     <p:extLst>
       <p:ext uri="{BB962C8B-B14F-4D97-AF65-F5344CB8AC3E}">
-        <p14:creationId xmlns:p14="http://schemas.microsoft.com/office/powerpoint/2010/main" val="1366037714"/>
+        <p14:creationId xmlns:p14="http://schemas.microsoft.com/office/powerpoint/2010/main" val="804225036"/>
       </p:ext>
     </p:extLst>
   </p:cSld>
   <p:clrMapOvr>
     <a:masterClrMapping/>
   </p:clrMapOvr>
+  <p:timing>
+    <p:tnLst>
+      <p:par>
+        <p:cTn xmlns:p14="http://schemas.microsoft.com/office/powerpoint/2010/main" id="1" dur="indefinite" restart="never" nodeType="tmRoot"/>
+      </p:par>
+    </p:tnLst>
+  </p:timing>
 </p:sld>
 </file>
 
@@ -8033,7 +9434,7 @@
             </a:r>
             <a:r>
               <a:rPr lang="en-US" dirty="0" err="1" smtClean="0"/>
-              <a:t>DevGovFinSecQANetOps</a:t>
+              <a:t>DevSecQAOps</a:t>
             </a:r>
             <a:endParaRPr lang="en-US" dirty="0"/>
           </a:p>
@@ -8055,19 +9456,76 @@
           <a:lstStyle/>
           <a:p>
             <a:endParaRPr lang="en-US"/>
+          </a:p>
+        </p:txBody>
+      </p:sp>
+      <p:sp>
+        <p:nvSpPr>
+          <p:cNvPr id="4" name="Footer Placeholder 3"/>
+          <p:cNvSpPr>
+            <a:spLocks noGrp="1"/>
+          </p:cNvSpPr>
+          <p:nvPr>
+            <p:ph type="ftr" sz="quarter" idx="11"/>
+          </p:nvPr>
+        </p:nvSpPr>
+        <p:spPr/>
+        <p:txBody>
+          <a:bodyPr/>
+          <a:lstStyle/>
+          <a:p>
+            <a:r>
+              <a:rPr lang="en-US" dirty="0" smtClean="0"/>
+              <a:t>Enterprise </a:t>
+            </a:r>
+            <a:r>
+              <a:rPr lang="en-US" dirty="0" err="1" smtClean="0"/>
+              <a:t>DevSecQAOps</a:t>
+            </a:r>
+            <a:endParaRPr lang="en-US" dirty="0"/>
+          </a:p>
+        </p:txBody>
+      </p:sp>
+      <p:sp>
+        <p:nvSpPr>
+          <p:cNvPr id="5" name="Slide Number Placeholder 4"/>
+          <p:cNvSpPr>
+            <a:spLocks noGrp="1"/>
+          </p:cNvSpPr>
+          <p:nvPr>
+            <p:ph type="sldNum" sz="quarter" idx="12"/>
+          </p:nvPr>
+        </p:nvSpPr>
+        <p:spPr/>
+        <p:txBody>
+          <a:bodyPr/>
+          <a:lstStyle/>
+          <a:p>
+            <a:r>
+              <a:rPr lang="en-US" smtClean="0"/>
+              <a:t>@nathenharvey</a:t>
+            </a:r>
+            <a:endParaRPr lang="en-US" dirty="0"/>
           </a:p>
         </p:txBody>
       </p:sp>
     </p:spTree>
     <p:extLst>
       <p:ext uri="{BB962C8B-B14F-4D97-AF65-F5344CB8AC3E}">
-        <p14:creationId xmlns:p14="http://schemas.microsoft.com/office/powerpoint/2010/main" val="978298690"/>
+        <p14:creationId xmlns:p14="http://schemas.microsoft.com/office/powerpoint/2010/main" val="1609246463"/>
       </p:ext>
     </p:extLst>
   </p:cSld>
   <p:clrMapOvr>
     <a:masterClrMapping/>
   </p:clrMapOvr>
+  <p:timing>
+    <p:tnLst>
+      <p:par>
+        <p:cTn xmlns:p14="http://schemas.microsoft.com/office/powerpoint/2010/main" id="1" dur="indefinite" restart="never" nodeType="tmRoot"/>
+      </p:par>
+    </p:tnLst>
+  </p:timing>
 </p:sld>
 </file>
 
@@ -8769,7 +10227,7 @@
   <a:extraClrSchemeLst/>
   <a:extLst>
     <a:ext uri="{05A4C25C-085E-4340-85A3-A5531E510DB2}">
-      <thm15:themeFamily xmlns="" xmlns:thm15="http://schemas.microsoft.com/office/thememl/2012/main" name="Chef-Template-16x9-Blue.potx" id="{AEDCA41E-F161-4EBB-B511-A8687687A8DC}" vid="{64ECDA82-38C2-4FAD-B0A3-D276970F43D1}"/>
+      <thm15:themeFamily xmlns:thm15="http://schemas.microsoft.com/office/thememl/2012/main" xmlns="" name="Chef-Template-16x9-Blue.potx" id="{AEDCA41E-F161-4EBB-B511-A8687687A8DC}" vid="{64ECDA82-38C2-4FAD-B0A3-D276970F43D1}"/>
     </a:ext>
   </a:extLst>
 </a:theme>
@@ -9413,47 +10871,4 @@
   </a:objectDefaults>
   <a:extraClrSchemeLst/>
 </a:theme>
-</file>
-
-<file path=ppt/theme/themeOverride1.xml><?xml version="1.0" encoding="utf-8"?>
-<a:themeOverride xmlns:a="http://schemas.openxmlformats.org/drawingml/2006/main">
-  <a:clrScheme name="Custom 9">
-    <a:dk1>
-      <a:srgbClr val="3E4346"/>
-    </a:dk1>
-    <a:lt1>
-      <a:srgbClr val="FFFFFF"/>
-    </a:lt1>
-    <a:dk2>
-      <a:srgbClr val="000000"/>
-    </a:dk2>
-    <a:lt2>
-      <a:srgbClr val="FFFFFF"/>
-    </a:lt2>
-    <a:accent1>
-      <a:srgbClr val="F18B21"/>
-    </a:accent1>
-    <a:accent2>
-      <a:srgbClr val="435464"/>
-    </a:accent2>
-    <a:accent3>
-      <a:srgbClr val="7D868C"/>
-    </a:accent3>
-    <a:accent4>
-      <a:srgbClr val="6BB2E2"/>
-    </a:accent4>
-    <a:accent5>
-      <a:srgbClr val="5AB7B2"/>
-    </a:accent5>
-    <a:accent6>
-      <a:srgbClr val="FDB714"/>
-    </a:accent6>
-    <a:hlink>
-      <a:srgbClr val="6BB2E2"/>
-    </a:hlink>
-    <a:folHlink>
-      <a:srgbClr val="FDB714"/>
-    </a:folHlink>
-  </a:clrScheme>
-</a:themeOverride>
 </file>
--- a/Rugged Enterprise DevSecNetQAGovOps - Nathen Harvey - Ignite.pptx
+++ b/Rugged Enterprise DevSecNetQAGovOps - Nathen Harvey - Ignite.pptx
@@ -3184,10 +3184,10 @@
           <a:bodyPr/>
           <a:lstStyle/>
           <a:p>
-            <a:r>
+            <a:fld id="{AEC50557-70B4-234A-81F4-0A0959BC740F}" type="slidenum">
               <a:rPr lang="en-US" smtClean="0"/>
               <a:t>‹#›</a:t>
-            </a:r>
+            </a:fld>
             <a:endParaRPr lang="en-US" dirty="0"/>
           </a:p>
         </p:txBody>
@@ -5789,12 +5789,14 @@
                     <a:tint val="75000"/>
                   </a:schemeClr>
                 </a:solidFill>
+                <a:latin typeface="Gill Sans"/>
+                <a:cs typeface="Gill Sans"/>
               </a:defRPr>
             </a:lvl1pPr>
           </a:lstStyle>
           <a:p>
             <a:r>
-              <a:rPr lang="en-US" smtClean="0"/>
+              <a:rPr lang="en-US" dirty="0" smtClean="0"/>
               <a:t>‹#›</a:t>
             </a:r>
             <a:endParaRPr lang="en-US" dirty="0"/>
@@ -5830,6 +5832,8 @@
                     <a:tint val="75000"/>
                   </a:schemeClr>
                 </a:solidFill>
+                <a:latin typeface="Gill Sans"/>
+                <a:cs typeface="Gill Sans"/>
               </a:defRPr>
             </a:lvl1pPr>
           </a:lstStyle>
@@ -5867,6 +5871,8 @@
                     <a:tint val="75000"/>
                   </a:schemeClr>
                 </a:solidFill>
+                <a:latin typeface="Gill Sans"/>
+                <a:cs typeface="Gill Sans"/>
               </a:defRPr>
             </a:lvl1pPr>
           </a:lstStyle>
@@ -6941,6 +6947,35 @@
           </a:p>
         </p:txBody>
       </p:sp>
+      <p:sp>
+        <p:nvSpPr>
+          <p:cNvPr id="7" name="Date Placeholder 6"/>
+          <p:cNvSpPr>
+            <a:spLocks noGrp="1"/>
+          </p:cNvSpPr>
+          <p:nvPr>
+            <p:ph type="dt" sz="half" idx="10"/>
+          </p:nvPr>
+        </p:nvSpPr>
+        <p:spPr/>
+        <p:txBody>
+          <a:bodyPr/>
+          <a:lstStyle/>
+          <a:p>
+            <a:fld id="{1275BF0B-6680-4A49-9F6E-ED1F45D1F6BD}" type="slidenum">
+              <a:rPr lang="en-US" smtClean="0">
+                <a:latin typeface="Gill Sans"/>
+                <a:cs typeface="Gill Sans"/>
+              </a:rPr>
+              <a:t>10</a:t>
+            </a:fld>
+            <a:endParaRPr lang="en-US" dirty="0">
+              <a:latin typeface="Gill Sans"/>
+              <a:cs typeface="Gill Sans"/>
+            </a:endParaRPr>
+          </a:p>
+        </p:txBody>
+      </p:sp>
     </p:spTree>
     <p:extLst>
       <p:ext uri="{BB962C8B-B14F-4D97-AF65-F5344CB8AC3E}">
@@ -7040,12 +7075,8 @@
           <a:lstStyle/>
           <a:p>
             <a:r>
-              <a:rPr lang="en-US" dirty="0" smtClean="0"/>
-              <a:t>Enterprise </a:t>
-            </a:r>
-            <a:r>
-              <a:rPr lang="en-US" dirty="0" err="1" smtClean="0"/>
-              <a:t>DevFinSecNetQAOps</a:t>
+              <a:rPr lang="en-US" smtClean="0"/>
+              <a:t>Enterprise DevFinSecNetQAOps</a:t>
             </a:r>
             <a:endParaRPr lang="en-US" dirty="0"/>
           </a:p>
@@ -7070,6 +7101,29 @@
               <a:rPr lang="en-US" smtClean="0"/>
               <a:t>@nathenharvey</a:t>
             </a:r>
+            <a:endParaRPr lang="en-US" dirty="0"/>
+          </a:p>
+        </p:txBody>
+      </p:sp>
+      <p:sp>
+        <p:nvSpPr>
+          <p:cNvPr id="7" name="Date Placeholder 6"/>
+          <p:cNvSpPr>
+            <a:spLocks noGrp="1"/>
+          </p:cNvSpPr>
+          <p:nvPr>
+            <p:ph type="dt" sz="half" idx="10"/>
+          </p:nvPr>
+        </p:nvSpPr>
+        <p:spPr/>
+        <p:txBody>
+          <a:bodyPr/>
+          <a:lstStyle/>
+          <a:p>
+            <a:fld id="{0F97CFE1-0345-1C4D-80C0-17B70F5DE6A4}" type="slidenum">
+              <a:rPr lang="en-US" smtClean="0"/>
+              <a:t>11</a:t>
+            </a:fld>
             <a:endParaRPr lang="en-US" dirty="0"/>
           </a:p>
         </p:txBody>
@@ -7173,12 +7227,8 @@
           <a:lstStyle/>
           <a:p>
             <a:r>
-              <a:rPr lang="en-US" dirty="0" smtClean="0"/>
-              <a:t>Enterprise </a:t>
-            </a:r>
-            <a:r>
-              <a:rPr lang="en-US" dirty="0" err="1" smtClean="0"/>
-              <a:t>DevFinSecNetQAGovOps</a:t>
+              <a:rPr lang="en-US" smtClean="0"/>
+              <a:t>Enterprise DevFinSecNetQAGovOps</a:t>
             </a:r>
             <a:endParaRPr lang="en-US" dirty="0"/>
           </a:p>
@@ -7203,6 +7253,29 @@
               <a:rPr lang="en-US" smtClean="0"/>
               <a:t>@nathenharvey</a:t>
             </a:r>
+            <a:endParaRPr lang="en-US" dirty="0"/>
+          </a:p>
+        </p:txBody>
+      </p:sp>
+      <p:sp>
+        <p:nvSpPr>
+          <p:cNvPr id="7" name="Date Placeholder 6"/>
+          <p:cNvSpPr>
+            <a:spLocks noGrp="1"/>
+          </p:cNvSpPr>
+          <p:nvPr>
+            <p:ph type="dt" sz="half" idx="10"/>
+          </p:nvPr>
+        </p:nvSpPr>
+        <p:spPr/>
+        <p:txBody>
+          <a:bodyPr/>
+          <a:lstStyle/>
+          <a:p>
+            <a:fld id="{BF3EBB9A-FF65-8440-A074-B3E8E4248C32}" type="slidenum">
+              <a:rPr lang="en-US" smtClean="0"/>
+              <a:t>12</a:t>
+            </a:fld>
             <a:endParaRPr lang="en-US" dirty="0"/>
           </a:p>
         </p:txBody>
@@ -7306,12 +7379,8 @@
           <a:lstStyle/>
           <a:p>
             <a:r>
-              <a:rPr lang="en-US" dirty="0"/>
-              <a:t>Enterprise </a:t>
-            </a:r>
-            <a:r>
-              <a:rPr lang="en-US" dirty="0" err="1" smtClean="0"/>
-              <a:t>DevFinSecNetQAGovOps</a:t>
+              <a:rPr lang="en-US" smtClean="0"/>
+              <a:t>Enterprise DevFinSecNetQAGovOps</a:t>
             </a:r>
             <a:endParaRPr lang="en-US" dirty="0"/>
           </a:p>
@@ -7336,6 +7405,29 @@
               <a:rPr lang="en-US" smtClean="0"/>
               <a:t>@nathenharvey</a:t>
             </a:r>
+            <a:endParaRPr lang="en-US" dirty="0"/>
+          </a:p>
+        </p:txBody>
+      </p:sp>
+      <p:sp>
+        <p:nvSpPr>
+          <p:cNvPr id="7" name="Date Placeholder 6"/>
+          <p:cNvSpPr>
+            <a:spLocks noGrp="1"/>
+          </p:cNvSpPr>
+          <p:nvPr>
+            <p:ph type="dt" sz="half" idx="10"/>
+          </p:nvPr>
+        </p:nvSpPr>
+        <p:spPr/>
+        <p:txBody>
+          <a:bodyPr/>
+          <a:lstStyle/>
+          <a:p>
+            <a:fld id="{B05B2676-4C1E-A641-8E6D-687050C68724}" type="slidenum">
+              <a:rPr lang="en-US" smtClean="0"/>
+              <a:t>13</a:t>
+            </a:fld>
             <a:endParaRPr lang="en-US" dirty="0"/>
           </a:p>
         </p:txBody>
@@ -7439,12 +7531,8 @@
           <a:lstStyle/>
           <a:p>
             <a:r>
-              <a:rPr lang="en-US" dirty="0"/>
-              <a:t>Enterprise </a:t>
-            </a:r>
-            <a:r>
-              <a:rPr lang="en-US" dirty="0" err="1" smtClean="0"/>
-              <a:t>DevHRFinSecNetQAGovOps</a:t>
+              <a:rPr lang="en-US" smtClean="0"/>
+              <a:t>Enterprise DevHRFinSecNetQAGovOps</a:t>
             </a:r>
             <a:endParaRPr lang="en-US" dirty="0"/>
           </a:p>
@@ -7469,6 +7557,29 @@
               <a:rPr lang="en-US" smtClean="0"/>
               <a:t>@nathenharvey</a:t>
             </a:r>
+            <a:endParaRPr lang="en-US" dirty="0"/>
+          </a:p>
+        </p:txBody>
+      </p:sp>
+      <p:sp>
+        <p:nvSpPr>
+          <p:cNvPr id="7" name="Date Placeholder 6"/>
+          <p:cNvSpPr>
+            <a:spLocks noGrp="1"/>
+          </p:cNvSpPr>
+          <p:nvPr>
+            <p:ph type="dt" sz="half" idx="10"/>
+          </p:nvPr>
+        </p:nvSpPr>
+        <p:spPr/>
+        <p:txBody>
+          <a:bodyPr/>
+          <a:lstStyle/>
+          <a:p>
+            <a:fld id="{7848AFF0-1BDC-C94C-8FD2-B1FC030407B2}" type="slidenum">
+              <a:rPr lang="en-US" smtClean="0"/>
+              <a:t>14</a:t>
+            </a:fld>
             <a:endParaRPr lang="en-US" dirty="0"/>
           </a:p>
         </p:txBody>
@@ -7574,12 +7685,8 @@
           <a:lstStyle/>
           <a:p>
             <a:r>
-              <a:rPr lang="en-US" dirty="0" smtClean="0"/>
-              <a:t>Rugged Enterprise </a:t>
-            </a:r>
-            <a:r>
-              <a:rPr lang="en-US" dirty="0" err="1" smtClean="0"/>
-              <a:t>DevHRFinSecNetQAGovOps</a:t>
+              <a:rPr lang="en-US" smtClean="0"/>
+              <a:t>Rugged Enterprise DevHRFinSecNetQAGovOps</a:t>
             </a:r>
             <a:endParaRPr lang="en-US" dirty="0"/>
           </a:p>
@@ -7604,6 +7711,29 @@
               <a:rPr lang="en-US" smtClean="0"/>
               <a:t>@nathenharvey</a:t>
             </a:r>
+            <a:endParaRPr lang="en-US" dirty="0"/>
+          </a:p>
+        </p:txBody>
+      </p:sp>
+      <p:sp>
+        <p:nvSpPr>
+          <p:cNvPr id="7" name="Date Placeholder 6"/>
+          <p:cNvSpPr>
+            <a:spLocks noGrp="1"/>
+          </p:cNvSpPr>
+          <p:nvPr>
+            <p:ph type="dt" sz="half" idx="10"/>
+          </p:nvPr>
+        </p:nvSpPr>
+        <p:spPr/>
+        <p:txBody>
+          <a:bodyPr/>
+          <a:lstStyle/>
+          <a:p>
+            <a:fld id="{912740DD-798E-A047-82DB-E2CDD7114910}" type="slidenum">
+              <a:rPr lang="en-US" smtClean="0"/>
+              <a:t>15</a:t>
+            </a:fld>
             <a:endParaRPr lang="en-US" dirty="0"/>
           </a:p>
         </p:txBody>
@@ -7709,12 +7839,8 @@
           <a:lstStyle/>
           <a:p>
             <a:r>
-              <a:rPr lang="en-US" dirty="0"/>
-              <a:t>Rugged Enterprise </a:t>
-            </a:r>
-            <a:r>
-              <a:rPr lang="en-US" dirty="0" err="1" smtClean="0"/>
-              <a:t>DevLegalHRFinSecNetQAGovOps</a:t>
+              <a:rPr lang="en-US" smtClean="0"/>
+              <a:t>Rugged Enterprise DevLegalHRFinSecNetQAGovOps</a:t>
             </a:r>
             <a:endParaRPr lang="en-US" dirty="0"/>
           </a:p>
@@ -7739,6 +7865,29 @@
               <a:rPr lang="en-US" smtClean="0"/>
               <a:t>@nathenharvey</a:t>
             </a:r>
+            <a:endParaRPr lang="en-US" dirty="0"/>
+          </a:p>
+        </p:txBody>
+      </p:sp>
+      <p:sp>
+        <p:nvSpPr>
+          <p:cNvPr id="7" name="Date Placeholder 6"/>
+          <p:cNvSpPr>
+            <a:spLocks noGrp="1"/>
+          </p:cNvSpPr>
+          <p:nvPr>
+            <p:ph type="dt" sz="half" idx="10"/>
+          </p:nvPr>
+        </p:nvSpPr>
+        <p:spPr/>
+        <p:txBody>
+          <a:bodyPr/>
+          <a:lstStyle/>
+          <a:p>
+            <a:fld id="{6AFE8A42-44F3-364A-A9F8-3130D58D2BDB}" type="slidenum">
+              <a:rPr lang="en-US" smtClean="0"/>
+              <a:t>16</a:t>
+            </a:fld>
             <a:endParaRPr lang="en-US" dirty="0"/>
           </a:p>
         </p:txBody>
@@ -7844,12 +7993,8 @@
           <a:lstStyle/>
           <a:p>
             <a:r>
-              <a:rPr lang="en-US" dirty="0"/>
-              <a:t>Rugged Enterprise </a:t>
-            </a:r>
-            <a:r>
-              <a:rPr lang="en-US" dirty="0" err="1" smtClean="0"/>
-              <a:t>DevLegalHRFinSecNetQAGovCustOps</a:t>
+              <a:rPr lang="en-US" smtClean="0"/>
+              <a:t>Rugged Enterprise DevLegalHRFinSecNetQAGovCustOps</a:t>
             </a:r>
             <a:endParaRPr lang="en-US" dirty="0"/>
           </a:p>
@@ -7874,6 +8019,29 @@
               <a:rPr lang="en-US" smtClean="0"/>
               <a:t>@nathenharvey</a:t>
             </a:r>
+            <a:endParaRPr lang="en-US" dirty="0"/>
+          </a:p>
+        </p:txBody>
+      </p:sp>
+      <p:sp>
+        <p:nvSpPr>
+          <p:cNvPr id="7" name="Date Placeholder 6"/>
+          <p:cNvSpPr>
+            <a:spLocks noGrp="1"/>
+          </p:cNvSpPr>
+          <p:nvPr>
+            <p:ph type="dt" sz="half" idx="10"/>
+          </p:nvPr>
+        </p:nvSpPr>
+        <p:spPr/>
+        <p:txBody>
+          <a:bodyPr/>
+          <a:lstStyle/>
+          <a:p>
+            <a:fld id="{A572FD2D-47B2-BE45-8DA4-EC176A91C74C}" type="slidenum">
+              <a:rPr lang="en-US" smtClean="0"/>
+              <a:t>17</a:t>
+            </a:fld>
             <a:endParaRPr lang="en-US" dirty="0"/>
           </a:p>
         </p:txBody>
@@ -7975,7 +8143,7 @@
           <a:lstStyle/>
           <a:p>
             <a:r>
-              <a:rPr lang="en-US" dirty="0" smtClean="0"/>
+              <a:rPr lang="en-US" smtClean="0"/>
               <a:t>Have your cake and eat it, too</a:t>
             </a:r>
             <a:endParaRPr lang="en-US" dirty="0"/>
@@ -8001,6 +8169,29 @@
               <a:rPr lang="en-US" smtClean="0"/>
               <a:t>@nathenharvey</a:t>
             </a:r>
+            <a:endParaRPr lang="en-US" dirty="0"/>
+          </a:p>
+        </p:txBody>
+      </p:sp>
+      <p:sp>
+        <p:nvSpPr>
+          <p:cNvPr id="7" name="Date Placeholder 6"/>
+          <p:cNvSpPr>
+            <a:spLocks noGrp="1"/>
+          </p:cNvSpPr>
+          <p:nvPr>
+            <p:ph type="dt" sz="half" idx="10"/>
+          </p:nvPr>
+        </p:nvSpPr>
+        <p:spPr/>
+        <p:txBody>
+          <a:bodyPr/>
+          <a:lstStyle/>
+          <a:p>
+            <a:fld id="{A2D2F323-0578-8C41-A398-6F428D51576D}" type="slidenum">
+              <a:rPr lang="en-US" smtClean="0"/>
+              <a:t>18</a:t>
+            </a:fld>
             <a:endParaRPr lang="en-US" dirty="0"/>
           </a:p>
         </p:txBody>
@@ -8333,6 +8524,35 @@
               <a:t>@nathenharvey</a:t>
             </a:r>
             <a:endParaRPr lang="en-US" dirty="0"/>
+          </a:p>
+        </p:txBody>
+      </p:sp>
+      <p:sp>
+        <p:nvSpPr>
+          <p:cNvPr id="9" name="Date Placeholder 8"/>
+          <p:cNvSpPr>
+            <a:spLocks noGrp="1"/>
+          </p:cNvSpPr>
+          <p:nvPr>
+            <p:ph type="dt" sz="half" idx="10"/>
+          </p:nvPr>
+        </p:nvSpPr>
+        <p:spPr/>
+        <p:txBody>
+          <a:bodyPr/>
+          <a:lstStyle/>
+          <a:p>
+            <a:fld id="{C8F782A0-18FD-9048-A49B-9426E7DA99D9}" type="slidenum">
+              <a:rPr lang="en-US" smtClean="0">
+                <a:latin typeface="Gill Sans"/>
+                <a:cs typeface="Gill Sans"/>
+              </a:rPr>
+              <a:t>2</a:t>
+            </a:fld>
+            <a:endParaRPr lang="en-US" dirty="0">
+              <a:latin typeface="Gill Sans"/>
+              <a:cs typeface="Gill Sans"/>
+            </a:endParaRPr>
           </a:p>
         </p:txBody>
       </p:sp>
@@ -8437,8 +8657,23 @@
                 </a:solidFill>
                 <a:latin typeface="Arial"/>
               </a:rPr>
-              <a:t>WHO PRACTICES IT?</a:t>
-            </a:r>
+              <a:t>WHO PRACTICES </a:t>
+            </a:r>
+            <a:r>
+              <a:rPr lang="en-US" sz="6100" kern="0" dirty="0" smtClean="0">
+                <a:solidFill>
+                  <a:srgbClr val="FFFFFF"/>
+                </a:solidFill>
+                <a:latin typeface="Arial"/>
+              </a:rPr>
+              <a:t>DEVOPS?</a:t>
+            </a:r>
+            <a:endParaRPr lang="en-US" sz="6100" kern="0" dirty="0">
+              <a:solidFill>
+                <a:srgbClr val="FFFFFF"/>
+              </a:solidFill>
+              <a:latin typeface="Arial"/>
+            </a:endParaRPr>
           </a:p>
           <a:p>
             <a:pPr algn="ctr" defTabSz="914400"/>
@@ -8537,39 +8772,24 @@
       </p:sp>
       <p:sp>
         <p:nvSpPr>
-          <p:cNvPr id="7" name="Content Placeholder 6"/>
-          <p:cNvSpPr>
-            <a:spLocks noGrp="1"/>
-          </p:cNvSpPr>
-          <p:nvPr>
-            <p:ph sz="quarter" idx="13"/>
-          </p:nvPr>
-        </p:nvSpPr>
-        <p:spPr/>
-        <p:txBody>
-          <a:bodyPr/>
-          <a:lstStyle/>
-          <a:p>
-            <a:endParaRPr lang="en-US"/>
-          </a:p>
-        </p:txBody>
-      </p:sp>
-      <p:sp>
-        <p:nvSpPr>
-          <p:cNvPr id="8" name="Text Placeholder 7"/>
-          <p:cNvSpPr>
-            <a:spLocks noGrp="1"/>
-          </p:cNvSpPr>
-          <p:nvPr>
-            <p:ph type="body" sz="quarter" idx="14"/>
-          </p:nvPr>
-        </p:nvSpPr>
-        <p:spPr/>
-        <p:txBody>
-          <a:bodyPr/>
-          <a:lstStyle/>
-          <a:p>
-            <a:endParaRPr lang="en-US"/>
+          <p:cNvPr id="12" name="Date Placeholder 11"/>
+          <p:cNvSpPr>
+            <a:spLocks noGrp="1"/>
+          </p:cNvSpPr>
+          <p:nvPr>
+            <p:ph type="dt" sz="half" idx="10"/>
+          </p:nvPr>
+        </p:nvSpPr>
+        <p:spPr/>
+        <p:txBody>
+          <a:bodyPr/>
+          <a:lstStyle/>
+          <a:p>
+            <a:fld id="{ED336373-D598-6642-A813-ACC41238DA38}" type="slidenum">
+              <a:rPr lang="en-US" smtClean="0"/>
+              <a:t>20</a:t>
+            </a:fld>
+            <a:endParaRPr lang="en-US" dirty="0"/>
           </a:p>
         </p:txBody>
       </p:sp>
@@ -8588,7 +8808,11 @@
           <a:bodyPr/>
           <a:lstStyle/>
           <a:p>
-            <a:endParaRPr lang="en-US"/>
+            <a:r>
+              <a:rPr lang="en-US" dirty="0" err="1" smtClean="0"/>
+              <a:t>DevOps</a:t>
+            </a:r>
+            <a:endParaRPr lang="en-US" dirty="0"/>
           </a:p>
         </p:txBody>
       </p:sp>
@@ -8608,8 +8832,12 @@
           <a:lstStyle/>
           <a:p>
             <a:r>
-              <a:rPr lang="en-US" smtClean="0"/>
-              <a:t>@nathenharvey</a:t>
+              <a:rPr lang="en-US" dirty="0" smtClean="0"/>
+              <a:t>@</a:t>
+            </a:r>
+            <a:r>
+              <a:rPr lang="en-US" dirty="0" err="1" smtClean="0"/>
+              <a:t>nathenharvey</a:t>
             </a:r>
             <a:endParaRPr lang="en-US" dirty="0"/>
           </a:p>
@@ -8722,7 +8950,7 @@
           <a:lstStyle/>
           <a:p>
             <a:r>
-              <a:rPr lang="en-US" dirty="0" smtClean="0"/>
+              <a:rPr lang="en-US" smtClean="0"/>
               <a:t>Cloud</a:t>
             </a:r>
             <a:endParaRPr lang="en-US" dirty="0"/>
@@ -8749,6 +8977,35 @@
               <a:t>@nathenharvey</a:t>
             </a:r>
             <a:endParaRPr lang="en-US" dirty="0"/>
+          </a:p>
+        </p:txBody>
+      </p:sp>
+      <p:sp>
+        <p:nvSpPr>
+          <p:cNvPr id="7" name="Date Placeholder 6"/>
+          <p:cNvSpPr>
+            <a:spLocks noGrp="1"/>
+          </p:cNvSpPr>
+          <p:nvPr>
+            <p:ph type="dt" sz="half" idx="10"/>
+          </p:nvPr>
+        </p:nvSpPr>
+        <p:spPr/>
+        <p:txBody>
+          <a:bodyPr/>
+          <a:lstStyle/>
+          <a:p>
+            <a:fld id="{3024ECE4-7AC2-0743-96BF-D7658DBE23DE}" type="slidenum">
+              <a:rPr lang="en-US" smtClean="0">
+                <a:latin typeface="Gill Sans"/>
+                <a:cs typeface="Gill Sans"/>
+              </a:rPr>
+              <a:t>3</a:t>
+            </a:fld>
+            <a:endParaRPr lang="en-US" dirty="0">
+              <a:latin typeface="Gill Sans"/>
+              <a:cs typeface="Gill Sans"/>
+            </a:endParaRPr>
           </a:p>
         </p:txBody>
       </p:sp>
@@ -8847,7 +9104,7 @@
           <a:lstStyle/>
           <a:p>
             <a:r>
-              <a:rPr lang="en-US" dirty="0" smtClean="0"/>
+              <a:rPr lang="en-US" smtClean="0"/>
               <a:t>Developers Operating</a:t>
             </a:r>
             <a:endParaRPr lang="en-US" dirty="0"/>
@@ -8874,6 +9131,35 @@
               <a:t>@nathenharvey</a:t>
             </a:r>
             <a:endParaRPr lang="en-US" dirty="0"/>
+          </a:p>
+        </p:txBody>
+      </p:sp>
+      <p:sp>
+        <p:nvSpPr>
+          <p:cNvPr id="7" name="Date Placeholder 6"/>
+          <p:cNvSpPr>
+            <a:spLocks noGrp="1"/>
+          </p:cNvSpPr>
+          <p:nvPr>
+            <p:ph type="dt" sz="half" idx="10"/>
+          </p:nvPr>
+        </p:nvSpPr>
+        <p:spPr/>
+        <p:txBody>
+          <a:bodyPr/>
+          <a:lstStyle/>
+          <a:p>
+            <a:fld id="{1C1268CB-91BA-9D44-892E-6E98D681B458}" type="slidenum">
+              <a:rPr lang="en-US" smtClean="0">
+                <a:latin typeface="Gill Sans"/>
+                <a:cs typeface="Gill Sans"/>
+              </a:rPr>
+              <a:t>4</a:t>
+            </a:fld>
+            <a:endParaRPr lang="en-US" dirty="0">
+              <a:latin typeface="Gill Sans"/>
+              <a:cs typeface="Gill Sans"/>
+            </a:endParaRPr>
           </a:p>
         </p:txBody>
       </p:sp>
@@ -8972,9 +9258,10 @@
           <a:lstStyle/>
           <a:p>
             <a:r>
-              <a:rPr lang="en-US" dirty="0" smtClean="0"/>
+              <a:rPr lang="en-US" smtClean="0"/>
               <a:t>Operators Developing</a:t>
             </a:r>
+            <a:endParaRPr lang="en-US" dirty="0" smtClean="0"/>
           </a:p>
         </p:txBody>
       </p:sp>
@@ -8998,6 +9285,35 @@
               <a:t>@nathenharvey</a:t>
             </a:r>
             <a:endParaRPr lang="en-US" dirty="0"/>
+          </a:p>
+        </p:txBody>
+      </p:sp>
+      <p:sp>
+        <p:nvSpPr>
+          <p:cNvPr id="8" name="Date Placeholder 7"/>
+          <p:cNvSpPr>
+            <a:spLocks noGrp="1"/>
+          </p:cNvSpPr>
+          <p:nvPr>
+            <p:ph type="dt" sz="half" idx="10"/>
+          </p:nvPr>
+        </p:nvSpPr>
+        <p:spPr/>
+        <p:txBody>
+          <a:bodyPr/>
+          <a:lstStyle/>
+          <a:p>
+            <a:fld id="{E4D7E07A-D645-1E43-93CD-C543A42E1EC2}" type="slidenum">
+              <a:rPr lang="en-US" smtClean="0">
+                <a:latin typeface="Gill Sans"/>
+                <a:cs typeface="Gill Sans"/>
+              </a:rPr>
+              <a:t>5</a:t>
+            </a:fld>
+            <a:endParaRPr lang="en-US" dirty="0">
+              <a:latin typeface="Gill Sans"/>
+              <a:cs typeface="Gill Sans"/>
+            </a:endParaRPr>
           </a:p>
         </p:txBody>
       </p:sp>
@@ -9096,7 +9412,7 @@
           <a:lstStyle/>
           <a:p>
             <a:r>
-              <a:rPr lang="en-US" dirty="0" err="1" smtClean="0"/>
+              <a:rPr lang="en-US" smtClean="0"/>
               <a:t>DevOps</a:t>
             </a:r>
             <a:endParaRPr lang="en-US" dirty="0"/>
@@ -9123,6 +9439,35 @@
               <a:t>@nathenharvey</a:t>
             </a:r>
             <a:endParaRPr lang="en-US" dirty="0"/>
+          </a:p>
+        </p:txBody>
+      </p:sp>
+      <p:sp>
+        <p:nvSpPr>
+          <p:cNvPr id="7" name="Date Placeholder 6"/>
+          <p:cNvSpPr>
+            <a:spLocks noGrp="1"/>
+          </p:cNvSpPr>
+          <p:nvPr>
+            <p:ph type="dt" sz="half" idx="10"/>
+          </p:nvPr>
+        </p:nvSpPr>
+        <p:spPr/>
+        <p:txBody>
+          <a:bodyPr/>
+          <a:lstStyle/>
+          <a:p>
+            <a:fld id="{F0A1D350-C7DF-3A46-A30D-87C7497FDBDB}" type="slidenum">
+              <a:rPr lang="en-US" smtClean="0">
+                <a:latin typeface="Gill Sans"/>
+                <a:cs typeface="Gill Sans"/>
+              </a:rPr>
+              <a:t>6</a:t>
+            </a:fld>
+            <a:endParaRPr lang="en-US" dirty="0">
+              <a:latin typeface="Gill Sans"/>
+              <a:cs typeface="Gill Sans"/>
+            </a:endParaRPr>
           </a:p>
         </p:txBody>
       </p:sp>
@@ -9221,7 +9566,7 @@
           <a:lstStyle/>
           <a:p>
             <a:r>
-              <a:rPr lang="en-US" dirty="0" err="1" smtClean="0"/>
+              <a:rPr lang="en-US" smtClean="0"/>
               <a:t>DevQAOps</a:t>
             </a:r>
             <a:endParaRPr lang="en-US" dirty="0"/>
@@ -9248,6 +9593,35 @@
               <a:t>@nathenharvey</a:t>
             </a:r>
             <a:endParaRPr lang="en-US" dirty="0"/>
+          </a:p>
+        </p:txBody>
+      </p:sp>
+      <p:sp>
+        <p:nvSpPr>
+          <p:cNvPr id="7" name="Date Placeholder 6"/>
+          <p:cNvSpPr>
+            <a:spLocks noGrp="1"/>
+          </p:cNvSpPr>
+          <p:nvPr>
+            <p:ph type="dt" sz="half" idx="10"/>
+          </p:nvPr>
+        </p:nvSpPr>
+        <p:spPr/>
+        <p:txBody>
+          <a:bodyPr/>
+          <a:lstStyle/>
+          <a:p>
+            <a:fld id="{ABB497A5-058E-D647-A467-38FEBB91BEF4}" type="slidenum">
+              <a:rPr lang="en-US" smtClean="0">
+                <a:latin typeface="Gill Sans"/>
+                <a:cs typeface="Gill Sans"/>
+              </a:rPr>
+              <a:t>7</a:t>
+            </a:fld>
+            <a:endParaRPr lang="en-US" dirty="0">
+              <a:latin typeface="Gill Sans"/>
+              <a:cs typeface="Gill Sans"/>
+            </a:endParaRPr>
           </a:p>
         </p:txBody>
       </p:sp>
@@ -9346,7 +9720,7 @@
           <a:lstStyle/>
           <a:p>
             <a:r>
-              <a:rPr lang="en-US" dirty="0" err="1" smtClean="0"/>
+              <a:rPr lang="en-US" smtClean="0"/>
               <a:t>DevSecQAOps</a:t>
             </a:r>
             <a:endParaRPr lang="en-US" dirty="0"/>
@@ -9373,6 +9747,35 @@
               <a:t>@nathenharvey</a:t>
             </a:r>
             <a:endParaRPr lang="en-US" dirty="0"/>
+          </a:p>
+        </p:txBody>
+      </p:sp>
+      <p:sp>
+        <p:nvSpPr>
+          <p:cNvPr id="7" name="Date Placeholder 6"/>
+          <p:cNvSpPr>
+            <a:spLocks noGrp="1"/>
+          </p:cNvSpPr>
+          <p:nvPr>
+            <p:ph type="dt" sz="half" idx="10"/>
+          </p:nvPr>
+        </p:nvSpPr>
+        <p:spPr/>
+        <p:txBody>
+          <a:bodyPr/>
+          <a:lstStyle/>
+          <a:p>
+            <a:fld id="{4CFDB11B-9329-B840-AC36-12056DAAACDC}" type="slidenum">
+              <a:rPr lang="en-US" smtClean="0">
+                <a:latin typeface="Gill Sans"/>
+                <a:cs typeface="Gill Sans"/>
+              </a:rPr>
+              <a:t>8</a:t>
+            </a:fld>
+            <a:endParaRPr lang="en-US" dirty="0">
+              <a:latin typeface="Gill Sans"/>
+              <a:cs typeface="Gill Sans"/>
+            </a:endParaRPr>
           </a:p>
         </p:txBody>
       </p:sp>
@@ -9502,9 +9905,36 @@
           <a:lstStyle/>
           <a:p>
             <a:r>
-              <a:rPr lang="en-US" smtClean="0"/>
-              <a:t>@nathenharvey</a:t>
-            </a:r>
+              <a:rPr lang="en-US" dirty="0" smtClean="0"/>
+              <a:t>@</a:t>
+            </a:r>
+            <a:r>
+              <a:rPr lang="en-US" dirty="0" err="1" smtClean="0"/>
+              <a:t>nathenharvey</a:t>
+            </a:r>
+            <a:endParaRPr lang="en-US" dirty="0"/>
+          </a:p>
+        </p:txBody>
+      </p:sp>
+      <p:sp>
+        <p:nvSpPr>
+          <p:cNvPr id="7" name="Date Placeholder 6"/>
+          <p:cNvSpPr>
+            <a:spLocks noGrp="1"/>
+          </p:cNvSpPr>
+          <p:nvPr>
+            <p:ph type="dt" sz="half" idx="10"/>
+          </p:nvPr>
+        </p:nvSpPr>
+        <p:spPr/>
+        <p:txBody>
+          <a:bodyPr/>
+          <a:lstStyle/>
+          <a:p>
+            <a:fld id="{2A81C9E0-5CA9-5A45-9F00-D44384AC682E}" type="slidenum">
+              <a:rPr lang="en-US" smtClean="0"/>
+              <a:t>9</a:t>
+            </a:fld>
             <a:endParaRPr lang="en-US" dirty="0"/>
           </a:p>
         </p:txBody>
